--- a/02-Imagenes/Clustering/PowerPointImagenes.pptx
+++ b/02-Imagenes/Clustering/PowerPointImagenes.pptx
@@ -7,7 +7,8 @@
   <p:sldIdLst>
     <p:sldId id="256" r:id="rId2"/>
     <p:sldId id="257" r:id="rId3"/>
-    <p:sldId id="258" r:id="rId4"/>
+    <p:sldId id="259" r:id="rId4"/>
+    <p:sldId id="258" r:id="rId5"/>
   </p:sldIdLst>
   <p:sldSz cx="12192000" cy="6858000"/>
   <p:notesSz cx="6858000" cy="9144000"/>
@@ -106,6 +107,11 @@
       </a:defRPr>
     </a:lvl9pPr>
   </p:defaultTextStyle>
+  <p:extLst>
+    <p:ext uri="{EFAFB233-063F-42B5-8137-9DF3F51BA10A}">
+      <p15:sldGuideLst xmlns:p15="http://schemas.microsoft.com/office/powerpoint/2012/main"/>
+    </p:ext>
+  </p:extLst>
 </p:presentation>
 </file>
 
@@ -256,7 +262,7 @@
           <a:p>
             <a:fld id="{B162AE5B-1CB5-8449-AE94-DFA494236B4E}" type="datetimeFigureOut">
               <a:rPr lang="es-ES" smtClean="0"/>
-              <a:t>11/6/24</a:t>
+              <a:t>30/7/24</a:t>
             </a:fld>
             <a:endParaRPr lang="es-ES"/>
           </a:p>
@@ -454,7 +460,7 @@
           <a:p>
             <a:fld id="{B162AE5B-1CB5-8449-AE94-DFA494236B4E}" type="datetimeFigureOut">
               <a:rPr lang="es-ES" smtClean="0"/>
-              <a:t>11/6/24</a:t>
+              <a:t>30/7/24</a:t>
             </a:fld>
             <a:endParaRPr lang="es-ES"/>
           </a:p>
@@ -662,7 +668,7 @@
           <a:p>
             <a:fld id="{B162AE5B-1CB5-8449-AE94-DFA494236B4E}" type="datetimeFigureOut">
               <a:rPr lang="es-ES" smtClean="0"/>
-              <a:t>11/6/24</a:t>
+              <a:t>30/7/24</a:t>
             </a:fld>
             <a:endParaRPr lang="es-ES"/>
           </a:p>
@@ -860,7 +866,7 @@
           <a:p>
             <a:fld id="{B162AE5B-1CB5-8449-AE94-DFA494236B4E}" type="datetimeFigureOut">
               <a:rPr lang="es-ES" smtClean="0"/>
-              <a:t>11/6/24</a:t>
+              <a:t>30/7/24</a:t>
             </a:fld>
             <a:endParaRPr lang="es-ES"/>
           </a:p>
@@ -1135,7 +1141,7 @@
           <a:p>
             <a:fld id="{B162AE5B-1CB5-8449-AE94-DFA494236B4E}" type="datetimeFigureOut">
               <a:rPr lang="es-ES" smtClean="0"/>
-              <a:t>11/6/24</a:t>
+              <a:t>30/7/24</a:t>
             </a:fld>
             <a:endParaRPr lang="es-ES"/>
           </a:p>
@@ -1400,7 +1406,7 @@
           <a:p>
             <a:fld id="{B162AE5B-1CB5-8449-AE94-DFA494236B4E}" type="datetimeFigureOut">
               <a:rPr lang="es-ES" smtClean="0"/>
-              <a:t>11/6/24</a:t>
+              <a:t>30/7/24</a:t>
             </a:fld>
             <a:endParaRPr lang="es-ES"/>
           </a:p>
@@ -1812,7 +1818,7 @@
           <a:p>
             <a:fld id="{B162AE5B-1CB5-8449-AE94-DFA494236B4E}" type="datetimeFigureOut">
               <a:rPr lang="es-ES" smtClean="0"/>
-              <a:t>11/6/24</a:t>
+              <a:t>30/7/24</a:t>
             </a:fld>
             <a:endParaRPr lang="es-ES"/>
           </a:p>
@@ -1953,7 +1959,7 @@
           <a:p>
             <a:fld id="{B162AE5B-1CB5-8449-AE94-DFA494236B4E}" type="datetimeFigureOut">
               <a:rPr lang="es-ES" smtClean="0"/>
-              <a:t>11/6/24</a:t>
+              <a:t>30/7/24</a:t>
             </a:fld>
             <a:endParaRPr lang="es-ES"/>
           </a:p>
@@ -2066,7 +2072,7 @@
           <a:p>
             <a:fld id="{B162AE5B-1CB5-8449-AE94-DFA494236B4E}" type="datetimeFigureOut">
               <a:rPr lang="es-ES" smtClean="0"/>
-              <a:t>11/6/24</a:t>
+              <a:t>30/7/24</a:t>
             </a:fld>
             <a:endParaRPr lang="es-ES"/>
           </a:p>
@@ -2377,7 +2383,7 @@
           <a:p>
             <a:fld id="{B162AE5B-1CB5-8449-AE94-DFA494236B4E}" type="datetimeFigureOut">
               <a:rPr lang="es-ES" smtClean="0"/>
-              <a:t>11/6/24</a:t>
+              <a:t>30/7/24</a:t>
             </a:fld>
             <a:endParaRPr lang="es-ES"/>
           </a:p>
@@ -2665,7 +2671,7 @@
           <a:p>
             <a:fld id="{B162AE5B-1CB5-8449-AE94-DFA494236B4E}" type="datetimeFigureOut">
               <a:rPr lang="es-ES" smtClean="0"/>
-              <a:t>11/6/24</a:t>
+              <a:t>30/7/24</a:t>
             </a:fld>
             <a:endParaRPr lang="es-ES"/>
           </a:p>
@@ -2906,7 +2912,7 @@
           <a:p>
             <a:fld id="{B162AE5B-1CB5-8449-AE94-DFA494236B4E}" type="datetimeFigureOut">
               <a:rPr lang="es-ES" smtClean="0"/>
-              <a:t>11/6/24</a:t>
+              <a:t>30/7/24</a:t>
             </a:fld>
             <a:endParaRPr lang="es-ES"/>
           </a:p>
@@ -7722,8 +7728,21 @@
                       <a:ea typeface="Geist Mono Bold" pitchFamily="2" charset="77"/>
                       <a:cs typeface="Geist Mono Bold" pitchFamily="2" charset="77"/>
                     </a:rPr>
-                    <a:t>Antes del clustering</a:t>
+                    <a:t>Antes del </a:t>
                   </a:r>
+                  <a:r>
+                    <a:rPr lang="es-ES" b="1" dirty="0" err="1">
+                      <a:latin typeface="Geist Mono Bold" pitchFamily="2" charset="77"/>
+                      <a:ea typeface="Geist Mono Bold" pitchFamily="2" charset="77"/>
+                      <a:cs typeface="Geist Mono Bold" pitchFamily="2" charset="77"/>
+                    </a:rPr>
+                    <a:t>clustering</a:t>
+                  </a:r>
+                  <a:endParaRPr lang="es-ES" b="1" dirty="0">
+                    <a:latin typeface="Geist Mono Bold" pitchFamily="2" charset="77"/>
+                    <a:ea typeface="Geist Mono Bold" pitchFamily="2" charset="77"/>
+                    <a:cs typeface="Geist Mono Bold" pitchFamily="2" charset="77"/>
+                  </a:endParaRPr>
                 </a:p>
               </p:txBody>
             </p:sp>
@@ -7762,7 +7781,15 @@
                       <a:ea typeface="Geist Mono Bold" pitchFamily="2" charset="77"/>
                       <a:cs typeface="Geist Mono Bold" pitchFamily="2" charset="77"/>
                     </a:rPr>
-                    <a:t>Después del clustering</a:t>
+                    <a:t>Después del </a:t>
+                  </a:r>
+                  <a:r>
+                    <a:rPr lang="es-ES" b="1" dirty="0" err="1">
+                      <a:latin typeface="Geist Mono Bold" pitchFamily="2" charset="77"/>
+                      <a:ea typeface="Geist Mono Bold" pitchFamily="2" charset="77"/>
+                      <a:cs typeface="Geist Mono Bold" pitchFamily="2" charset="77"/>
+                    </a:rPr>
+                    <a:t>clustering</a:t>
                   </a:r>
                   <a:endParaRPr lang="es-ES" b="1" dirty="0">
                     <a:latin typeface="Geist Mono Bold" pitchFamily="2" charset="77"/>
@@ -11270,8 +11297,23 @@
                   <a:ea typeface="Geist Mono Bold" pitchFamily="2" charset="77"/>
                   <a:cs typeface="Geist Mono Bold" pitchFamily="2" charset="77"/>
                 </a:rPr>
-                <a:t>Clustering aglomerativo</a:t>
+                <a:t>Clustering </a:t>
               </a:r>
+              <a:r>
+                <a:rPr lang="es-ES" b="1" u="sng" dirty="0" err="1">
+                  <a:effectLst/>
+                  <a:latin typeface="Geist Mono Bold" pitchFamily="2" charset="77"/>
+                  <a:ea typeface="Geist Mono Bold" pitchFamily="2" charset="77"/>
+                  <a:cs typeface="Geist Mono Bold" pitchFamily="2" charset="77"/>
+                </a:rPr>
+                <a:t>aglomerativo</a:t>
+              </a:r>
+              <a:endParaRPr lang="es-ES" b="1" u="sng" dirty="0">
+                <a:effectLst/>
+                <a:latin typeface="Geist Mono Bold" pitchFamily="2" charset="77"/>
+                <a:ea typeface="Geist Mono Bold" pitchFamily="2" charset="77"/>
+                <a:cs typeface="Geist Mono Bold" pitchFamily="2" charset="77"/>
+              </a:endParaRPr>
             </a:p>
             <a:p>
               <a:pPr algn="ctr"/>
@@ -11281,7 +11323,23 @@
                   <a:ea typeface="Geist Mono Bold" pitchFamily="2" charset="77"/>
                   <a:cs typeface="Geist Mono Bold" pitchFamily="2" charset="77"/>
                 </a:rPr>
-                <a:t>(agglomerative clustering)</a:t>
+                <a:t>(agglomerative </a:t>
+              </a:r>
+              <a:r>
+                <a:rPr lang="es-ES" sz="1200" b="1" i="1" dirty="0" err="1">
+                  <a:latin typeface="Geist Mono Bold" pitchFamily="2" charset="77"/>
+                  <a:ea typeface="Geist Mono Bold" pitchFamily="2" charset="77"/>
+                  <a:cs typeface="Geist Mono Bold" pitchFamily="2" charset="77"/>
+                </a:rPr>
+                <a:t>clustering</a:t>
+              </a:r>
+              <a:r>
+                <a:rPr lang="es-ES" sz="1200" b="1" i="1" dirty="0">
+                  <a:latin typeface="Geist Mono Bold" pitchFamily="2" charset="77"/>
+                  <a:ea typeface="Geist Mono Bold" pitchFamily="2" charset="77"/>
+                  <a:cs typeface="Geist Mono Bold" pitchFamily="2" charset="77"/>
+                </a:rPr>
+                <a:t>)</a:t>
               </a:r>
             </a:p>
           </p:txBody>
@@ -11334,7 +11392,25 @@
                   <a:ea typeface="Geist Mono Bold" pitchFamily="2" charset="77"/>
                   <a:cs typeface="Geist Mono Bold" pitchFamily="2" charset="77"/>
                 </a:rPr>
-                <a:t>(Divisive clustering)</a:t>
+                <a:t>(Divisive </a:t>
+              </a:r>
+              <a:r>
+                <a:rPr lang="es-ES" sz="1200" b="1" i="1" dirty="0" err="1">
+                  <a:effectLst/>
+                  <a:latin typeface="Geist Mono Bold" pitchFamily="2" charset="77"/>
+                  <a:ea typeface="Geist Mono Bold" pitchFamily="2" charset="77"/>
+                  <a:cs typeface="Geist Mono Bold" pitchFamily="2" charset="77"/>
+                </a:rPr>
+                <a:t>clustering</a:t>
+              </a:r>
+              <a:r>
+                <a:rPr lang="es-ES" sz="1200" b="1" i="1" dirty="0">
+                  <a:effectLst/>
+                  <a:latin typeface="Geist Mono Bold" pitchFamily="2" charset="77"/>
+                  <a:ea typeface="Geist Mono Bold" pitchFamily="2" charset="77"/>
+                  <a:cs typeface="Geist Mono Bold" pitchFamily="2" charset="77"/>
+                </a:rPr>
+                <a:t>)</a:t>
               </a:r>
             </a:p>
           </p:txBody>
@@ -11354,6 +11430,9592 @@
 </file>
 
 <file path=ppt/slides/slide3.xml><?xml version="1.0" encoding="utf-8"?>
+<p:sld xmlns:a="http://schemas.openxmlformats.org/drawingml/2006/main" xmlns:r="http://schemas.openxmlformats.org/officeDocument/2006/relationships" xmlns:p="http://schemas.openxmlformats.org/presentationml/2006/main">
+  <p:cSld>
+    <p:spTree>
+      <p:nvGrpSpPr>
+        <p:cNvPr id="1" name=""/>
+        <p:cNvGrpSpPr/>
+        <p:nvPr/>
+      </p:nvGrpSpPr>
+      <p:grpSpPr>
+        <a:xfrm>
+          <a:off x="0" y="0"/>
+          <a:ext cx="0" cy="0"/>
+          <a:chOff x="0" y="0"/>
+          <a:chExt cx="0" cy="0"/>
+        </a:xfrm>
+      </p:grpSpPr>
+      <p:grpSp>
+        <p:nvGrpSpPr>
+          <p:cNvPr id="417" name="Grupo 416">
+            <a:extLst>
+              <a:ext uri="{FF2B5EF4-FFF2-40B4-BE49-F238E27FC236}">
+                <a16:creationId xmlns:a16="http://schemas.microsoft.com/office/drawing/2014/main" id="{EC5F17A7-B2FE-DEDD-1E2B-F3FB864CC96B}"/>
+              </a:ext>
+            </a:extLst>
+          </p:cNvPr>
+          <p:cNvGrpSpPr/>
+          <p:nvPr/>
+        </p:nvGrpSpPr>
+        <p:grpSpPr>
+          <a:xfrm>
+            <a:off x="0" y="77638"/>
+            <a:ext cx="12192000" cy="6176513"/>
+            <a:chOff x="0" y="77638"/>
+            <a:chExt cx="12192000" cy="6176513"/>
+          </a:xfrm>
+        </p:grpSpPr>
+        <p:sp>
+          <p:nvSpPr>
+            <p:cNvPr id="416" name="Rectángulo 415">
+              <a:extLst>
+                <a:ext uri="{FF2B5EF4-FFF2-40B4-BE49-F238E27FC236}">
+                  <a16:creationId xmlns:a16="http://schemas.microsoft.com/office/drawing/2014/main" id="{6BDA3673-8F4F-5455-7AD8-06242E4EF93E}"/>
+                </a:ext>
+              </a:extLst>
+            </p:cNvPr>
+            <p:cNvSpPr/>
+            <p:nvPr/>
+          </p:nvSpPr>
+          <p:spPr>
+            <a:xfrm>
+              <a:off x="0" y="77638"/>
+              <a:ext cx="12192000" cy="6176513"/>
+            </a:xfrm>
+            <a:prstGeom prst="rect">
+              <a:avLst/>
+            </a:prstGeom>
+            <a:solidFill>
+              <a:schemeClr val="bg1"/>
+            </a:solidFill>
+            <a:ln>
+              <a:noFill/>
+            </a:ln>
+          </p:spPr>
+          <p:style>
+            <a:lnRef idx="2">
+              <a:schemeClr val="accent1">
+                <a:shade val="15000"/>
+              </a:schemeClr>
+            </a:lnRef>
+            <a:fillRef idx="1">
+              <a:schemeClr val="accent1"/>
+            </a:fillRef>
+            <a:effectRef idx="0">
+              <a:schemeClr val="accent1"/>
+            </a:effectRef>
+            <a:fontRef idx="minor">
+              <a:schemeClr val="lt1"/>
+            </a:fontRef>
+          </p:style>
+          <p:txBody>
+            <a:bodyPr rtlCol="0" anchor="ctr"/>
+            <a:lstStyle/>
+            <a:p>
+              <a:pPr algn="ctr"/>
+              <a:endParaRPr lang="es-ES"/>
+            </a:p>
+          </p:txBody>
+        </p:sp>
+        <p:grpSp>
+          <p:nvGrpSpPr>
+            <p:cNvPr id="415" name="Grupo 414">
+              <a:extLst>
+                <a:ext uri="{FF2B5EF4-FFF2-40B4-BE49-F238E27FC236}">
+                  <a16:creationId xmlns:a16="http://schemas.microsoft.com/office/drawing/2014/main" id="{B34CFD97-22D1-91A1-7FDF-8C95FDBDA155}"/>
+                </a:ext>
+              </a:extLst>
+            </p:cNvPr>
+            <p:cNvGrpSpPr/>
+            <p:nvPr/>
+          </p:nvGrpSpPr>
+          <p:grpSpPr>
+            <a:xfrm>
+              <a:off x="52894" y="378637"/>
+              <a:ext cx="11945787" cy="5736778"/>
+              <a:chOff x="52894" y="378637"/>
+              <a:chExt cx="11945787" cy="5736778"/>
+            </a:xfrm>
+          </p:grpSpPr>
+          <p:grpSp>
+            <p:nvGrpSpPr>
+              <p:cNvPr id="30" name="Grupo 29">
+                <a:extLst>
+                  <a:ext uri="{FF2B5EF4-FFF2-40B4-BE49-F238E27FC236}">
+                    <a16:creationId xmlns:a16="http://schemas.microsoft.com/office/drawing/2014/main" id="{834D4549-1DDD-5E15-8F3E-662ED4090D67}"/>
+                  </a:ext>
+                </a:extLst>
+              </p:cNvPr>
+              <p:cNvGrpSpPr/>
+              <p:nvPr/>
+            </p:nvGrpSpPr>
+            <p:grpSpPr>
+              <a:xfrm>
+                <a:off x="503492" y="1306340"/>
+                <a:ext cx="1249060" cy="1179611"/>
+                <a:chOff x="701898" y="1249795"/>
+                <a:chExt cx="1760662" cy="1959743"/>
+              </a:xfrm>
+            </p:grpSpPr>
+            <p:sp>
+              <p:nvSpPr>
+                <p:cNvPr id="32" name="Elipse 31">
+                  <a:extLst>
+                    <a:ext uri="{FF2B5EF4-FFF2-40B4-BE49-F238E27FC236}">
+                      <a16:creationId xmlns:a16="http://schemas.microsoft.com/office/drawing/2014/main" id="{60132734-1A4A-A21B-1C8F-2B7880299630}"/>
+                    </a:ext>
+                  </a:extLst>
+                </p:cNvPr>
+                <p:cNvSpPr/>
+                <p:nvPr/>
+              </p:nvSpPr>
+              <p:spPr>
+                <a:xfrm>
+                  <a:off x="2017361" y="1249795"/>
+                  <a:ext cx="154800" cy="157655"/>
+                </a:xfrm>
+                <a:prstGeom prst="ellipse">
+                  <a:avLst/>
+                </a:prstGeom>
+                <a:solidFill>
+                  <a:srgbClr val="FFC000"/>
+                </a:solidFill>
+                <a:ln>
+                  <a:solidFill>
+                    <a:srgbClr val="002060"/>
+                  </a:solidFill>
+                </a:ln>
+              </p:spPr>
+              <p:style>
+                <a:lnRef idx="2">
+                  <a:schemeClr val="accent1">
+                    <a:shade val="15000"/>
+                  </a:schemeClr>
+                </a:lnRef>
+                <a:fillRef idx="1">
+                  <a:schemeClr val="accent1"/>
+                </a:fillRef>
+                <a:effectRef idx="0">
+                  <a:schemeClr val="accent1"/>
+                </a:effectRef>
+                <a:fontRef idx="minor">
+                  <a:schemeClr val="lt1"/>
+                </a:fontRef>
+              </p:style>
+              <p:txBody>
+                <a:bodyPr rtlCol="0" anchor="ctr"/>
+                <a:lstStyle/>
+                <a:p>
+                  <a:pPr algn="ctr"/>
+                  <a:endParaRPr lang="es-ES"/>
+                </a:p>
+              </p:txBody>
+            </p:sp>
+            <p:sp>
+              <p:nvSpPr>
+                <p:cNvPr id="33" name="Elipse 32">
+                  <a:extLst>
+                    <a:ext uri="{FF2B5EF4-FFF2-40B4-BE49-F238E27FC236}">
+                      <a16:creationId xmlns:a16="http://schemas.microsoft.com/office/drawing/2014/main" id="{A351B0C1-570C-38A5-F63F-20855F6D7336}"/>
+                    </a:ext>
+                  </a:extLst>
+                </p:cNvPr>
+                <p:cNvSpPr/>
+                <p:nvPr/>
+              </p:nvSpPr>
+              <p:spPr>
+                <a:xfrm>
+                  <a:off x="2307760" y="2364202"/>
+                  <a:ext cx="154800" cy="157655"/>
+                </a:xfrm>
+                <a:prstGeom prst="ellipse">
+                  <a:avLst/>
+                </a:prstGeom>
+                <a:solidFill>
+                  <a:srgbClr val="FFC000"/>
+                </a:solidFill>
+                <a:ln>
+                  <a:solidFill>
+                    <a:srgbClr val="002060"/>
+                  </a:solidFill>
+                </a:ln>
+              </p:spPr>
+              <p:style>
+                <a:lnRef idx="2">
+                  <a:schemeClr val="accent1">
+                    <a:shade val="15000"/>
+                  </a:schemeClr>
+                </a:lnRef>
+                <a:fillRef idx="1">
+                  <a:schemeClr val="accent1"/>
+                </a:fillRef>
+                <a:effectRef idx="0">
+                  <a:schemeClr val="accent1"/>
+                </a:effectRef>
+                <a:fontRef idx="minor">
+                  <a:schemeClr val="lt1"/>
+                </a:fontRef>
+              </p:style>
+              <p:txBody>
+                <a:bodyPr rtlCol="0" anchor="ctr"/>
+                <a:lstStyle/>
+                <a:p>
+                  <a:pPr algn="ctr"/>
+                  <a:endParaRPr lang="es-ES"/>
+                </a:p>
+              </p:txBody>
+            </p:sp>
+            <p:sp>
+              <p:nvSpPr>
+                <p:cNvPr id="34" name="Elipse 33">
+                  <a:extLst>
+                    <a:ext uri="{FF2B5EF4-FFF2-40B4-BE49-F238E27FC236}">
+                      <a16:creationId xmlns:a16="http://schemas.microsoft.com/office/drawing/2014/main" id="{8D91588E-9DB8-C781-ED4F-279540CCC633}"/>
+                    </a:ext>
+                  </a:extLst>
+                </p:cNvPr>
+                <p:cNvSpPr/>
+                <p:nvPr/>
+              </p:nvSpPr>
+              <p:spPr>
+                <a:xfrm>
+                  <a:off x="701898" y="2379854"/>
+                  <a:ext cx="154800" cy="157655"/>
+                </a:xfrm>
+                <a:prstGeom prst="ellipse">
+                  <a:avLst/>
+                </a:prstGeom>
+                <a:solidFill>
+                  <a:srgbClr val="FFC000"/>
+                </a:solidFill>
+                <a:ln>
+                  <a:solidFill>
+                    <a:srgbClr val="002060"/>
+                  </a:solidFill>
+                </a:ln>
+              </p:spPr>
+              <p:style>
+                <a:lnRef idx="2">
+                  <a:schemeClr val="accent1">
+                    <a:shade val="15000"/>
+                  </a:schemeClr>
+                </a:lnRef>
+                <a:fillRef idx="1">
+                  <a:schemeClr val="accent1"/>
+                </a:fillRef>
+                <a:effectRef idx="0">
+                  <a:schemeClr val="accent1"/>
+                </a:effectRef>
+                <a:fontRef idx="minor">
+                  <a:schemeClr val="lt1"/>
+                </a:fontRef>
+              </p:style>
+              <p:txBody>
+                <a:bodyPr rtlCol="0" anchor="ctr"/>
+                <a:lstStyle/>
+                <a:p>
+                  <a:pPr algn="ctr"/>
+                  <a:endParaRPr lang="es-ES"/>
+                </a:p>
+              </p:txBody>
+            </p:sp>
+            <p:sp>
+              <p:nvSpPr>
+                <p:cNvPr id="35" name="Elipse 34">
+                  <a:extLst>
+                    <a:ext uri="{FF2B5EF4-FFF2-40B4-BE49-F238E27FC236}">
+                      <a16:creationId xmlns:a16="http://schemas.microsoft.com/office/drawing/2014/main" id="{DF9E6C64-1AE0-70E6-1979-60D75CDAE795}"/>
+                    </a:ext>
+                  </a:extLst>
+                </p:cNvPr>
+                <p:cNvSpPr/>
+                <p:nvPr/>
+              </p:nvSpPr>
+              <p:spPr>
+                <a:xfrm>
+                  <a:off x="1333348" y="2608030"/>
+                  <a:ext cx="154800" cy="157655"/>
+                </a:xfrm>
+                <a:prstGeom prst="ellipse">
+                  <a:avLst/>
+                </a:prstGeom>
+                <a:solidFill>
+                  <a:srgbClr val="FFC000"/>
+                </a:solidFill>
+                <a:ln>
+                  <a:solidFill>
+                    <a:srgbClr val="002060"/>
+                  </a:solidFill>
+                </a:ln>
+              </p:spPr>
+              <p:style>
+                <a:lnRef idx="2">
+                  <a:schemeClr val="accent1">
+                    <a:shade val="15000"/>
+                  </a:schemeClr>
+                </a:lnRef>
+                <a:fillRef idx="1">
+                  <a:schemeClr val="accent1"/>
+                </a:fillRef>
+                <a:effectRef idx="0">
+                  <a:schemeClr val="accent1"/>
+                </a:effectRef>
+                <a:fontRef idx="minor">
+                  <a:schemeClr val="lt1"/>
+                </a:fontRef>
+              </p:style>
+              <p:txBody>
+                <a:bodyPr rtlCol="0" anchor="ctr"/>
+                <a:lstStyle/>
+                <a:p>
+                  <a:pPr algn="ctr"/>
+                  <a:endParaRPr lang="es-ES"/>
+                </a:p>
+              </p:txBody>
+            </p:sp>
+            <p:sp>
+              <p:nvSpPr>
+                <p:cNvPr id="36" name="Elipse 35">
+                  <a:extLst>
+                    <a:ext uri="{FF2B5EF4-FFF2-40B4-BE49-F238E27FC236}">
+                      <a16:creationId xmlns:a16="http://schemas.microsoft.com/office/drawing/2014/main" id="{85849161-EA5D-2179-8A0D-C594932FDB66}"/>
+                    </a:ext>
+                  </a:extLst>
+                </p:cNvPr>
+                <p:cNvSpPr/>
+                <p:nvPr/>
+              </p:nvSpPr>
+              <p:spPr>
+                <a:xfrm>
+                  <a:off x="2307760" y="2718926"/>
+                  <a:ext cx="154800" cy="157655"/>
+                </a:xfrm>
+                <a:prstGeom prst="ellipse">
+                  <a:avLst/>
+                </a:prstGeom>
+                <a:solidFill>
+                  <a:srgbClr val="FFC000"/>
+                </a:solidFill>
+                <a:ln>
+                  <a:solidFill>
+                    <a:srgbClr val="002060"/>
+                  </a:solidFill>
+                </a:ln>
+              </p:spPr>
+              <p:style>
+                <a:lnRef idx="2">
+                  <a:schemeClr val="accent1">
+                    <a:shade val="15000"/>
+                  </a:schemeClr>
+                </a:lnRef>
+                <a:fillRef idx="1">
+                  <a:schemeClr val="accent1"/>
+                </a:fillRef>
+                <a:effectRef idx="0">
+                  <a:schemeClr val="accent1"/>
+                </a:effectRef>
+                <a:fontRef idx="minor">
+                  <a:schemeClr val="lt1"/>
+                </a:fontRef>
+              </p:style>
+              <p:txBody>
+                <a:bodyPr rtlCol="0" anchor="ctr"/>
+                <a:lstStyle/>
+                <a:p>
+                  <a:pPr algn="ctr"/>
+                  <a:endParaRPr lang="es-ES"/>
+                </a:p>
+              </p:txBody>
+            </p:sp>
+            <p:sp>
+              <p:nvSpPr>
+                <p:cNvPr id="37" name="Elipse 36">
+                  <a:extLst>
+                    <a:ext uri="{FF2B5EF4-FFF2-40B4-BE49-F238E27FC236}">
+                      <a16:creationId xmlns:a16="http://schemas.microsoft.com/office/drawing/2014/main" id="{744CE2DF-ED9A-D6ED-9469-72BEBA39C68F}"/>
+                    </a:ext>
+                  </a:extLst>
+                </p:cNvPr>
+                <p:cNvSpPr/>
+                <p:nvPr/>
+              </p:nvSpPr>
+              <p:spPr>
+                <a:xfrm>
+                  <a:off x="1039099" y="2056660"/>
+                  <a:ext cx="154800" cy="157655"/>
+                </a:xfrm>
+                <a:prstGeom prst="ellipse">
+                  <a:avLst/>
+                </a:prstGeom>
+                <a:solidFill>
+                  <a:srgbClr val="FFC000"/>
+                </a:solidFill>
+                <a:ln>
+                  <a:solidFill>
+                    <a:srgbClr val="002060"/>
+                  </a:solidFill>
+                </a:ln>
+              </p:spPr>
+              <p:style>
+                <a:lnRef idx="2">
+                  <a:schemeClr val="accent1">
+                    <a:shade val="15000"/>
+                  </a:schemeClr>
+                </a:lnRef>
+                <a:fillRef idx="1">
+                  <a:schemeClr val="accent1"/>
+                </a:fillRef>
+                <a:effectRef idx="0">
+                  <a:schemeClr val="accent1"/>
+                </a:effectRef>
+                <a:fontRef idx="minor">
+                  <a:schemeClr val="lt1"/>
+                </a:fontRef>
+              </p:style>
+              <p:txBody>
+                <a:bodyPr rtlCol="0" anchor="ctr"/>
+                <a:lstStyle/>
+                <a:p>
+                  <a:pPr algn="ctr"/>
+                  <a:endParaRPr lang="es-ES"/>
+                </a:p>
+              </p:txBody>
+            </p:sp>
+            <p:sp>
+              <p:nvSpPr>
+                <p:cNvPr id="38" name="Elipse 37">
+                  <a:extLst>
+                    <a:ext uri="{FF2B5EF4-FFF2-40B4-BE49-F238E27FC236}">
+                      <a16:creationId xmlns:a16="http://schemas.microsoft.com/office/drawing/2014/main" id="{3350FA57-15EF-0CB9-FA45-9DDE24A3402A}"/>
+                    </a:ext>
+                  </a:extLst>
+                </p:cNvPr>
+                <p:cNvSpPr/>
+                <p:nvPr/>
+              </p:nvSpPr>
+              <p:spPr>
+                <a:xfrm>
+                  <a:off x="2200542" y="3051883"/>
+                  <a:ext cx="154800" cy="157655"/>
+                </a:xfrm>
+                <a:prstGeom prst="ellipse">
+                  <a:avLst/>
+                </a:prstGeom>
+                <a:solidFill>
+                  <a:srgbClr val="FFC000"/>
+                </a:solidFill>
+                <a:ln>
+                  <a:solidFill>
+                    <a:srgbClr val="002060"/>
+                  </a:solidFill>
+                </a:ln>
+              </p:spPr>
+              <p:style>
+                <a:lnRef idx="2">
+                  <a:schemeClr val="accent1">
+                    <a:shade val="15000"/>
+                  </a:schemeClr>
+                </a:lnRef>
+                <a:fillRef idx="1">
+                  <a:schemeClr val="accent1"/>
+                </a:fillRef>
+                <a:effectRef idx="0">
+                  <a:schemeClr val="accent1"/>
+                </a:effectRef>
+                <a:fontRef idx="minor">
+                  <a:schemeClr val="lt1"/>
+                </a:fontRef>
+              </p:style>
+              <p:txBody>
+                <a:bodyPr rtlCol="0" anchor="ctr"/>
+                <a:lstStyle/>
+                <a:p>
+                  <a:pPr algn="ctr"/>
+                  <a:endParaRPr lang="es-ES"/>
+                </a:p>
+              </p:txBody>
+            </p:sp>
+            <p:sp>
+              <p:nvSpPr>
+                <p:cNvPr id="39" name="Elipse 38">
+                  <a:extLst>
+                    <a:ext uri="{FF2B5EF4-FFF2-40B4-BE49-F238E27FC236}">
+                      <a16:creationId xmlns:a16="http://schemas.microsoft.com/office/drawing/2014/main" id="{9EDCBF54-08BF-AFE7-5C4E-30E3F4CFFC09}"/>
+                    </a:ext>
+                  </a:extLst>
+                </p:cNvPr>
+                <p:cNvSpPr/>
+                <p:nvPr/>
+              </p:nvSpPr>
+              <p:spPr>
+                <a:xfrm>
+                  <a:off x="974135" y="2912673"/>
+                  <a:ext cx="154800" cy="157655"/>
+                </a:xfrm>
+                <a:prstGeom prst="ellipse">
+                  <a:avLst/>
+                </a:prstGeom>
+                <a:solidFill>
+                  <a:srgbClr val="FFC000"/>
+                </a:solidFill>
+                <a:ln>
+                  <a:solidFill>
+                    <a:srgbClr val="002060"/>
+                  </a:solidFill>
+                </a:ln>
+              </p:spPr>
+              <p:style>
+                <a:lnRef idx="2">
+                  <a:schemeClr val="accent1">
+                    <a:shade val="15000"/>
+                  </a:schemeClr>
+                </a:lnRef>
+                <a:fillRef idx="1">
+                  <a:schemeClr val="accent1"/>
+                </a:fillRef>
+                <a:effectRef idx="0">
+                  <a:schemeClr val="accent1"/>
+                </a:effectRef>
+                <a:fontRef idx="minor">
+                  <a:schemeClr val="lt1"/>
+                </a:fontRef>
+              </p:style>
+              <p:txBody>
+                <a:bodyPr rtlCol="0" anchor="ctr"/>
+                <a:lstStyle/>
+                <a:p>
+                  <a:pPr algn="ctr"/>
+                  <a:endParaRPr lang="es-ES"/>
+                </a:p>
+              </p:txBody>
+            </p:sp>
+          </p:grpSp>
+          <p:grpSp>
+            <p:nvGrpSpPr>
+              <p:cNvPr id="99" name="Grupo 98">
+                <a:extLst>
+                  <a:ext uri="{FF2B5EF4-FFF2-40B4-BE49-F238E27FC236}">
+                    <a16:creationId xmlns:a16="http://schemas.microsoft.com/office/drawing/2014/main" id="{3BEF3FE7-A611-9F88-363B-19C48DE63BC9}"/>
+                  </a:ext>
+                </a:extLst>
+              </p:cNvPr>
+              <p:cNvGrpSpPr/>
+              <p:nvPr/>
+            </p:nvGrpSpPr>
+            <p:grpSpPr>
+              <a:xfrm>
+                <a:off x="2891203" y="1245897"/>
+                <a:ext cx="1377815" cy="1300496"/>
+                <a:chOff x="3049353" y="1205541"/>
+                <a:chExt cx="1377815" cy="1300496"/>
+              </a:xfrm>
+            </p:grpSpPr>
+            <p:grpSp>
+              <p:nvGrpSpPr>
+                <p:cNvPr id="100" name="Grupo 99">
+                  <a:extLst>
+                    <a:ext uri="{FF2B5EF4-FFF2-40B4-BE49-F238E27FC236}">
+                      <a16:creationId xmlns:a16="http://schemas.microsoft.com/office/drawing/2014/main" id="{890AE6C9-EC92-061F-8756-D16AAC95C7B9}"/>
+                    </a:ext>
+                  </a:extLst>
+                </p:cNvPr>
+                <p:cNvGrpSpPr/>
+                <p:nvPr/>
+              </p:nvGrpSpPr>
+              <p:grpSpPr>
+                <a:xfrm>
+                  <a:off x="3109822" y="1249795"/>
+                  <a:ext cx="1249060" cy="1179611"/>
+                  <a:chOff x="701898" y="1249795"/>
+                  <a:chExt cx="1760662" cy="1959743"/>
+                </a:xfrm>
+              </p:grpSpPr>
+              <p:sp>
+                <p:nvSpPr>
+                  <p:cNvPr id="111" name="Elipse 110">
+                    <a:extLst>
+                      <a:ext uri="{FF2B5EF4-FFF2-40B4-BE49-F238E27FC236}">
+                        <a16:creationId xmlns:a16="http://schemas.microsoft.com/office/drawing/2014/main" id="{8F53B384-5526-CDDC-5788-615626E56136}"/>
+                      </a:ext>
+                    </a:extLst>
+                  </p:cNvPr>
+                  <p:cNvSpPr/>
+                  <p:nvPr/>
+                </p:nvSpPr>
+                <p:spPr>
+                  <a:xfrm>
+                    <a:off x="2078159" y="1249795"/>
+                    <a:ext cx="154800" cy="157655"/>
+                  </a:xfrm>
+                  <a:prstGeom prst="ellipse">
+                    <a:avLst/>
+                  </a:prstGeom>
+                  <a:solidFill>
+                    <a:srgbClr val="FFC000"/>
+                  </a:solidFill>
+                  <a:ln>
+                    <a:solidFill>
+                      <a:srgbClr val="002060"/>
+                    </a:solidFill>
+                  </a:ln>
+                </p:spPr>
+                <p:style>
+                  <a:lnRef idx="2">
+                    <a:schemeClr val="accent1">
+                      <a:shade val="15000"/>
+                    </a:schemeClr>
+                  </a:lnRef>
+                  <a:fillRef idx="1">
+                    <a:schemeClr val="accent1"/>
+                  </a:fillRef>
+                  <a:effectRef idx="0">
+                    <a:schemeClr val="accent1"/>
+                  </a:effectRef>
+                  <a:fontRef idx="minor">
+                    <a:schemeClr val="lt1"/>
+                  </a:fontRef>
+                </p:style>
+                <p:txBody>
+                  <a:bodyPr rtlCol="0" anchor="ctr"/>
+                  <a:lstStyle/>
+                  <a:p>
+                    <a:pPr algn="ctr"/>
+                    <a:endParaRPr lang="es-ES"/>
+                  </a:p>
+                </p:txBody>
+              </p:sp>
+              <p:sp>
+                <p:nvSpPr>
+                  <p:cNvPr id="112" name="Elipse 111">
+                    <a:extLst>
+                      <a:ext uri="{FF2B5EF4-FFF2-40B4-BE49-F238E27FC236}">
+                        <a16:creationId xmlns:a16="http://schemas.microsoft.com/office/drawing/2014/main" id="{8BED7BF6-FDBA-84EF-A366-C5479483E8DC}"/>
+                      </a:ext>
+                    </a:extLst>
+                  </p:cNvPr>
+                  <p:cNvSpPr/>
+                  <p:nvPr/>
+                </p:nvSpPr>
+                <p:spPr>
+                  <a:xfrm>
+                    <a:off x="2307760" y="2364202"/>
+                    <a:ext cx="154800" cy="157655"/>
+                  </a:xfrm>
+                  <a:prstGeom prst="ellipse">
+                    <a:avLst/>
+                  </a:prstGeom>
+                  <a:solidFill>
+                    <a:srgbClr val="FFC000"/>
+                  </a:solidFill>
+                  <a:ln>
+                    <a:solidFill>
+                      <a:srgbClr val="002060"/>
+                    </a:solidFill>
+                  </a:ln>
+                </p:spPr>
+                <p:style>
+                  <a:lnRef idx="2">
+                    <a:schemeClr val="accent1">
+                      <a:shade val="15000"/>
+                    </a:schemeClr>
+                  </a:lnRef>
+                  <a:fillRef idx="1">
+                    <a:schemeClr val="accent1"/>
+                  </a:fillRef>
+                  <a:effectRef idx="0">
+                    <a:schemeClr val="accent1"/>
+                  </a:effectRef>
+                  <a:fontRef idx="minor">
+                    <a:schemeClr val="lt1"/>
+                  </a:fontRef>
+                </p:style>
+                <p:txBody>
+                  <a:bodyPr rtlCol="0" anchor="ctr"/>
+                  <a:lstStyle/>
+                  <a:p>
+                    <a:pPr algn="ctr"/>
+                    <a:endParaRPr lang="es-ES"/>
+                  </a:p>
+                </p:txBody>
+              </p:sp>
+              <p:sp>
+                <p:nvSpPr>
+                  <p:cNvPr id="113" name="Elipse 112">
+                    <a:extLst>
+                      <a:ext uri="{FF2B5EF4-FFF2-40B4-BE49-F238E27FC236}">
+                        <a16:creationId xmlns:a16="http://schemas.microsoft.com/office/drawing/2014/main" id="{A00B6DE0-1C37-0D21-C2F5-4F757A25821F}"/>
+                      </a:ext>
+                    </a:extLst>
+                  </p:cNvPr>
+                  <p:cNvSpPr/>
+                  <p:nvPr/>
+                </p:nvSpPr>
+                <p:spPr>
+                  <a:xfrm>
+                    <a:off x="701898" y="2379854"/>
+                    <a:ext cx="154800" cy="157655"/>
+                  </a:xfrm>
+                  <a:prstGeom prst="ellipse">
+                    <a:avLst/>
+                  </a:prstGeom>
+                  <a:solidFill>
+                    <a:srgbClr val="FFC000"/>
+                  </a:solidFill>
+                  <a:ln>
+                    <a:solidFill>
+                      <a:srgbClr val="002060"/>
+                    </a:solidFill>
+                  </a:ln>
+                </p:spPr>
+                <p:style>
+                  <a:lnRef idx="2">
+                    <a:schemeClr val="accent1">
+                      <a:shade val="15000"/>
+                    </a:schemeClr>
+                  </a:lnRef>
+                  <a:fillRef idx="1">
+                    <a:schemeClr val="accent1"/>
+                  </a:fillRef>
+                  <a:effectRef idx="0">
+                    <a:schemeClr val="accent1"/>
+                  </a:effectRef>
+                  <a:fontRef idx="minor">
+                    <a:schemeClr val="lt1"/>
+                  </a:fontRef>
+                </p:style>
+                <p:txBody>
+                  <a:bodyPr rtlCol="0" anchor="ctr"/>
+                  <a:lstStyle/>
+                  <a:p>
+                    <a:pPr algn="ctr"/>
+                    <a:endParaRPr lang="es-ES"/>
+                  </a:p>
+                </p:txBody>
+              </p:sp>
+              <p:sp>
+                <p:nvSpPr>
+                  <p:cNvPr id="114" name="Elipse 113">
+                    <a:extLst>
+                      <a:ext uri="{FF2B5EF4-FFF2-40B4-BE49-F238E27FC236}">
+                        <a16:creationId xmlns:a16="http://schemas.microsoft.com/office/drawing/2014/main" id="{2313D7CE-8FDB-DB89-D27E-DFA1AEC2DDA8}"/>
+                      </a:ext>
+                    </a:extLst>
+                  </p:cNvPr>
+                  <p:cNvSpPr/>
+                  <p:nvPr/>
+                </p:nvSpPr>
+                <p:spPr>
+                  <a:xfrm>
+                    <a:off x="1333348" y="2608030"/>
+                    <a:ext cx="154800" cy="157655"/>
+                  </a:xfrm>
+                  <a:prstGeom prst="ellipse">
+                    <a:avLst/>
+                  </a:prstGeom>
+                  <a:solidFill>
+                    <a:srgbClr val="FFC000"/>
+                  </a:solidFill>
+                  <a:ln>
+                    <a:solidFill>
+                      <a:srgbClr val="002060"/>
+                    </a:solidFill>
+                  </a:ln>
+                </p:spPr>
+                <p:style>
+                  <a:lnRef idx="2">
+                    <a:schemeClr val="accent1">
+                      <a:shade val="15000"/>
+                    </a:schemeClr>
+                  </a:lnRef>
+                  <a:fillRef idx="1">
+                    <a:schemeClr val="accent1"/>
+                  </a:fillRef>
+                  <a:effectRef idx="0">
+                    <a:schemeClr val="accent1"/>
+                  </a:effectRef>
+                  <a:fontRef idx="minor">
+                    <a:schemeClr val="lt1"/>
+                  </a:fontRef>
+                </p:style>
+                <p:txBody>
+                  <a:bodyPr rtlCol="0" anchor="ctr"/>
+                  <a:lstStyle/>
+                  <a:p>
+                    <a:pPr algn="ctr"/>
+                    <a:endParaRPr lang="es-ES" dirty="0"/>
+                  </a:p>
+                </p:txBody>
+              </p:sp>
+              <p:sp>
+                <p:nvSpPr>
+                  <p:cNvPr id="115" name="Elipse 114">
+                    <a:extLst>
+                      <a:ext uri="{FF2B5EF4-FFF2-40B4-BE49-F238E27FC236}">
+                        <a16:creationId xmlns:a16="http://schemas.microsoft.com/office/drawing/2014/main" id="{89D6EF76-B7B3-93E4-6F58-12916C12595F}"/>
+                      </a:ext>
+                    </a:extLst>
+                  </p:cNvPr>
+                  <p:cNvSpPr/>
+                  <p:nvPr/>
+                </p:nvSpPr>
+                <p:spPr>
+                  <a:xfrm>
+                    <a:off x="2307760" y="2718926"/>
+                    <a:ext cx="154800" cy="157655"/>
+                  </a:xfrm>
+                  <a:prstGeom prst="ellipse">
+                    <a:avLst/>
+                  </a:prstGeom>
+                  <a:solidFill>
+                    <a:srgbClr val="FFC000"/>
+                  </a:solidFill>
+                  <a:ln>
+                    <a:solidFill>
+                      <a:srgbClr val="002060"/>
+                    </a:solidFill>
+                  </a:ln>
+                </p:spPr>
+                <p:style>
+                  <a:lnRef idx="2">
+                    <a:schemeClr val="accent1">
+                      <a:shade val="15000"/>
+                    </a:schemeClr>
+                  </a:lnRef>
+                  <a:fillRef idx="1">
+                    <a:schemeClr val="accent1"/>
+                  </a:fillRef>
+                  <a:effectRef idx="0">
+                    <a:schemeClr val="accent1"/>
+                  </a:effectRef>
+                  <a:fontRef idx="minor">
+                    <a:schemeClr val="lt1"/>
+                  </a:fontRef>
+                </p:style>
+                <p:txBody>
+                  <a:bodyPr rtlCol="0" anchor="ctr"/>
+                  <a:lstStyle/>
+                  <a:p>
+                    <a:pPr algn="ctr"/>
+                    <a:endParaRPr lang="es-ES"/>
+                  </a:p>
+                </p:txBody>
+              </p:sp>
+              <p:sp>
+                <p:nvSpPr>
+                  <p:cNvPr id="116" name="Elipse 115">
+                    <a:extLst>
+                      <a:ext uri="{FF2B5EF4-FFF2-40B4-BE49-F238E27FC236}">
+                        <a16:creationId xmlns:a16="http://schemas.microsoft.com/office/drawing/2014/main" id="{D91F1FBB-F732-FD8C-5B01-28F5D96FA6C3}"/>
+                      </a:ext>
+                    </a:extLst>
+                  </p:cNvPr>
+                  <p:cNvSpPr/>
+                  <p:nvPr/>
+                </p:nvSpPr>
+                <p:spPr>
+                  <a:xfrm>
+                    <a:off x="1039099" y="2056660"/>
+                    <a:ext cx="154800" cy="157655"/>
+                  </a:xfrm>
+                  <a:prstGeom prst="ellipse">
+                    <a:avLst/>
+                  </a:prstGeom>
+                  <a:solidFill>
+                    <a:srgbClr val="FFC000"/>
+                  </a:solidFill>
+                  <a:ln>
+                    <a:solidFill>
+                      <a:srgbClr val="002060"/>
+                    </a:solidFill>
+                  </a:ln>
+                </p:spPr>
+                <p:style>
+                  <a:lnRef idx="2">
+                    <a:schemeClr val="accent1">
+                      <a:shade val="15000"/>
+                    </a:schemeClr>
+                  </a:lnRef>
+                  <a:fillRef idx="1">
+                    <a:schemeClr val="accent1"/>
+                  </a:fillRef>
+                  <a:effectRef idx="0">
+                    <a:schemeClr val="accent1"/>
+                  </a:effectRef>
+                  <a:fontRef idx="minor">
+                    <a:schemeClr val="lt1"/>
+                  </a:fontRef>
+                </p:style>
+                <p:txBody>
+                  <a:bodyPr rtlCol="0" anchor="ctr"/>
+                  <a:lstStyle/>
+                  <a:p>
+                    <a:pPr algn="ctr"/>
+                    <a:endParaRPr lang="es-ES"/>
+                  </a:p>
+                </p:txBody>
+              </p:sp>
+              <p:sp>
+                <p:nvSpPr>
+                  <p:cNvPr id="117" name="Elipse 116">
+                    <a:extLst>
+                      <a:ext uri="{FF2B5EF4-FFF2-40B4-BE49-F238E27FC236}">
+                        <a16:creationId xmlns:a16="http://schemas.microsoft.com/office/drawing/2014/main" id="{79CE4ED1-91DC-EBA6-FA73-41C349EC6E6C}"/>
+                      </a:ext>
+                    </a:extLst>
+                  </p:cNvPr>
+                  <p:cNvSpPr/>
+                  <p:nvPr/>
+                </p:nvSpPr>
+                <p:spPr>
+                  <a:xfrm>
+                    <a:off x="2200542" y="3051883"/>
+                    <a:ext cx="154800" cy="157655"/>
+                  </a:xfrm>
+                  <a:prstGeom prst="ellipse">
+                    <a:avLst/>
+                  </a:prstGeom>
+                  <a:solidFill>
+                    <a:srgbClr val="FFC000"/>
+                  </a:solidFill>
+                  <a:ln>
+                    <a:solidFill>
+                      <a:srgbClr val="002060"/>
+                    </a:solidFill>
+                  </a:ln>
+                </p:spPr>
+                <p:style>
+                  <a:lnRef idx="2">
+                    <a:schemeClr val="accent1">
+                      <a:shade val="15000"/>
+                    </a:schemeClr>
+                  </a:lnRef>
+                  <a:fillRef idx="1">
+                    <a:schemeClr val="accent1"/>
+                  </a:fillRef>
+                  <a:effectRef idx="0">
+                    <a:schemeClr val="accent1"/>
+                  </a:effectRef>
+                  <a:fontRef idx="minor">
+                    <a:schemeClr val="lt1"/>
+                  </a:fontRef>
+                </p:style>
+                <p:txBody>
+                  <a:bodyPr rtlCol="0" anchor="ctr"/>
+                  <a:lstStyle/>
+                  <a:p>
+                    <a:pPr algn="ctr"/>
+                    <a:endParaRPr lang="es-ES"/>
+                  </a:p>
+                </p:txBody>
+              </p:sp>
+              <p:sp>
+                <p:nvSpPr>
+                  <p:cNvPr id="120" name="Elipse 119">
+                    <a:extLst>
+                      <a:ext uri="{FF2B5EF4-FFF2-40B4-BE49-F238E27FC236}">
+                        <a16:creationId xmlns:a16="http://schemas.microsoft.com/office/drawing/2014/main" id="{3B8098B3-E8AB-3E14-EEE8-EAD47EB0F263}"/>
+                      </a:ext>
+                    </a:extLst>
+                  </p:cNvPr>
+                  <p:cNvSpPr/>
+                  <p:nvPr/>
+                </p:nvSpPr>
+                <p:spPr>
+                  <a:xfrm>
+                    <a:off x="974135" y="2912673"/>
+                    <a:ext cx="154800" cy="157655"/>
+                  </a:xfrm>
+                  <a:prstGeom prst="ellipse">
+                    <a:avLst/>
+                  </a:prstGeom>
+                  <a:solidFill>
+                    <a:srgbClr val="FFC000"/>
+                  </a:solidFill>
+                  <a:ln>
+                    <a:solidFill>
+                      <a:srgbClr val="002060"/>
+                    </a:solidFill>
+                  </a:ln>
+                </p:spPr>
+                <p:style>
+                  <a:lnRef idx="2">
+                    <a:schemeClr val="accent1">
+                      <a:shade val="15000"/>
+                    </a:schemeClr>
+                  </a:lnRef>
+                  <a:fillRef idx="1">
+                    <a:schemeClr val="accent1"/>
+                  </a:fillRef>
+                  <a:effectRef idx="0">
+                    <a:schemeClr val="accent1"/>
+                  </a:effectRef>
+                  <a:fontRef idx="minor">
+                    <a:schemeClr val="lt1"/>
+                  </a:fontRef>
+                </p:style>
+                <p:txBody>
+                  <a:bodyPr rtlCol="0" anchor="ctr"/>
+                  <a:lstStyle/>
+                  <a:p>
+                    <a:pPr algn="ctr"/>
+                    <a:endParaRPr lang="es-ES"/>
+                  </a:p>
+                </p:txBody>
+              </p:sp>
+            </p:grpSp>
+            <p:sp>
+              <p:nvSpPr>
+                <p:cNvPr id="101" name="Elipse 100">
+                  <a:extLst>
+                    <a:ext uri="{FF2B5EF4-FFF2-40B4-BE49-F238E27FC236}">
+                      <a16:creationId xmlns:a16="http://schemas.microsoft.com/office/drawing/2014/main" id="{9B6FEA1E-0529-C197-3D7E-4800DDFBF5BD}"/>
+                    </a:ext>
+                  </a:extLst>
+                </p:cNvPr>
+                <p:cNvSpPr/>
+                <p:nvPr/>
+              </p:nvSpPr>
+              <p:spPr>
+                <a:xfrm>
+                  <a:off x="3283180" y="1670768"/>
+                  <a:ext cx="241540" cy="224287"/>
+                </a:xfrm>
+                <a:prstGeom prst="ellipse">
+                  <a:avLst/>
+                </a:prstGeom>
+                <a:noFill/>
+              </p:spPr>
+              <p:style>
+                <a:lnRef idx="2">
+                  <a:schemeClr val="accent6"/>
+                </a:lnRef>
+                <a:fillRef idx="1">
+                  <a:schemeClr val="lt1"/>
+                </a:fillRef>
+                <a:effectRef idx="0">
+                  <a:schemeClr val="accent6"/>
+                </a:effectRef>
+                <a:fontRef idx="minor">
+                  <a:schemeClr val="dk1"/>
+                </a:fontRef>
+              </p:style>
+              <p:txBody>
+                <a:bodyPr rtlCol="0" anchor="ctr"/>
+                <a:lstStyle/>
+                <a:p>
+                  <a:pPr algn="ctr"/>
+                  <a:endParaRPr lang="es-ES"/>
+                </a:p>
+              </p:txBody>
+            </p:sp>
+            <p:sp>
+              <p:nvSpPr>
+                <p:cNvPr id="102" name="Elipse 101">
+                  <a:extLst>
+                    <a:ext uri="{FF2B5EF4-FFF2-40B4-BE49-F238E27FC236}">
+                      <a16:creationId xmlns:a16="http://schemas.microsoft.com/office/drawing/2014/main" id="{15F11E99-CCDB-68CB-BEF1-B1EC81D413A0}"/>
+                    </a:ext>
+                  </a:extLst>
+                </p:cNvPr>
+                <p:cNvSpPr/>
+                <p:nvPr/>
+              </p:nvSpPr>
+              <p:spPr>
+                <a:xfrm>
+                  <a:off x="4020317" y="1205541"/>
+                  <a:ext cx="241540" cy="224287"/>
+                </a:xfrm>
+                <a:prstGeom prst="ellipse">
+                  <a:avLst/>
+                </a:prstGeom>
+                <a:noFill/>
+              </p:spPr>
+              <p:style>
+                <a:lnRef idx="2">
+                  <a:schemeClr val="accent6"/>
+                </a:lnRef>
+                <a:fillRef idx="1">
+                  <a:schemeClr val="lt1"/>
+                </a:fillRef>
+                <a:effectRef idx="0">
+                  <a:schemeClr val="accent6"/>
+                </a:effectRef>
+                <a:fontRef idx="minor">
+                  <a:schemeClr val="dk1"/>
+                </a:fontRef>
+              </p:style>
+              <p:txBody>
+                <a:bodyPr rtlCol="0" anchor="ctr"/>
+                <a:lstStyle/>
+                <a:p>
+                  <a:pPr algn="ctr"/>
+                  <a:endParaRPr lang="es-ES"/>
+                </a:p>
+              </p:txBody>
+            </p:sp>
+            <p:sp>
+              <p:nvSpPr>
+                <p:cNvPr id="103" name="Elipse 102">
+                  <a:extLst>
+                    <a:ext uri="{FF2B5EF4-FFF2-40B4-BE49-F238E27FC236}">
+                      <a16:creationId xmlns:a16="http://schemas.microsoft.com/office/drawing/2014/main" id="{B5965FD0-2206-C9FB-560C-5C21BDD47179}"/>
+                    </a:ext>
+                  </a:extLst>
+                </p:cNvPr>
+                <p:cNvSpPr/>
+                <p:nvPr/>
+              </p:nvSpPr>
+              <p:spPr>
+                <a:xfrm>
+                  <a:off x="3496124" y="2008172"/>
+                  <a:ext cx="241540" cy="224287"/>
+                </a:xfrm>
+                <a:prstGeom prst="ellipse">
+                  <a:avLst/>
+                </a:prstGeom>
+                <a:noFill/>
+              </p:spPr>
+              <p:style>
+                <a:lnRef idx="2">
+                  <a:schemeClr val="accent6"/>
+                </a:lnRef>
+                <a:fillRef idx="1">
+                  <a:schemeClr val="lt1"/>
+                </a:fillRef>
+                <a:effectRef idx="0">
+                  <a:schemeClr val="accent6"/>
+                </a:effectRef>
+                <a:fontRef idx="minor">
+                  <a:schemeClr val="dk1"/>
+                </a:fontRef>
+              </p:style>
+              <p:txBody>
+                <a:bodyPr rtlCol="0" anchor="ctr"/>
+                <a:lstStyle/>
+                <a:p>
+                  <a:pPr algn="ctr"/>
+                  <a:endParaRPr lang="es-ES"/>
+                </a:p>
+              </p:txBody>
+            </p:sp>
+            <p:sp>
+              <p:nvSpPr>
+                <p:cNvPr id="104" name="Elipse 103">
+                  <a:extLst>
+                    <a:ext uri="{FF2B5EF4-FFF2-40B4-BE49-F238E27FC236}">
+                      <a16:creationId xmlns:a16="http://schemas.microsoft.com/office/drawing/2014/main" id="{DAFD0EF2-C165-30F7-37DA-5C2EC78F4761}"/>
+                    </a:ext>
+                  </a:extLst>
+                </p:cNvPr>
+                <p:cNvSpPr/>
+                <p:nvPr/>
+              </p:nvSpPr>
+              <p:spPr>
+                <a:xfrm>
+                  <a:off x="4185628" y="2069400"/>
+                  <a:ext cx="241540" cy="224287"/>
+                </a:xfrm>
+                <a:prstGeom prst="ellipse">
+                  <a:avLst/>
+                </a:prstGeom>
+                <a:noFill/>
+              </p:spPr>
+              <p:style>
+                <a:lnRef idx="2">
+                  <a:schemeClr val="accent6"/>
+                </a:lnRef>
+                <a:fillRef idx="1">
+                  <a:schemeClr val="lt1"/>
+                </a:fillRef>
+                <a:effectRef idx="0">
+                  <a:schemeClr val="accent6"/>
+                </a:effectRef>
+                <a:fontRef idx="minor">
+                  <a:schemeClr val="dk1"/>
+                </a:fontRef>
+              </p:style>
+              <p:txBody>
+                <a:bodyPr rtlCol="0" anchor="ctr"/>
+                <a:lstStyle/>
+                <a:p>
+                  <a:pPr algn="ctr"/>
+                  <a:endParaRPr lang="es-ES"/>
+                </a:p>
+              </p:txBody>
+            </p:sp>
+            <p:sp>
+              <p:nvSpPr>
+                <p:cNvPr id="105" name="Elipse 104">
+                  <a:extLst>
+                    <a:ext uri="{FF2B5EF4-FFF2-40B4-BE49-F238E27FC236}">
+                      <a16:creationId xmlns:a16="http://schemas.microsoft.com/office/drawing/2014/main" id="{1071B92D-F7AC-FF1F-2804-E76214679C3E}"/>
+                    </a:ext>
+                  </a:extLst>
+                </p:cNvPr>
+                <p:cNvSpPr/>
+                <p:nvPr/>
+              </p:nvSpPr>
+              <p:spPr>
+                <a:xfrm>
+                  <a:off x="4183202" y="1857050"/>
+                  <a:ext cx="241540" cy="224287"/>
+                </a:xfrm>
+                <a:prstGeom prst="ellipse">
+                  <a:avLst/>
+                </a:prstGeom>
+                <a:noFill/>
+              </p:spPr>
+              <p:style>
+                <a:lnRef idx="2">
+                  <a:schemeClr val="accent6"/>
+                </a:lnRef>
+                <a:fillRef idx="1">
+                  <a:schemeClr val="lt1"/>
+                </a:fillRef>
+                <a:effectRef idx="0">
+                  <a:schemeClr val="accent6"/>
+                </a:effectRef>
+                <a:fontRef idx="minor">
+                  <a:schemeClr val="dk1"/>
+                </a:fontRef>
+              </p:style>
+              <p:txBody>
+                <a:bodyPr rtlCol="0" anchor="ctr"/>
+                <a:lstStyle/>
+                <a:p>
+                  <a:pPr algn="ctr"/>
+                  <a:endParaRPr lang="es-ES"/>
+                </a:p>
+              </p:txBody>
+            </p:sp>
+            <p:sp>
+              <p:nvSpPr>
+                <p:cNvPr id="107" name="Elipse 106">
+                  <a:extLst>
+                    <a:ext uri="{FF2B5EF4-FFF2-40B4-BE49-F238E27FC236}">
+                      <a16:creationId xmlns:a16="http://schemas.microsoft.com/office/drawing/2014/main" id="{45BD997D-A3D0-E113-A807-6437132DD7E6}"/>
+                    </a:ext>
+                  </a:extLst>
+                </p:cNvPr>
+                <p:cNvSpPr/>
+                <p:nvPr/>
+              </p:nvSpPr>
+              <p:spPr>
+                <a:xfrm>
+                  <a:off x="3049353" y="1874391"/>
+                  <a:ext cx="241540" cy="224287"/>
+                </a:xfrm>
+                <a:prstGeom prst="ellipse">
+                  <a:avLst/>
+                </a:prstGeom>
+                <a:noFill/>
+              </p:spPr>
+              <p:style>
+                <a:lnRef idx="2">
+                  <a:schemeClr val="accent6"/>
+                </a:lnRef>
+                <a:fillRef idx="1">
+                  <a:schemeClr val="lt1"/>
+                </a:fillRef>
+                <a:effectRef idx="0">
+                  <a:schemeClr val="accent6"/>
+                </a:effectRef>
+                <a:fontRef idx="minor">
+                  <a:schemeClr val="dk1"/>
+                </a:fontRef>
+              </p:style>
+              <p:txBody>
+                <a:bodyPr rtlCol="0" anchor="ctr"/>
+                <a:lstStyle/>
+                <a:p>
+                  <a:pPr algn="ctr"/>
+                  <a:endParaRPr lang="es-ES"/>
+                </a:p>
+              </p:txBody>
+            </p:sp>
+            <p:sp>
+              <p:nvSpPr>
+                <p:cNvPr id="108" name="Elipse 107">
+                  <a:extLst>
+                    <a:ext uri="{FF2B5EF4-FFF2-40B4-BE49-F238E27FC236}">
+                      <a16:creationId xmlns:a16="http://schemas.microsoft.com/office/drawing/2014/main" id="{8A3F0276-62B5-0685-A4F6-2C284B31B4D5}"/>
+                    </a:ext>
+                  </a:extLst>
+                </p:cNvPr>
+                <p:cNvSpPr/>
+                <p:nvPr/>
+              </p:nvSpPr>
+              <p:spPr>
+                <a:xfrm>
+                  <a:off x="4107139" y="2281750"/>
+                  <a:ext cx="241540" cy="224287"/>
+                </a:xfrm>
+                <a:prstGeom prst="ellipse">
+                  <a:avLst/>
+                </a:prstGeom>
+                <a:noFill/>
+              </p:spPr>
+              <p:style>
+                <a:lnRef idx="2">
+                  <a:schemeClr val="accent6"/>
+                </a:lnRef>
+                <a:fillRef idx="1">
+                  <a:schemeClr val="lt1"/>
+                </a:fillRef>
+                <a:effectRef idx="0">
+                  <a:schemeClr val="accent6"/>
+                </a:effectRef>
+                <a:fontRef idx="minor">
+                  <a:schemeClr val="dk1"/>
+                </a:fontRef>
+              </p:style>
+              <p:txBody>
+                <a:bodyPr rtlCol="0" anchor="ctr"/>
+                <a:lstStyle/>
+                <a:p>
+                  <a:pPr algn="ctr"/>
+                  <a:endParaRPr lang="es-ES"/>
+                </a:p>
+              </p:txBody>
+            </p:sp>
+            <p:sp>
+              <p:nvSpPr>
+                <p:cNvPr id="109" name="Elipse 108">
+                  <a:extLst>
+                    <a:ext uri="{FF2B5EF4-FFF2-40B4-BE49-F238E27FC236}">
+                      <a16:creationId xmlns:a16="http://schemas.microsoft.com/office/drawing/2014/main" id="{EBFEDD8E-E40D-4A48-FFAF-1385F618A4E7}"/>
+                    </a:ext>
+                  </a:extLst>
+                </p:cNvPr>
+                <p:cNvSpPr/>
+                <p:nvPr/>
+              </p:nvSpPr>
+              <p:spPr>
+                <a:xfrm>
+                  <a:off x="3247296" y="2189231"/>
+                  <a:ext cx="241540" cy="224287"/>
+                </a:xfrm>
+                <a:prstGeom prst="ellipse">
+                  <a:avLst/>
+                </a:prstGeom>
+                <a:noFill/>
+              </p:spPr>
+              <p:style>
+                <a:lnRef idx="2">
+                  <a:schemeClr val="accent6"/>
+                </a:lnRef>
+                <a:fillRef idx="1">
+                  <a:schemeClr val="lt1"/>
+                </a:fillRef>
+                <a:effectRef idx="0">
+                  <a:schemeClr val="accent6"/>
+                </a:effectRef>
+                <a:fontRef idx="minor">
+                  <a:schemeClr val="dk1"/>
+                </a:fontRef>
+              </p:style>
+              <p:txBody>
+                <a:bodyPr rtlCol="0" anchor="ctr"/>
+                <a:lstStyle/>
+                <a:p>
+                  <a:pPr algn="ctr"/>
+                  <a:endParaRPr lang="es-ES"/>
+                </a:p>
+              </p:txBody>
+            </p:sp>
+          </p:grpSp>
+          <p:grpSp>
+            <p:nvGrpSpPr>
+              <p:cNvPr id="190" name="Grupo 189">
+                <a:extLst>
+                  <a:ext uri="{FF2B5EF4-FFF2-40B4-BE49-F238E27FC236}">
+                    <a16:creationId xmlns:a16="http://schemas.microsoft.com/office/drawing/2014/main" id="{75C4018C-C5D5-ADA5-8390-4BF7B266A96C}"/>
+                  </a:ext>
+                </a:extLst>
+              </p:cNvPr>
+              <p:cNvGrpSpPr/>
+              <p:nvPr/>
+            </p:nvGrpSpPr>
+            <p:grpSpPr>
+              <a:xfrm>
+                <a:off x="4979936" y="1137619"/>
+                <a:ext cx="1687571" cy="1517053"/>
+                <a:chOff x="5247354" y="1145591"/>
+                <a:chExt cx="1687571" cy="1517053"/>
+              </a:xfrm>
+            </p:grpSpPr>
+            <p:grpSp>
+              <p:nvGrpSpPr>
+                <p:cNvPr id="98" name="Grupo 97">
+                  <a:extLst>
+                    <a:ext uri="{FF2B5EF4-FFF2-40B4-BE49-F238E27FC236}">
+                      <a16:creationId xmlns:a16="http://schemas.microsoft.com/office/drawing/2014/main" id="{B996C73C-1C54-4BF0-5FB2-DE43989183DC}"/>
+                    </a:ext>
+                  </a:extLst>
+                </p:cNvPr>
+                <p:cNvGrpSpPr/>
+                <p:nvPr/>
+              </p:nvGrpSpPr>
+              <p:grpSpPr>
+                <a:xfrm>
+                  <a:off x="5524069" y="1145591"/>
+                  <a:ext cx="1377815" cy="1300496"/>
+                  <a:chOff x="3049353" y="1205541"/>
+                  <a:chExt cx="1377815" cy="1300496"/>
+                </a:xfrm>
+              </p:grpSpPr>
+              <p:grpSp>
+                <p:nvGrpSpPr>
+                  <p:cNvPr id="19" name="Grupo 18">
+                    <a:extLst>
+                      <a:ext uri="{FF2B5EF4-FFF2-40B4-BE49-F238E27FC236}">
+                        <a16:creationId xmlns:a16="http://schemas.microsoft.com/office/drawing/2014/main" id="{0EDAE250-3CAB-8F1A-6BEA-D257037BB974}"/>
+                      </a:ext>
+                    </a:extLst>
+                  </p:cNvPr>
+                  <p:cNvGrpSpPr/>
+                  <p:nvPr/>
+                </p:nvGrpSpPr>
+                <p:grpSpPr>
+                  <a:xfrm>
+                    <a:off x="3109822" y="1249795"/>
+                    <a:ext cx="1249060" cy="1179611"/>
+                    <a:chOff x="701898" y="1249795"/>
+                    <a:chExt cx="1760662" cy="1959743"/>
+                  </a:xfrm>
+                </p:grpSpPr>
+                <p:sp>
+                  <p:nvSpPr>
+                    <p:cNvPr id="9" name="Elipse 8">
+                      <a:extLst>
+                        <a:ext uri="{FF2B5EF4-FFF2-40B4-BE49-F238E27FC236}">
+                          <a16:creationId xmlns:a16="http://schemas.microsoft.com/office/drawing/2014/main" id="{F74ECAD1-411B-0256-9D50-BC147B0D2E0D}"/>
+                        </a:ext>
+                      </a:extLst>
+                    </p:cNvPr>
+                    <p:cNvSpPr/>
+                    <p:nvPr/>
+                  </p:nvSpPr>
+                  <p:spPr>
+                    <a:xfrm>
+                      <a:off x="2138958" y="1249795"/>
+                      <a:ext cx="154800" cy="157655"/>
+                    </a:xfrm>
+                    <a:prstGeom prst="ellipse">
+                      <a:avLst/>
+                    </a:prstGeom>
+                    <a:solidFill>
+                      <a:srgbClr val="FFC000"/>
+                    </a:solidFill>
+                    <a:ln>
+                      <a:solidFill>
+                        <a:srgbClr val="002060"/>
+                      </a:solidFill>
+                    </a:ln>
+                  </p:spPr>
+                  <p:style>
+                    <a:lnRef idx="2">
+                      <a:schemeClr val="accent1">
+                        <a:shade val="15000"/>
+                      </a:schemeClr>
+                    </a:lnRef>
+                    <a:fillRef idx="1">
+                      <a:schemeClr val="accent1"/>
+                    </a:fillRef>
+                    <a:effectRef idx="0">
+                      <a:schemeClr val="accent1"/>
+                    </a:effectRef>
+                    <a:fontRef idx="minor">
+                      <a:schemeClr val="lt1"/>
+                    </a:fontRef>
+                  </p:style>
+                  <p:txBody>
+                    <a:bodyPr rtlCol="0" anchor="ctr"/>
+                    <a:lstStyle/>
+                    <a:p>
+                      <a:pPr algn="ctr"/>
+                      <a:endParaRPr lang="es-ES"/>
+                    </a:p>
+                  </p:txBody>
+                </p:sp>
+                <p:sp>
+                  <p:nvSpPr>
+                    <p:cNvPr id="10" name="Elipse 9">
+                      <a:extLst>
+                        <a:ext uri="{FF2B5EF4-FFF2-40B4-BE49-F238E27FC236}">
+                          <a16:creationId xmlns:a16="http://schemas.microsoft.com/office/drawing/2014/main" id="{9AD33712-184B-BD6D-D056-5EEA43D7532B}"/>
+                        </a:ext>
+                      </a:extLst>
+                    </p:cNvPr>
+                    <p:cNvSpPr/>
+                    <p:nvPr/>
+                  </p:nvSpPr>
+                  <p:spPr>
+                    <a:xfrm>
+                      <a:off x="2307760" y="2364202"/>
+                      <a:ext cx="154800" cy="157655"/>
+                    </a:xfrm>
+                    <a:prstGeom prst="ellipse">
+                      <a:avLst/>
+                    </a:prstGeom>
+                    <a:solidFill>
+                      <a:srgbClr val="FFC000"/>
+                    </a:solidFill>
+                    <a:ln>
+                      <a:solidFill>
+                        <a:srgbClr val="002060"/>
+                      </a:solidFill>
+                    </a:ln>
+                  </p:spPr>
+                  <p:style>
+                    <a:lnRef idx="2">
+                      <a:schemeClr val="accent1">
+                        <a:shade val="15000"/>
+                      </a:schemeClr>
+                    </a:lnRef>
+                    <a:fillRef idx="1">
+                      <a:schemeClr val="accent1"/>
+                    </a:fillRef>
+                    <a:effectRef idx="0">
+                      <a:schemeClr val="accent1"/>
+                    </a:effectRef>
+                    <a:fontRef idx="minor">
+                      <a:schemeClr val="lt1"/>
+                    </a:fontRef>
+                  </p:style>
+                  <p:txBody>
+                    <a:bodyPr rtlCol="0" anchor="ctr"/>
+                    <a:lstStyle/>
+                    <a:p>
+                      <a:pPr algn="ctr"/>
+                      <a:endParaRPr lang="es-ES"/>
+                    </a:p>
+                  </p:txBody>
+                </p:sp>
+                <p:sp>
+                  <p:nvSpPr>
+                    <p:cNvPr id="11" name="Elipse 10">
+                      <a:extLst>
+                        <a:ext uri="{FF2B5EF4-FFF2-40B4-BE49-F238E27FC236}">
+                          <a16:creationId xmlns:a16="http://schemas.microsoft.com/office/drawing/2014/main" id="{7371BA88-A19E-C6AF-3491-1832287AB7FE}"/>
+                        </a:ext>
+                      </a:extLst>
+                    </p:cNvPr>
+                    <p:cNvSpPr/>
+                    <p:nvPr/>
+                  </p:nvSpPr>
+                  <p:spPr>
+                    <a:xfrm>
+                      <a:off x="701898" y="2379854"/>
+                      <a:ext cx="154800" cy="157655"/>
+                    </a:xfrm>
+                    <a:prstGeom prst="ellipse">
+                      <a:avLst/>
+                    </a:prstGeom>
+                    <a:solidFill>
+                      <a:srgbClr val="FFC000"/>
+                    </a:solidFill>
+                    <a:ln>
+                      <a:solidFill>
+                        <a:srgbClr val="002060"/>
+                      </a:solidFill>
+                    </a:ln>
+                  </p:spPr>
+                  <p:style>
+                    <a:lnRef idx="2">
+                      <a:schemeClr val="accent1">
+                        <a:shade val="15000"/>
+                      </a:schemeClr>
+                    </a:lnRef>
+                    <a:fillRef idx="1">
+                      <a:schemeClr val="accent1"/>
+                    </a:fillRef>
+                    <a:effectRef idx="0">
+                      <a:schemeClr val="accent1"/>
+                    </a:effectRef>
+                    <a:fontRef idx="minor">
+                      <a:schemeClr val="lt1"/>
+                    </a:fontRef>
+                  </p:style>
+                  <p:txBody>
+                    <a:bodyPr rtlCol="0" anchor="ctr"/>
+                    <a:lstStyle/>
+                    <a:p>
+                      <a:pPr algn="ctr"/>
+                      <a:endParaRPr lang="es-ES"/>
+                    </a:p>
+                  </p:txBody>
+                </p:sp>
+                <p:sp>
+                  <p:nvSpPr>
+                    <p:cNvPr id="12" name="Elipse 11">
+                      <a:extLst>
+                        <a:ext uri="{FF2B5EF4-FFF2-40B4-BE49-F238E27FC236}">
+                          <a16:creationId xmlns:a16="http://schemas.microsoft.com/office/drawing/2014/main" id="{040E0144-5C88-C57E-69A0-38F7CADC5ED2}"/>
+                        </a:ext>
+                      </a:extLst>
+                    </p:cNvPr>
+                    <p:cNvSpPr/>
+                    <p:nvPr/>
+                  </p:nvSpPr>
+                  <p:spPr>
+                    <a:xfrm>
+                      <a:off x="1333348" y="2608030"/>
+                      <a:ext cx="154800" cy="157655"/>
+                    </a:xfrm>
+                    <a:prstGeom prst="ellipse">
+                      <a:avLst/>
+                    </a:prstGeom>
+                    <a:solidFill>
+                      <a:srgbClr val="FFC000"/>
+                    </a:solidFill>
+                    <a:ln>
+                      <a:solidFill>
+                        <a:srgbClr val="002060"/>
+                      </a:solidFill>
+                    </a:ln>
+                  </p:spPr>
+                  <p:style>
+                    <a:lnRef idx="2">
+                      <a:schemeClr val="accent1">
+                        <a:shade val="15000"/>
+                      </a:schemeClr>
+                    </a:lnRef>
+                    <a:fillRef idx="1">
+                      <a:schemeClr val="accent1"/>
+                    </a:fillRef>
+                    <a:effectRef idx="0">
+                      <a:schemeClr val="accent1"/>
+                    </a:effectRef>
+                    <a:fontRef idx="minor">
+                      <a:schemeClr val="lt1"/>
+                    </a:fontRef>
+                  </p:style>
+                  <p:txBody>
+                    <a:bodyPr rtlCol="0" anchor="ctr"/>
+                    <a:lstStyle/>
+                    <a:p>
+                      <a:pPr algn="ctr"/>
+                      <a:endParaRPr lang="es-ES"/>
+                    </a:p>
+                  </p:txBody>
+                </p:sp>
+                <p:sp>
+                  <p:nvSpPr>
+                    <p:cNvPr id="13" name="Elipse 12">
+                      <a:extLst>
+                        <a:ext uri="{FF2B5EF4-FFF2-40B4-BE49-F238E27FC236}">
+                          <a16:creationId xmlns:a16="http://schemas.microsoft.com/office/drawing/2014/main" id="{4C207B10-6CDB-4301-2E9F-228CF0F1DE09}"/>
+                        </a:ext>
+                      </a:extLst>
+                    </p:cNvPr>
+                    <p:cNvSpPr/>
+                    <p:nvPr/>
+                  </p:nvSpPr>
+                  <p:spPr>
+                    <a:xfrm>
+                      <a:off x="2307760" y="2718926"/>
+                      <a:ext cx="154800" cy="157655"/>
+                    </a:xfrm>
+                    <a:prstGeom prst="ellipse">
+                      <a:avLst/>
+                    </a:prstGeom>
+                    <a:solidFill>
+                      <a:srgbClr val="FFC000"/>
+                    </a:solidFill>
+                    <a:ln>
+                      <a:solidFill>
+                        <a:srgbClr val="002060"/>
+                      </a:solidFill>
+                    </a:ln>
+                  </p:spPr>
+                  <p:style>
+                    <a:lnRef idx="2">
+                      <a:schemeClr val="accent1">
+                        <a:shade val="15000"/>
+                      </a:schemeClr>
+                    </a:lnRef>
+                    <a:fillRef idx="1">
+                      <a:schemeClr val="accent1"/>
+                    </a:fillRef>
+                    <a:effectRef idx="0">
+                      <a:schemeClr val="accent1"/>
+                    </a:effectRef>
+                    <a:fontRef idx="minor">
+                      <a:schemeClr val="lt1"/>
+                    </a:fontRef>
+                  </p:style>
+                  <p:txBody>
+                    <a:bodyPr rtlCol="0" anchor="ctr"/>
+                    <a:lstStyle/>
+                    <a:p>
+                      <a:pPr algn="ctr"/>
+                      <a:endParaRPr lang="es-ES"/>
+                    </a:p>
+                  </p:txBody>
+                </p:sp>
+                <p:sp>
+                  <p:nvSpPr>
+                    <p:cNvPr id="14" name="Elipse 13">
+                      <a:extLst>
+                        <a:ext uri="{FF2B5EF4-FFF2-40B4-BE49-F238E27FC236}">
+                          <a16:creationId xmlns:a16="http://schemas.microsoft.com/office/drawing/2014/main" id="{FC36380F-6C12-CFD0-BA08-0B7E3FB564C8}"/>
+                        </a:ext>
+                      </a:extLst>
+                    </p:cNvPr>
+                    <p:cNvSpPr/>
+                    <p:nvPr/>
+                  </p:nvSpPr>
+                  <p:spPr>
+                    <a:xfrm>
+                      <a:off x="1039099" y="2056660"/>
+                      <a:ext cx="154800" cy="157655"/>
+                    </a:xfrm>
+                    <a:prstGeom prst="ellipse">
+                      <a:avLst/>
+                    </a:prstGeom>
+                    <a:solidFill>
+                      <a:srgbClr val="FFC000"/>
+                    </a:solidFill>
+                    <a:ln>
+                      <a:solidFill>
+                        <a:srgbClr val="002060"/>
+                      </a:solidFill>
+                    </a:ln>
+                  </p:spPr>
+                  <p:style>
+                    <a:lnRef idx="2">
+                      <a:schemeClr val="accent1">
+                        <a:shade val="15000"/>
+                      </a:schemeClr>
+                    </a:lnRef>
+                    <a:fillRef idx="1">
+                      <a:schemeClr val="accent1"/>
+                    </a:fillRef>
+                    <a:effectRef idx="0">
+                      <a:schemeClr val="accent1"/>
+                    </a:effectRef>
+                    <a:fontRef idx="minor">
+                      <a:schemeClr val="lt1"/>
+                    </a:fontRef>
+                  </p:style>
+                  <p:txBody>
+                    <a:bodyPr rtlCol="0" anchor="ctr"/>
+                    <a:lstStyle/>
+                    <a:p>
+                      <a:pPr algn="ctr"/>
+                      <a:endParaRPr lang="es-ES"/>
+                    </a:p>
+                  </p:txBody>
+                </p:sp>
+                <p:sp>
+                  <p:nvSpPr>
+                    <p:cNvPr id="17" name="Elipse 16">
+                      <a:extLst>
+                        <a:ext uri="{FF2B5EF4-FFF2-40B4-BE49-F238E27FC236}">
+                          <a16:creationId xmlns:a16="http://schemas.microsoft.com/office/drawing/2014/main" id="{92AB6DCC-3AEA-84AF-5FF1-B8FCCD95847B}"/>
+                        </a:ext>
+                      </a:extLst>
+                    </p:cNvPr>
+                    <p:cNvSpPr/>
+                    <p:nvPr/>
+                  </p:nvSpPr>
+                  <p:spPr>
+                    <a:xfrm>
+                      <a:off x="2200542" y="3051883"/>
+                      <a:ext cx="154800" cy="157655"/>
+                    </a:xfrm>
+                    <a:prstGeom prst="ellipse">
+                      <a:avLst/>
+                    </a:prstGeom>
+                    <a:solidFill>
+                      <a:srgbClr val="FFC000"/>
+                    </a:solidFill>
+                    <a:ln>
+                      <a:solidFill>
+                        <a:srgbClr val="002060"/>
+                      </a:solidFill>
+                    </a:ln>
+                  </p:spPr>
+                  <p:style>
+                    <a:lnRef idx="2">
+                      <a:schemeClr val="accent1">
+                        <a:shade val="15000"/>
+                      </a:schemeClr>
+                    </a:lnRef>
+                    <a:fillRef idx="1">
+                      <a:schemeClr val="accent1"/>
+                    </a:fillRef>
+                    <a:effectRef idx="0">
+                      <a:schemeClr val="accent1"/>
+                    </a:effectRef>
+                    <a:fontRef idx="minor">
+                      <a:schemeClr val="lt1"/>
+                    </a:fontRef>
+                  </p:style>
+                  <p:txBody>
+                    <a:bodyPr rtlCol="0" anchor="ctr"/>
+                    <a:lstStyle/>
+                    <a:p>
+                      <a:pPr algn="ctr"/>
+                      <a:endParaRPr lang="es-ES"/>
+                    </a:p>
+                  </p:txBody>
+                </p:sp>
+                <p:sp>
+                  <p:nvSpPr>
+                    <p:cNvPr id="18" name="Elipse 17">
+                      <a:extLst>
+                        <a:ext uri="{FF2B5EF4-FFF2-40B4-BE49-F238E27FC236}">
+                          <a16:creationId xmlns:a16="http://schemas.microsoft.com/office/drawing/2014/main" id="{57E3715E-6511-4D07-49C0-2AF7047D6AA1}"/>
+                        </a:ext>
+                      </a:extLst>
+                    </p:cNvPr>
+                    <p:cNvSpPr/>
+                    <p:nvPr/>
+                  </p:nvSpPr>
+                  <p:spPr>
+                    <a:xfrm>
+                      <a:off x="974135" y="2912673"/>
+                      <a:ext cx="154800" cy="157655"/>
+                    </a:xfrm>
+                    <a:prstGeom prst="ellipse">
+                      <a:avLst/>
+                    </a:prstGeom>
+                    <a:solidFill>
+                      <a:srgbClr val="FFC000"/>
+                    </a:solidFill>
+                    <a:ln>
+                      <a:solidFill>
+                        <a:srgbClr val="002060"/>
+                      </a:solidFill>
+                    </a:ln>
+                  </p:spPr>
+                  <p:style>
+                    <a:lnRef idx="2">
+                      <a:schemeClr val="accent1">
+                        <a:shade val="15000"/>
+                      </a:schemeClr>
+                    </a:lnRef>
+                    <a:fillRef idx="1">
+                      <a:schemeClr val="accent1"/>
+                    </a:fillRef>
+                    <a:effectRef idx="0">
+                      <a:schemeClr val="accent1"/>
+                    </a:effectRef>
+                    <a:fontRef idx="minor">
+                      <a:schemeClr val="lt1"/>
+                    </a:fontRef>
+                  </p:style>
+                  <p:txBody>
+                    <a:bodyPr rtlCol="0" anchor="ctr"/>
+                    <a:lstStyle/>
+                    <a:p>
+                      <a:pPr algn="ctr"/>
+                      <a:endParaRPr lang="es-ES"/>
+                    </a:p>
+                  </p:txBody>
+                </p:sp>
+              </p:grpSp>
+              <p:sp>
+                <p:nvSpPr>
+                  <p:cNvPr id="70" name="Elipse 69">
+                    <a:extLst>
+                      <a:ext uri="{FF2B5EF4-FFF2-40B4-BE49-F238E27FC236}">
+                        <a16:creationId xmlns:a16="http://schemas.microsoft.com/office/drawing/2014/main" id="{C188201D-83F7-7B8B-99A0-C0F8B3E7B73B}"/>
+                      </a:ext>
+                    </a:extLst>
+                  </p:cNvPr>
+                  <p:cNvSpPr/>
+                  <p:nvPr/>
+                </p:nvSpPr>
+                <p:spPr>
+                  <a:xfrm>
+                    <a:off x="3283180" y="1670768"/>
+                    <a:ext cx="241540" cy="224287"/>
+                  </a:xfrm>
+                  <a:prstGeom prst="ellipse">
+                    <a:avLst/>
+                  </a:prstGeom>
+                  <a:noFill/>
+                </p:spPr>
+                <p:style>
+                  <a:lnRef idx="2">
+                    <a:schemeClr val="accent6"/>
+                  </a:lnRef>
+                  <a:fillRef idx="1">
+                    <a:schemeClr val="lt1"/>
+                  </a:fillRef>
+                  <a:effectRef idx="0">
+                    <a:schemeClr val="accent6"/>
+                  </a:effectRef>
+                  <a:fontRef idx="minor">
+                    <a:schemeClr val="dk1"/>
+                  </a:fontRef>
+                </p:style>
+                <p:txBody>
+                  <a:bodyPr rtlCol="0" anchor="ctr"/>
+                  <a:lstStyle/>
+                  <a:p>
+                    <a:pPr algn="ctr"/>
+                    <a:endParaRPr lang="es-ES"/>
+                  </a:p>
+                </p:txBody>
+              </p:sp>
+              <p:sp>
+                <p:nvSpPr>
+                  <p:cNvPr id="81" name="Elipse 80">
+                    <a:extLst>
+                      <a:ext uri="{FF2B5EF4-FFF2-40B4-BE49-F238E27FC236}">
+                        <a16:creationId xmlns:a16="http://schemas.microsoft.com/office/drawing/2014/main" id="{A3795530-735C-F126-58D8-88F91C75D2D8}"/>
+                      </a:ext>
+                    </a:extLst>
+                  </p:cNvPr>
+                  <p:cNvSpPr/>
+                  <p:nvPr/>
+                </p:nvSpPr>
+                <p:spPr>
+                  <a:xfrm>
+                    <a:off x="4063449" y="1205541"/>
+                    <a:ext cx="241540" cy="224287"/>
+                  </a:xfrm>
+                  <a:prstGeom prst="ellipse">
+                    <a:avLst/>
+                  </a:prstGeom>
+                  <a:noFill/>
+                </p:spPr>
+                <p:style>
+                  <a:lnRef idx="2">
+                    <a:schemeClr val="accent6"/>
+                  </a:lnRef>
+                  <a:fillRef idx="1">
+                    <a:schemeClr val="lt1"/>
+                  </a:fillRef>
+                  <a:effectRef idx="0">
+                    <a:schemeClr val="accent6"/>
+                  </a:effectRef>
+                  <a:fontRef idx="minor">
+                    <a:schemeClr val="dk1"/>
+                  </a:fontRef>
+                </p:style>
+                <p:txBody>
+                  <a:bodyPr rtlCol="0" anchor="ctr"/>
+                  <a:lstStyle/>
+                  <a:p>
+                    <a:pPr algn="ctr"/>
+                    <a:endParaRPr lang="es-ES"/>
+                  </a:p>
+                </p:txBody>
+              </p:sp>
+              <p:sp>
+                <p:nvSpPr>
+                  <p:cNvPr id="84" name="Elipse 83">
+                    <a:extLst>
+                      <a:ext uri="{FF2B5EF4-FFF2-40B4-BE49-F238E27FC236}">
+                        <a16:creationId xmlns:a16="http://schemas.microsoft.com/office/drawing/2014/main" id="{46B66178-45FB-B5E1-90E8-EE4FFC6E03B5}"/>
+                      </a:ext>
+                    </a:extLst>
+                  </p:cNvPr>
+                  <p:cNvSpPr/>
+                  <p:nvPr/>
+                </p:nvSpPr>
+                <p:spPr>
+                  <a:xfrm>
+                    <a:off x="3496124" y="2008172"/>
+                    <a:ext cx="241540" cy="224287"/>
+                  </a:xfrm>
+                  <a:prstGeom prst="ellipse">
+                    <a:avLst/>
+                  </a:prstGeom>
+                  <a:noFill/>
+                </p:spPr>
+                <p:style>
+                  <a:lnRef idx="2">
+                    <a:schemeClr val="accent6"/>
+                  </a:lnRef>
+                  <a:fillRef idx="1">
+                    <a:schemeClr val="lt1"/>
+                  </a:fillRef>
+                  <a:effectRef idx="0">
+                    <a:schemeClr val="accent6"/>
+                  </a:effectRef>
+                  <a:fontRef idx="minor">
+                    <a:schemeClr val="dk1"/>
+                  </a:fontRef>
+                </p:style>
+                <p:txBody>
+                  <a:bodyPr rtlCol="0" anchor="ctr"/>
+                  <a:lstStyle/>
+                  <a:p>
+                    <a:pPr algn="ctr"/>
+                    <a:endParaRPr lang="es-ES"/>
+                  </a:p>
+                </p:txBody>
+              </p:sp>
+              <p:sp>
+                <p:nvSpPr>
+                  <p:cNvPr id="85" name="Elipse 84">
+                    <a:extLst>
+                      <a:ext uri="{FF2B5EF4-FFF2-40B4-BE49-F238E27FC236}">
+                        <a16:creationId xmlns:a16="http://schemas.microsoft.com/office/drawing/2014/main" id="{D566C5A5-13BF-7492-5CF0-870A58989CA4}"/>
+                      </a:ext>
+                    </a:extLst>
+                  </p:cNvPr>
+                  <p:cNvSpPr/>
+                  <p:nvPr/>
+                </p:nvSpPr>
+                <p:spPr>
+                  <a:xfrm>
+                    <a:off x="4185628" y="2069400"/>
+                    <a:ext cx="241540" cy="224287"/>
+                  </a:xfrm>
+                  <a:prstGeom prst="ellipse">
+                    <a:avLst/>
+                  </a:prstGeom>
+                  <a:noFill/>
+                </p:spPr>
+                <p:style>
+                  <a:lnRef idx="2">
+                    <a:schemeClr val="accent6"/>
+                  </a:lnRef>
+                  <a:fillRef idx="1">
+                    <a:schemeClr val="lt1"/>
+                  </a:fillRef>
+                  <a:effectRef idx="0">
+                    <a:schemeClr val="accent6"/>
+                  </a:effectRef>
+                  <a:fontRef idx="minor">
+                    <a:schemeClr val="dk1"/>
+                  </a:fontRef>
+                </p:style>
+                <p:txBody>
+                  <a:bodyPr rtlCol="0" anchor="ctr"/>
+                  <a:lstStyle/>
+                  <a:p>
+                    <a:pPr algn="ctr"/>
+                    <a:endParaRPr lang="es-ES"/>
+                  </a:p>
+                </p:txBody>
+              </p:sp>
+              <p:sp>
+                <p:nvSpPr>
+                  <p:cNvPr id="87" name="Elipse 86">
+                    <a:extLst>
+                      <a:ext uri="{FF2B5EF4-FFF2-40B4-BE49-F238E27FC236}">
+                        <a16:creationId xmlns:a16="http://schemas.microsoft.com/office/drawing/2014/main" id="{06290E24-E03E-4B08-F712-5779CCA40C8F}"/>
+                      </a:ext>
+                    </a:extLst>
+                  </p:cNvPr>
+                  <p:cNvSpPr/>
+                  <p:nvPr/>
+                </p:nvSpPr>
+                <p:spPr>
+                  <a:xfrm>
+                    <a:off x="4183202" y="1857050"/>
+                    <a:ext cx="241540" cy="224287"/>
+                  </a:xfrm>
+                  <a:prstGeom prst="ellipse">
+                    <a:avLst/>
+                  </a:prstGeom>
+                  <a:noFill/>
+                </p:spPr>
+                <p:style>
+                  <a:lnRef idx="2">
+                    <a:schemeClr val="accent6"/>
+                  </a:lnRef>
+                  <a:fillRef idx="1">
+                    <a:schemeClr val="lt1"/>
+                  </a:fillRef>
+                  <a:effectRef idx="0">
+                    <a:schemeClr val="accent6"/>
+                  </a:effectRef>
+                  <a:fontRef idx="minor">
+                    <a:schemeClr val="dk1"/>
+                  </a:fontRef>
+                </p:style>
+                <p:txBody>
+                  <a:bodyPr rtlCol="0" anchor="ctr"/>
+                  <a:lstStyle/>
+                  <a:p>
+                    <a:pPr algn="ctr"/>
+                    <a:endParaRPr lang="es-ES"/>
+                  </a:p>
+                </p:txBody>
+              </p:sp>
+              <p:sp>
+                <p:nvSpPr>
+                  <p:cNvPr id="89" name="Elipse 88">
+                    <a:extLst>
+                      <a:ext uri="{FF2B5EF4-FFF2-40B4-BE49-F238E27FC236}">
+                        <a16:creationId xmlns:a16="http://schemas.microsoft.com/office/drawing/2014/main" id="{8AFB49B6-18AB-A28D-3BFC-5F2BCCB93097}"/>
+                      </a:ext>
+                    </a:extLst>
+                  </p:cNvPr>
+                  <p:cNvSpPr/>
+                  <p:nvPr/>
+                </p:nvSpPr>
+                <p:spPr>
+                  <a:xfrm>
+                    <a:off x="3049353" y="1874391"/>
+                    <a:ext cx="241540" cy="224287"/>
+                  </a:xfrm>
+                  <a:prstGeom prst="ellipse">
+                    <a:avLst/>
+                  </a:prstGeom>
+                  <a:noFill/>
+                </p:spPr>
+                <p:style>
+                  <a:lnRef idx="2">
+                    <a:schemeClr val="accent6"/>
+                  </a:lnRef>
+                  <a:fillRef idx="1">
+                    <a:schemeClr val="lt1"/>
+                  </a:fillRef>
+                  <a:effectRef idx="0">
+                    <a:schemeClr val="accent6"/>
+                  </a:effectRef>
+                  <a:fontRef idx="minor">
+                    <a:schemeClr val="dk1"/>
+                  </a:fontRef>
+                </p:style>
+                <p:txBody>
+                  <a:bodyPr rtlCol="0" anchor="ctr"/>
+                  <a:lstStyle/>
+                  <a:p>
+                    <a:pPr algn="ctr"/>
+                    <a:endParaRPr lang="es-ES"/>
+                  </a:p>
+                </p:txBody>
+              </p:sp>
+              <p:sp>
+                <p:nvSpPr>
+                  <p:cNvPr id="92" name="Elipse 91">
+                    <a:extLst>
+                      <a:ext uri="{FF2B5EF4-FFF2-40B4-BE49-F238E27FC236}">
+                        <a16:creationId xmlns:a16="http://schemas.microsoft.com/office/drawing/2014/main" id="{A1E0136B-FADF-2974-4C58-67936A4FC3E0}"/>
+                      </a:ext>
+                    </a:extLst>
+                  </p:cNvPr>
+                  <p:cNvSpPr/>
+                  <p:nvPr/>
+                </p:nvSpPr>
+                <p:spPr>
+                  <a:xfrm>
+                    <a:off x="4107139" y="2281750"/>
+                    <a:ext cx="241540" cy="224287"/>
+                  </a:xfrm>
+                  <a:prstGeom prst="ellipse">
+                    <a:avLst/>
+                  </a:prstGeom>
+                  <a:noFill/>
+                </p:spPr>
+                <p:style>
+                  <a:lnRef idx="2">
+                    <a:schemeClr val="accent6"/>
+                  </a:lnRef>
+                  <a:fillRef idx="1">
+                    <a:schemeClr val="lt1"/>
+                  </a:fillRef>
+                  <a:effectRef idx="0">
+                    <a:schemeClr val="accent6"/>
+                  </a:effectRef>
+                  <a:fontRef idx="minor">
+                    <a:schemeClr val="dk1"/>
+                  </a:fontRef>
+                </p:style>
+                <p:txBody>
+                  <a:bodyPr rtlCol="0" anchor="ctr"/>
+                  <a:lstStyle/>
+                  <a:p>
+                    <a:pPr algn="ctr"/>
+                    <a:endParaRPr lang="es-ES"/>
+                  </a:p>
+                </p:txBody>
+              </p:sp>
+              <p:sp>
+                <p:nvSpPr>
+                  <p:cNvPr id="96" name="Elipse 95">
+                    <a:extLst>
+                      <a:ext uri="{FF2B5EF4-FFF2-40B4-BE49-F238E27FC236}">
+                        <a16:creationId xmlns:a16="http://schemas.microsoft.com/office/drawing/2014/main" id="{F17C145F-D021-A06C-37EF-B1B52E83738A}"/>
+                      </a:ext>
+                    </a:extLst>
+                  </p:cNvPr>
+                  <p:cNvSpPr/>
+                  <p:nvPr/>
+                </p:nvSpPr>
+                <p:spPr>
+                  <a:xfrm>
+                    <a:off x="3247296" y="2189231"/>
+                    <a:ext cx="241540" cy="224287"/>
+                  </a:xfrm>
+                  <a:prstGeom prst="ellipse">
+                    <a:avLst/>
+                  </a:prstGeom>
+                  <a:noFill/>
+                </p:spPr>
+                <p:style>
+                  <a:lnRef idx="2">
+                    <a:schemeClr val="accent6"/>
+                  </a:lnRef>
+                  <a:fillRef idx="1">
+                    <a:schemeClr val="lt1"/>
+                  </a:fillRef>
+                  <a:effectRef idx="0">
+                    <a:schemeClr val="accent6"/>
+                  </a:effectRef>
+                  <a:fontRef idx="minor">
+                    <a:schemeClr val="dk1"/>
+                  </a:fontRef>
+                </p:style>
+                <p:txBody>
+                  <a:bodyPr rtlCol="0" anchor="ctr"/>
+                  <a:lstStyle/>
+                  <a:p>
+                    <a:pPr algn="ctr"/>
+                    <a:endParaRPr lang="es-ES"/>
+                  </a:p>
+                </p:txBody>
+              </p:sp>
+            </p:grpSp>
+            <p:sp>
+              <p:nvSpPr>
+                <p:cNvPr id="122" name="Elipse 121">
+                  <a:extLst>
+                    <a:ext uri="{FF2B5EF4-FFF2-40B4-BE49-F238E27FC236}">
+                      <a16:creationId xmlns:a16="http://schemas.microsoft.com/office/drawing/2014/main" id="{804DD6CA-D4E7-CA23-68E2-FA6502F42196}"/>
+                    </a:ext>
+                  </a:extLst>
+                </p:cNvPr>
+                <p:cNvSpPr/>
+                <p:nvPr/>
+              </p:nvSpPr>
+              <p:spPr>
+                <a:xfrm rot="19321757">
+                  <a:off x="5467481" y="1983574"/>
+                  <a:ext cx="1018471" cy="370936"/>
+                </a:xfrm>
+                <a:prstGeom prst="ellipse">
+                  <a:avLst/>
+                </a:prstGeom>
+                <a:noFill/>
+                <a:ln>
+                  <a:solidFill>
+                    <a:srgbClr val="FF0000"/>
+                  </a:solidFill>
+                </a:ln>
+              </p:spPr>
+              <p:style>
+                <a:lnRef idx="2">
+                  <a:schemeClr val="accent1">
+                    <a:shade val="15000"/>
+                  </a:schemeClr>
+                </a:lnRef>
+                <a:fillRef idx="1">
+                  <a:schemeClr val="accent1"/>
+                </a:fillRef>
+                <a:effectRef idx="0">
+                  <a:schemeClr val="accent1"/>
+                </a:effectRef>
+                <a:fontRef idx="minor">
+                  <a:schemeClr val="lt1"/>
+                </a:fontRef>
+              </p:style>
+              <p:txBody>
+                <a:bodyPr rtlCol="0" anchor="ctr"/>
+                <a:lstStyle/>
+                <a:p>
+                  <a:pPr algn="ctr"/>
+                  <a:endParaRPr lang="es-ES"/>
+                </a:p>
+              </p:txBody>
+            </p:sp>
+            <p:sp>
+              <p:nvSpPr>
+                <p:cNvPr id="185" name="Elipse 184">
+                  <a:extLst>
+                    <a:ext uri="{FF2B5EF4-FFF2-40B4-BE49-F238E27FC236}">
+                      <a16:creationId xmlns:a16="http://schemas.microsoft.com/office/drawing/2014/main" id="{1DC6EC3A-A41C-4404-0C7B-7B0546807B61}"/>
+                    </a:ext>
+                  </a:extLst>
+                </p:cNvPr>
+                <p:cNvSpPr/>
+                <p:nvPr/>
+              </p:nvSpPr>
+              <p:spPr>
+                <a:xfrm rot="17448148">
+                  <a:off x="6216480" y="1944198"/>
+                  <a:ext cx="1056684" cy="380207"/>
+                </a:xfrm>
+                <a:prstGeom prst="ellipse">
+                  <a:avLst/>
+                </a:prstGeom>
+                <a:noFill/>
+                <a:ln>
+                  <a:solidFill>
+                    <a:srgbClr val="FF0000"/>
+                  </a:solidFill>
+                </a:ln>
+              </p:spPr>
+              <p:style>
+                <a:lnRef idx="2">
+                  <a:schemeClr val="accent1">
+                    <a:shade val="15000"/>
+                  </a:schemeClr>
+                </a:lnRef>
+                <a:fillRef idx="1">
+                  <a:schemeClr val="accent1"/>
+                </a:fillRef>
+                <a:effectRef idx="0">
+                  <a:schemeClr val="accent1"/>
+                </a:effectRef>
+                <a:fontRef idx="minor">
+                  <a:schemeClr val="lt1"/>
+                </a:fontRef>
+              </p:style>
+              <p:txBody>
+                <a:bodyPr rtlCol="0" anchor="ctr"/>
+                <a:lstStyle/>
+                <a:p>
+                  <a:pPr algn="ctr"/>
+                  <a:endParaRPr lang="es-ES"/>
+                </a:p>
+              </p:txBody>
+            </p:sp>
+            <p:sp>
+              <p:nvSpPr>
+                <p:cNvPr id="188" name="Elipse 187">
+                  <a:extLst>
+                    <a:ext uri="{FF2B5EF4-FFF2-40B4-BE49-F238E27FC236}">
+                      <a16:creationId xmlns:a16="http://schemas.microsoft.com/office/drawing/2014/main" id="{BCE01CA7-D304-76E4-9B16-8DBC44A24272}"/>
+                    </a:ext>
+                  </a:extLst>
+                </p:cNvPr>
+                <p:cNvSpPr/>
+                <p:nvPr/>
+              </p:nvSpPr>
+              <p:spPr>
+                <a:xfrm rot="19321757">
+                  <a:off x="5247354" y="1596122"/>
+                  <a:ext cx="1018471" cy="408812"/>
+                </a:xfrm>
+                <a:prstGeom prst="ellipse">
+                  <a:avLst/>
+                </a:prstGeom>
+                <a:noFill/>
+                <a:ln>
+                  <a:solidFill>
+                    <a:srgbClr val="FF0000"/>
+                  </a:solidFill>
+                </a:ln>
+              </p:spPr>
+              <p:style>
+                <a:lnRef idx="2">
+                  <a:schemeClr val="accent1">
+                    <a:shade val="15000"/>
+                  </a:schemeClr>
+                </a:lnRef>
+                <a:fillRef idx="1">
+                  <a:schemeClr val="accent1"/>
+                </a:fillRef>
+                <a:effectRef idx="0">
+                  <a:schemeClr val="accent1"/>
+                </a:effectRef>
+                <a:fontRef idx="minor">
+                  <a:schemeClr val="lt1"/>
+                </a:fontRef>
+              </p:style>
+              <p:txBody>
+                <a:bodyPr rtlCol="0" anchor="ctr"/>
+                <a:lstStyle/>
+                <a:p>
+                  <a:pPr algn="ctr"/>
+                  <a:endParaRPr lang="es-ES"/>
+                </a:p>
+              </p:txBody>
+            </p:sp>
+          </p:grpSp>
+          <p:grpSp>
+            <p:nvGrpSpPr>
+              <p:cNvPr id="240" name="Grupo 239">
+                <a:extLst>
+                  <a:ext uri="{FF2B5EF4-FFF2-40B4-BE49-F238E27FC236}">
+                    <a16:creationId xmlns:a16="http://schemas.microsoft.com/office/drawing/2014/main" id="{8C103F5E-B079-C23A-F828-565B6BD68B9F}"/>
+                  </a:ext>
+                </a:extLst>
+              </p:cNvPr>
+              <p:cNvGrpSpPr/>
+              <p:nvPr/>
+            </p:nvGrpSpPr>
+            <p:grpSpPr>
+              <a:xfrm>
+                <a:off x="7349018" y="1052933"/>
+                <a:ext cx="1873036" cy="1686425"/>
+                <a:chOff x="7659568" y="1009291"/>
+                <a:chExt cx="1873036" cy="1686425"/>
+              </a:xfrm>
+            </p:grpSpPr>
+            <p:grpSp>
+              <p:nvGrpSpPr>
+                <p:cNvPr id="191" name="Grupo 190">
+                  <a:extLst>
+                    <a:ext uri="{FF2B5EF4-FFF2-40B4-BE49-F238E27FC236}">
+                      <a16:creationId xmlns:a16="http://schemas.microsoft.com/office/drawing/2014/main" id="{8B704481-1F2B-3D78-1765-2FD3311B68EF}"/>
+                    </a:ext>
+                  </a:extLst>
+                </p:cNvPr>
+                <p:cNvGrpSpPr/>
+                <p:nvPr/>
+              </p:nvGrpSpPr>
+              <p:grpSpPr>
+                <a:xfrm>
+                  <a:off x="7659568" y="1102103"/>
+                  <a:ext cx="1687571" cy="1517053"/>
+                  <a:chOff x="5247354" y="1145591"/>
+                  <a:chExt cx="1687571" cy="1517053"/>
+                </a:xfrm>
+              </p:grpSpPr>
+              <p:grpSp>
+                <p:nvGrpSpPr>
+                  <p:cNvPr id="196" name="Grupo 195">
+                    <a:extLst>
+                      <a:ext uri="{FF2B5EF4-FFF2-40B4-BE49-F238E27FC236}">
+                        <a16:creationId xmlns:a16="http://schemas.microsoft.com/office/drawing/2014/main" id="{C1403A35-54EE-AD15-D4FD-A9E207CEA92C}"/>
+                      </a:ext>
+                    </a:extLst>
+                  </p:cNvPr>
+                  <p:cNvGrpSpPr/>
+                  <p:nvPr/>
+                </p:nvGrpSpPr>
+                <p:grpSpPr>
+                  <a:xfrm>
+                    <a:off x="5524069" y="1145591"/>
+                    <a:ext cx="1377815" cy="1300496"/>
+                    <a:chOff x="3049353" y="1205541"/>
+                    <a:chExt cx="1377815" cy="1300496"/>
+                  </a:xfrm>
+                </p:grpSpPr>
+                <p:grpSp>
+                  <p:nvGrpSpPr>
+                    <p:cNvPr id="200" name="Grupo 199">
+                      <a:extLst>
+                        <a:ext uri="{FF2B5EF4-FFF2-40B4-BE49-F238E27FC236}">
+                          <a16:creationId xmlns:a16="http://schemas.microsoft.com/office/drawing/2014/main" id="{5CE21E1E-D269-AA94-D1B4-A5B9A01000A7}"/>
+                        </a:ext>
+                      </a:extLst>
+                    </p:cNvPr>
+                    <p:cNvGrpSpPr/>
+                    <p:nvPr/>
+                  </p:nvGrpSpPr>
+                  <p:grpSpPr>
+                    <a:xfrm>
+                      <a:off x="3109822" y="1249795"/>
+                      <a:ext cx="1249060" cy="1179611"/>
+                      <a:chOff x="701898" y="1249795"/>
+                      <a:chExt cx="1760662" cy="1959743"/>
+                    </a:xfrm>
+                  </p:grpSpPr>
+                  <p:sp>
+                    <p:nvSpPr>
+                      <p:cNvPr id="209" name="Elipse 208">
+                        <a:extLst>
+                          <a:ext uri="{FF2B5EF4-FFF2-40B4-BE49-F238E27FC236}">
+                            <a16:creationId xmlns:a16="http://schemas.microsoft.com/office/drawing/2014/main" id="{F8A55044-C93F-6035-FCEF-6D383AB2DA57}"/>
+                          </a:ext>
+                        </a:extLst>
+                      </p:cNvPr>
+                      <p:cNvSpPr/>
+                      <p:nvPr/>
+                    </p:nvSpPr>
+                    <p:spPr>
+                      <a:xfrm>
+                        <a:off x="2260555" y="1249795"/>
+                        <a:ext cx="154800" cy="157655"/>
+                      </a:xfrm>
+                      <a:prstGeom prst="ellipse">
+                        <a:avLst/>
+                      </a:prstGeom>
+                      <a:solidFill>
+                        <a:srgbClr val="FFC000"/>
+                      </a:solidFill>
+                      <a:ln>
+                        <a:solidFill>
+                          <a:srgbClr val="002060"/>
+                        </a:solidFill>
+                      </a:ln>
+                    </p:spPr>
+                    <p:style>
+                      <a:lnRef idx="2">
+                        <a:schemeClr val="accent1">
+                          <a:shade val="15000"/>
+                        </a:schemeClr>
+                      </a:lnRef>
+                      <a:fillRef idx="1">
+                        <a:schemeClr val="accent1"/>
+                      </a:fillRef>
+                      <a:effectRef idx="0">
+                        <a:schemeClr val="accent1"/>
+                      </a:effectRef>
+                      <a:fontRef idx="minor">
+                        <a:schemeClr val="lt1"/>
+                      </a:fontRef>
+                    </p:style>
+                    <p:txBody>
+                      <a:bodyPr rtlCol="0" anchor="ctr"/>
+                      <a:lstStyle/>
+                      <a:p>
+                        <a:pPr algn="ctr"/>
+                        <a:endParaRPr lang="es-ES"/>
+                      </a:p>
+                    </p:txBody>
+                  </p:sp>
+                  <p:sp>
+                    <p:nvSpPr>
+                      <p:cNvPr id="210" name="Elipse 209">
+                        <a:extLst>
+                          <a:ext uri="{FF2B5EF4-FFF2-40B4-BE49-F238E27FC236}">
+                            <a16:creationId xmlns:a16="http://schemas.microsoft.com/office/drawing/2014/main" id="{EF3E2CDB-BC30-3B6E-98E5-C8F218BF11AE}"/>
+                          </a:ext>
+                        </a:extLst>
+                      </p:cNvPr>
+                      <p:cNvSpPr/>
+                      <p:nvPr/>
+                    </p:nvSpPr>
+                    <p:spPr>
+                      <a:xfrm>
+                        <a:off x="2307760" y="2364202"/>
+                        <a:ext cx="154800" cy="157655"/>
+                      </a:xfrm>
+                      <a:prstGeom prst="ellipse">
+                        <a:avLst/>
+                      </a:prstGeom>
+                      <a:solidFill>
+                        <a:srgbClr val="FFC000"/>
+                      </a:solidFill>
+                      <a:ln>
+                        <a:solidFill>
+                          <a:srgbClr val="002060"/>
+                        </a:solidFill>
+                      </a:ln>
+                    </p:spPr>
+                    <p:style>
+                      <a:lnRef idx="2">
+                        <a:schemeClr val="accent1">
+                          <a:shade val="15000"/>
+                        </a:schemeClr>
+                      </a:lnRef>
+                      <a:fillRef idx="1">
+                        <a:schemeClr val="accent1"/>
+                      </a:fillRef>
+                      <a:effectRef idx="0">
+                        <a:schemeClr val="accent1"/>
+                      </a:effectRef>
+                      <a:fontRef idx="minor">
+                        <a:schemeClr val="lt1"/>
+                      </a:fontRef>
+                    </p:style>
+                    <p:txBody>
+                      <a:bodyPr rtlCol="0" anchor="ctr"/>
+                      <a:lstStyle/>
+                      <a:p>
+                        <a:pPr algn="ctr"/>
+                        <a:endParaRPr lang="es-ES"/>
+                      </a:p>
+                    </p:txBody>
+                  </p:sp>
+                  <p:sp>
+                    <p:nvSpPr>
+                      <p:cNvPr id="211" name="Elipse 210">
+                        <a:extLst>
+                          <a:ext uri="{FF2B5EF4-FFF2-40B4-BE49-F238E27FC236}">
+                            <a16:creationId xmlns:a16="http://schemas.microsoft.com/office/drawing/2014/main" id="{74DB3F2F-7440-CD95-B7EE-EFA67D58A6A8}"/>
+                          </a:ext>
+                        </a:extLst>
+                      </p:cNvPr>
+                      <p:cNvSpPr/>
+                      <p:nvPr/>
+                    </p:nvSpPr>
+                    <p:spPr>
+                      <a:xfrm>
+                        <a:off x="701898" y="2379854"/>
+                        <a:ext cx="154800" cy="157655"/>
+                      </a:xfrm>
+                      <a:prstGeom prst="ellipse">
+                        <a:avLst/>
+                      </a:prstGeom>
+                      <a:solidFill>
+                        <a:srgbClr val="FFC000"/>
+                      </a:solidFill>
+                      <a:ln>
+                        <a:solidFill>
+                          <a:srgbClr val="002060"/>
+                        </a:solidFill>
+                      </a:ln>
+                    </p:spPr>
+                    <p:style>
+                      <a:lnRef idx="2">
+                        <a:schemeClr val="accent1">
+                          <a:shade val="15000"/>
+                        </a:schemeClr>
+                      </a:lnRef>
+                      <a:fillRef idx="1">
+                        <a:schemeClr val="accent1"/>
+                      </a:fillRef>
+                      <a:effectRef idx="0">
+                        <a:schemeClr val="accent1"/>
+                      </a:effectRef>
+                      <a:fontRef idx="minor">
+                        <a:schemeClr val="lt1"/>
+                      </a:fontRef>
+                    </p:style>
+                    <p:txBody>
+                      <a:bodyPr rtlCol="0" anchor="ctr"/>
+                      <a:lstStyle/>
+                      <a:p>
+                        <a:pPr algn="ctr"/>
+                        <a:endParaRPr lang="es-ES"/>
+                      </a:p>
+                    </p:txBody>
+                  </p:sp>
+                  <p:sp>
+                    <p:nvSpPr>
+                      <p:cNvPr id="212" name="Elipse 211">
+                        <a:extLst>
+                          <a:ext uri="{FF2B5EF4-FFF2-40B4-BE49-F238E27FC236}">
+                            <a16:creationId xmlns:a16="http://schemas.microsoft.com/office/drawing/2014/main" id="{3AFE4695-23C6-E4CF-8F51-FBF26B84743C}"/>
+                          </a:ext>
+                        </a:extLst>
+                      </p:cNvPr>
+                      <p:cNvSpPr/>
+                      <p:nvPr/>
+                    </p:nvSpPr>
+                    <p:spPr>
+                      <a:xfrm>
+                        <a:off x="1333348" y="2608030"/>
+                        <a:ext cx="154800" cy="157655"/>
+                      </a:xfrm>
+                      <a:prstGeom prst="ellipse">
+                        <a:avLst/>
+                      </a:prstGeom>
+                      <a:solidFill>
+                        <a:srgbClr val="FFC000"/>
+                      </a:solidFill>
+                      <a:ln>
+                        <a:solidFill>
+                          <a:srgbClr val="002060"/>
+                        </a:solidFill>
+                      </a:ln>
+                    </p:spPr>
+                    <p:style>
+                      <a:lnRef idx="2">
+                        <a:schemeClr val="accent1">
+                          <a:shade val="15000"/>
+                        </a:schemeClr>
+                      </a:lnRef>
+                      <a:fillRef idx="1">
+                        <a:schemeClr val="accent1"/>
+                      </a:fillRef>
+                      <a:effectRef idx="0">
+                        <a:schemeClr val="accent1"/>
+                      </a:effectRef>
+                      <a:fontRef idx="minor">
+                        <a:schemeClr val="lt1"/>
+                      </a:fontRef>
+                    </p:style>
+                    <p:txBody>
+                      <a:bodyPr rtlCol="0" anchor="ctr"/>
+                      <a:lstStyle/>
+                      <a:p>
+                        <a:pPr algn="ctr"/>
+                        <a:endParaRPr lang="es-ES"/>
+                      </a:p>
+                    </p:txBody>
+                  </p:sp>
+                  <p:sp>
+                    <p:nvSpPr>
+                      <p:cNvPr id="213" name="Elipse 212">
+                        <a:extLst>
+                          <a:ext uri="{FF2B5EF4-FFF2-40B4-BE49-F238E27FC236}">
+                            <a16:creationId xmlns:a16="http://schemas.microsoft.com/office/drawing/2014/main" id="{3B971A88-5263-410B-500B-0B4AC940E84A}"/>
+                          </a:ext>
+                        </a:extLst>
+                      </p:cNvPr>
+                      <p:cNvSpPr/>
+                      <p:nvPr/>
+                    </p:nvSpPr>
+                    <p:spPr>
+                      <a:xfrm>
+                        <a:off x="2307760" y="2718926"/>
+                        <a:ext cx="154800" cy="157655"/>
+                      </a:xfrm>
+                      <a:prstGeom prst="ellipse">
+                        <a:avLst/>
+                      </a:prstGeom>
+                      <a:solidFill>
+                        <a:srgbClr val="FFC000"/>
+                      </a:solidFill>
+                      <a:ln>
+                        <a:solidFill>
+                          <a:srgbClr val="002060"/>
+                        </a:solidFill>
+                      </a:ln>
+                    </p:spPr>
+                    <p:style>
+                      <a:lnRef idx="2">
+                        <a:schemeClr val="accent1">
+                          <a:shade val="15000"/>
+                        </a:schemeClr>
+                      </a:lnRef>
+                      <a:fillRef idx="1">
+                        <a:schemeClr val="accent1"/>
+                      </a:fillRef>
+                      <a:effectRef idx="0">
+                        <a:schemeClr val="accent1"/>
+                      </a:effectRef>
+                      <a:fontRef idx="minor">
+                        <a:schemeClr val="lt1"/>
+                      </a:fontRef>
+                    </p:style>
+                    <p:txBody>
+                      <a:bodyPr rtlCol="0" anchor="ctr"/>
+                      <a:lstStyle/>
+                      <a:p>
+                        <a:pPr algn="ctr"/>
+                        <a:endParaRPr lang="es-ES"/>
+                      </a:p>
+                    </p:txBody>
+                  </p:sp>
+                  <p:sp>
+                    <p:nvSpPr>
+                      <p:cNvPr id="214" name="Elipse 213">
+                        <a:extLst>
+                          <a:ext uri="{FF2B5EF4-FFF2-40B4-BE49-F238E27FC236}">
+                            <a16:creationId xmlns:a16="http://schemas.microsoft.com/office/drawing/2014/main" id="{D94BEF14-75FB-2FFD-7D24-562981AB6628}"/>
+                          </a:ext>
+                        </a:extLst>
+                      </p:cNvPr>
+                      <p:cNvSpPr/>
+                      <p:nvPr/>
+                    </p:nvSpPr>
+                    <p:spPr>
+                      <a:xfrm>
+                        <a:off x="1039099" y="2056660"/>
+                        <a:ext cx="154800" cy="157655"/>
+                      </a:xfrm>
+                      <a:prstGeom prst="ellipse">
+                        <a:avLst/>
+                      </a:prstGeom>
+                      <a:solidFill>
+                        <a:srgbClr val="FFC000"/>
+                      </a:solidFill>
+                      <a:ln>
+                        <a:solidFill>
+                          <a:srgbClr val="002060"/>
+                        </a:solidFill>
+                      </a:ln>
+                    </p:spPr>
+                    <p:style>
+                      <a:lnRef idx="2">
+                        <a:schemeClr val="accent1">
+                          <a:shade val="15000"/>
+                        </a:schemeClr>
+                      </a:lnRef>
+                      <a:fillRef idx="1">
+                        <a:schemeClr val="accent1"/>
+                      </a:fillRef>
+                      <a:effectRef idx="0">
+                        <a:schemeClr val="accent1"/>
+                      </a:effectRef>
+                      <a:fontRef idx="minor">
+                        <a:schemeClr val="lt1"/>
+                      </a:fontRef>
+                    </p:style>
+                    <p:txBody>
+                      <a:bodyPr rtlCol="0" anchor="ctr"/>
+                      <a:lstStyle/>
+                      <a:p>
+                        <a:pPr algn="ctr"/>
+                        <a:endParaRPr lang="es-ES"/>
+                      </a:p>
+                    </p:txBody>
+                  </p:sp>
+                  <p:sp>
+                    <p:nvSpPr>
+                      <p:cNvPr id="215" name="Elipse 214">
+                        <a:extLst>
+                          <a:ext uri="{FF2B5EF4-FFF2-40B4-BE49-F238E27FC236}">
+                            <a16:creationId xmlns:a16="http://schemas.microsoft.com/office/drawing/2014/main" id="{2C184B1D-6905-711E-36C8-ADF20A39523D}"/>
+                          </a:ext>
+                        </a:extLst>
+                      </p:cNvPr>
+                      <p:cNvSpPr/>
+                      <p:nvPr/>
+                    </p:nvSpPr>
+                    <p:spPr>
+                      <a:xfrm>
+                        <a:off x="2200542" y="3051883"/>
+                        <a:ext cx="154800" cy="157655"/>
+                      </a:xfrm>
+                      <a:prstGeom prst="ellipse">
+                        <a:avLst/>
+                      </a:prstGeom>
+                      <a:solidFill>
+                        <a:srgbClr val="FFC000"/>
+                      </a:solidFill>
+                      <a:ln>
+                        <a:solidFill>
+                          <a:srgbClr val="002060"/>
+                        </a:solidFill>
+                      </a:ln>
+                    </p:spPr>
+                    <p:style>
+                      <a:lnRef idx="2">
+                        <a:schemeClr val="accent1">
+                          <a:shade val="15000"/>
+                        </a:schemeClr>
+                      </a:lnRef>
+                      <a:fillRef idx="1">
+                        <a:schemeClr val="accent1"/>
+                      </a:fillRef>
+                      <a:effectRef idx="0">
+                        <a:schemeClr val="accent1"/>
+                      </a:effectRef>
+                      <a:fontRef idx="minor">
+                        <a:schemeClr val="lt1"/>
+                      </a:fontRef>
+                    </p:style>
+                    <p:txBody>
+                      <a:bodyPr rtlCol="0" anchor="ctr"/>
+                      <a:lstStyle/>
+                      <a:p>
+                        <a:pPr algn="ctr"/>
+                        <a:endParaRPr lang="es-ES"/>
+                      </a:p>
+                    </p:txBody>
+                  </p:sp>
+                  <p:sp>
+                    <p:nvSpPr>
+                      <p:cNvPr id="216" name="Elipse 215">
+                        <a:extLst>
+                          <a:ext uri="{FF2B5EF4-FFF2-40B4-BE49-F238E27FC236}">
+                            <a16:creationId xmlns:a16="http://schemas.microsoft.com/office/drawing/2014/main" id="{4393A6FD-9AA3-CAF8-2B04-16FD3B25E078}"/>
+                          </a:ext>
+                        </a:extLst>
+                      </p:cNvPr>
+                      <p:cNvSpPr/>
+                      <p:nvPr/>
+                    </p:nvSpPr>
+                    <p:spPr>
+                      <a:xfrm>
+                        <a:off x="974135" y="2912673"/>
+                        <a:ext cx="154800" cy="157655"/>
+                      </a:xfrm>
+                      <a:prstGeom prst="ellipse">
+                        <a:avLst/>
+                      </a:prstGeom>
+                      <a:solidFill>
+                        <a:srgbClr val="FFC000"/>
+                      </a:solidFill>
+                      <a:ln>
+                        <a:solidFill>
+                          <a:srgbClr val="002060"/>
+                        </a:solidFill>
+                      </a:ln>
+                    </p:spPr>
+                    <p:style>
+                      <a:lnRef idx="2">
+                        <a:schemeClr val="accent1">
+                          <a:shade val="15000"/>
+                        </a:schemeClr>
+                      </a:lnRef>
+                      <a:fillRef idx="1">
+                        <a:schemeClr val="accent1"/>
+                      </a:fillRef>
+                      <a:effectRef idx="0">
+                        <a:schemeClr val="accent1"/>
+                      </a:effectRef>
+                      <a:fontRef idx="minor">
+                        <a:schemeClr val="lt1"/>
+                      </a:fontRef>
+                    </p:style>
+                    <p:txBody>
+                      <a:bodyPr rtlCol="0" anchor="ctr"/>
+                      <a:lstStyle/>
+                      <a:p>
+                        <a:pPr algn="ctr"/>
+                        <a:endParaRPr lang="es-ES"/>
+                      </a:p>
+                    </p:txBody>
+                  </p:sp>
+                </p:grpSp>
+                <p:sp>
+                  <p:nvSpPr>
+                    <p:cNvPr id="201" name="Elipse 200">
+                      <a:extLst>
+                        <a:ext uri="{FF2B5EF4-FFF2-40B4-BE49-F238E27FC236}">
+                          <a16:creationId xmlns:a16="http://schemas.microsoft.com/office/drawing/2014/main" id="{61048FBF-E254-100C-63F2-79D1CEE78D6E}"/>
+                        </a:ext>
+                      </a:extLst>
+                    </p:cNvPr>
+                    <p:cNvSpPr/>
+                    <p:nvPr/>
+                  </p:nvSpPr>
+                  <p:spPr>
+                    <a:xfrm>
+                      <a:off x="3283180" y="1670768"/>
+                      <a:ext cx="241540" cy="224287"/>
+                    </a:xfrm>
+                    <a:prstGeom prst="ellipse">
+                      <a:avLst/>
+                    </a:prstGeom>
+                    <a:noFill/>
+                  </p:spPr>
+                  <p:style>
+                    <a:lnRef idx="2">
+                      <a:schemeClr val="accent6"/>
+                    </a:lnRef>
+                    <a:fillRef idx="1">
+                      <a:schemeClr val="lt1"/>
+                    </a:fillRef>
+                    <a:effectRef idx="0">
+                      <a:schemeClr val="accent6"/>
+                    </a:effectRef>
+                    <a:fontRef idx="minor">
+                      <a:schemeClr val="dk1"/>
+                    </a:fontRef>
+                  </p:style>
+                  <p:txBody>
+                    <a:bodyPr rtlCol="0" anchor="ctr"/>
+                    <a:lstStyle/>
+                    <a:p>
+                      <a:pPr algn="ctr"/>
+                      <a:endParaRPr lang="es-ES"/>
+                    </a:p>
+                  </p:txBody>
+                </p:sp>
+                <p:sp>
+                  <p:nvSpPr>
+                    <p:cNvPr id="202" name="Elipse 201">
+                      <a:extLst>
+                        <a:ext uri="{FF2B5EF4-FFF2-40B4-BE49-F238E27FC236}">
+                          <a16:creationId xmlns:a16="http://schemas.microsoft.com/office/drawing/2014/main" id="{CF7326BE-0841-7872-926E-49A9F0FC123E}"/>
+                        </a:ext>
+                      </a:extLst>
+                    </p:cNvPr>
+                    <p:cNvSpPr/>
+                    <p:nvPr/>
+                  </p:nvSpPr>
+                  <p:spPr>
+                    <a:xfrm>
+                      <a:off x="4149713" y="1205541"/>
+                      <a:ext cx="241540" cy="224287"/>
+                    </a:xfrm>
+                    <a:prstGeom prst="ellipse">
+                      <a:avLst/>
+                    </a:prstGeom>
+                    <a:noFill/>
+                  </p:spPr>
+                  <p:style>
+                    <a:lnRef idx="2">
+                      <a:schemeClr val="accent6"/>
+                    </a:lnRef>
+                    <a:fillRef idx="1">
+                      <a:schemeClr val="lt1"/>
+                    </a:fillRef>
+                    <a:effectRef idx="0">
+                      <a:schemeClr val="accent6"/>
+                    </a:effectRef>
+                    <a:fontRef idx="minor">
+                      <a:schemeClr val="dk1"/>
+                    </a:fontRef>
+                  </p:style>
+                  <p:txBody>
+                    <a:bodyPr rtlCol="0" anchor="ctr"/>
+                    <a:lstStyle/>
+                    <a:p>
+                      <a:pPr algn="ctr"/>
+                      <a:endParaRPr lang="es-ES"/>
+                    </a:p>
+                  </p:txBody>
+                </p:sp>
+                <p:sp>
+                  <p:nvSpPr>
+                    <p:cNvPr id="203" name="Elipse 202">
+                      <a:extLst>
+                        <a:ext uri="{FF2B5EF4-FFF2-40B4-BE49-F238E27FC236}">
+                          <a16:creationId xmlns:a16="http://schemas.microsoft.com/office/drawing/2014/main" id="{AE1C6F2F-CB4C-01CC-B862-2E1B9F31ECB2}"/>
+                        </a:ext>
+                      </a:extLst>
+                    </p:cNvPr>
+                    <p:cNvSpPr/>
+                    <p:nvPr/>
+                  </p:nvSpPr>
+                  <p:spPr>
+                    <a:xfrm>
+                      <a:off x="3496124" y="2008172"/>
+                      <a:ext cx="241540" cy="224287"/>
+                    </a:xfrm>
+                    <a:prstGeom prst="ellipse">
+                      <a:avLst/>
+                    </a:prstGeom>
+                    <a:noFill/>
+                  </p:spPr>
+                  <p:style>
+                    <a:lnRef idx="2">
+                      <a:schemeClr val="accent6"/>
+                    </a:lnRef>
+                    <a:fillRef idx="1">
+                      <a:schemeClr val="lt1"/>
+                    </a:fillRef>
+                    <a:effectRef idx="0">
+                      <a:schemeClr val="accent6"/>
+                    </a:effectRef>
+                    <a:fontRef idx="minor">
+                      <a:schemeClr val="dk1"/>
+                    </a:fontRef>
+                  </p:style>
+                  <p:txBody>
+                    <a:bodyPr rtlCol="0" anchor="ctr"/>
+                    <a:lstStyle/>
+                    <a:p>
+                      <a:pPr algn="ctr"/>
+                      <a:endParaRPr lang="es-ES"/>
+                    </a:p>
+                  </p:txBody>
+                </p:sp>
+                <p:sp>
+                  <p:nvSpPr>
+                    <p:cNvPr id="204" name="Elipse 203">
+                      <a:extLst>
+                        <a:ext uri="{FF2B5EF4-FFF2-40B4-BE49-F238E27FC236}">
+                          <a16:creationId xmlns:a16="http://schemas.microsoft.com/office/drawing/2014/main" id="{196A7952-FC86-2A10-E8F5-0DC43CC8395F}"/>
+                        </a:ext>
+                      </a:extLst>
+                    </p:cNvPr>
+                    <p:cNvSpPr/>
+                    <p:nvPr/>
+                  </p:nvSpPr>
+                  <p:spPr>
+                    <a:xfrm>
+                      <a:off x="4185628" y="2069400"/>
+                      <a:ext cx="241540" cy="224287"/>
+                    </a:xfrm>
+                    <a:prstGeom prst="ellipse">
+                      <a:avLst/>
+                    </a:prstGeom>
+                    <a:noFill/>
+                  </p:spPr>
+                  <p:style>
+                    <a:lnRef idx="2">
+                      <a:schemeClr val="accent6"/>
+                    </a:lnRef>
+                    <a:fillRef idx="1">
+                      <a:schemeClr val="lt1"/>
+                    </a:fillRef>
+                    <a:effectRef idx="0">
+                      <a:schemeClr val="accent6"/>
+                    </a:effectRef>
+                    <a:fontRef idx="minor">
+                      <a:schemeClr val="dk1"/>
+                    </a:fontRef>
+                  </p:style>
+                  <p:txBody>
+                    <a:bodyPr rtlCol="0" anchor="ctr"/>
+                    <a:lstStyle/>
+                    <a:p>
+                      <a:pPr algn="ctr"/>
+                      <a:endParaRPr lang="es-ES"/>
+                    </a:p>
+                  </p:txBody>
+                </p:sp>
+                <p:sp>
+                  <p:nvSpPr>
+                    <p:cNvPr id="205" name="Elipse 204">
+                      <a:extLst>
+                        <a:ext uri="{FF2B5EF4-FFF2-40B4-BE49-F238E27FC236}">
+                          <a16:creationId xmlns:a16="http://schemas.microsoft.com/office/drawing/2014/main" id="{4BE82232-B5B1-F293-DC05-A4D1BDD4D68B}"/>
+                        </a:ext>
+                      </a:extLst>
+                    </p:cNvPr>
+                    <p:cNvSpPr/>
+                    <p:nvPr/>
+                  </p:nvSpPr>
+                  <p:spPr>
+                    <a:xfrm>
+                      <a:off x="4183202" y="1857050"/>
+                      <a:ext cx="241540" cy="224287"/>
+                    </a:xfrm>
+                    <a:prstGeom prst="ellipse">
+                      <a:avLst/>
+                    </a:prstGeom>
+                    <a:noFill/>
+                  </p:spPr>
+                  <p:style>
+                    <a:lnRef idx="2">
+                      <a:schemeClr val="accent6"/>
+                    </a:lnRef>
+                    <a:fillRef idx="1">
+                      <a:schemeClr val="lt1"/>
+                    </a:fillRef>
+                    <a:effectRef idx="0">
+                      <a:schemeClr val="accent6"/>
+                    </a:effectRef>
+                    <a:fontRef idx="minor">
+                      <a:schemeClr val="dk1"/>
+                    </a:fontRef>
+                  </p:style>
+                  <p:txBody>
+                    <a:bodyPr rtlCol="0" anchor="ctr"/>
+                    <a:lstStyle/>
+                    <a:p>
+                      <a:pPr algn="ctr"/>
+                      <a:endParaRPr lang="es-ES"/>
+                    </a:p>
+                  </p:txBody>
+                </p:sp>
+                <p:sp>
+                  <p:nvSpPr>
+                    <p:cNvPr id="206" name="Elipse 205">
+                      <a:extLst>
+                        <a:ext uri="{FF2B5EF4-FFF2-40B4-BE49-F238E27FC236}">
+                          <a16:creationId xmlns:a16="http://schemas.microsoft.com/office/drawing/2014/main" id="{AE33B620-507A-BC0E-9517-FDF7E2BDFB07}"/>
+                        </a:ext>
+                      </a:extLst>
+                    </p:cNvPr>
+                    <p:cNvSpPr/>
+                    <p:nvPr/>
+                  </p:nvSpPr>
+                  <p:spPr>
+                    <a:xfrm>
+                      <a:off x="3049353" y="1874391"/>
+                      <a:ext cx="241540" cy="224287"/>
+                    </a:xfrm>
+                    <a:prstGeom prst="ellipse">
+                      <a:avLst/>
+                    </a:prstGeom>
+                    <a:noFill/>
+                  </p:spPr>
+                  <p:style>
+                    <a:lnRef idx="2">
+                      <a:schemeClr val="accent6"/>
+                    </a:lnRef>
+                    <a:fillRef idx="1">
+                      <a:schemeClr val="lt1"/>
+                    </a:fillRef>
+                    <a:effectRef idx="0">
+                      <a:schemeClr val="accent6"/>
+                    </a:effectRef>
+                    <a:fontRef idx="minor">
+                      <a:schemeClr val="dk1"/>
+                    </a:fontRef>
+                  </p:style>
+                  <p:txBody>
+                    <a:bodyPr rtlCol="0" anchor="ctr"/>
+                    <a:lstStyle/>
+                    <a:p>
+                      <a:pPr algn="ctr"/>
+                      <a:endParaRPr lang="es-ES"/>
+                    </a:p>
+                  </p:txBody>
+                </p:sp>
+                <p:sp>
+                  <p:nvSpPr>
+                    <p:cNvPr id="207" name="Elipse 206">
+                      <a:extLst>
+                        <a:ext uri="{FF2B5EF4-FFF2-40B4-BE49-F238E27FC236}">
+                          <a16:creationId xmlns:a16="http://schemas.microsoft.com/office/drawing/2014/main" id="{9FA1328E-BBD1-303E-71E7-3B06FD429069}"/>
+                        </a:ext>
+                      </a:extLst>
+                    </p:cNvPr>
+                    <p:cNvSpPr/>
+                    <p:nvPr/>
+                  </p:nvSpPr>
+                  <p:spPr>
+                    <a:xfrm>
+                      <a:off x="4107139" y="2281750"/>
+                      <a:ext cx="241540" cy="224287"/>
+                    </a:xfrm>
+                    <a:prstGeom prst="ellipse">
+                      <a:avLst/>
+                    </a:prstGeom>
+                    <a:noFill/>
+                  </p:spPr>
+                  <p:style>
+                    <a:lnRef idx="2">
+                      <a:schemeClr val="accent6"/>
+                    </a:lnRef>
+                    <a:fillRef idx="1">
+                      <a:schemeClr val="lt1"/>
+                    </a:fillRef>
+                    <a:effectRef idx="0">
+                      <a:schemeClr val="accent6"/>
+                    </a:effectRef>
+                    <a:fontRef idx="minor">
+                      <a:schemeClr val="dk1"/>
+                    </a:fontRef>
+                  </p:style>
+                  <p:txBody>
+                    <a:bodyPr rtlCol="0" anchor="ctr"/>
+                    <a:lstStyle/>
+                    <a:p>
+                      <a:pPr algn="ctr"/>
+                      <a:endParaRPr lang="es-ES"/>
+                    </a:p>
+                  </p:txBody>
+                </p:sp>
+                <p:sp>
+                  <p:nvSpPr>
+                    <p:cNvPr id="208" name="Elipse 207">
+                      <a:extLst>
+                        <a:ext uri="{FF2B5EF4-FFF2-40B4-BE49-F238E27FC236}">
+                          <a16:creationId xmlns:a16="http://schemas.microsoft.com/office/drawing/2014/main" id="{9CD0ABAA-4D7A-9BBC-B01D-F4F2E1F5778A}"/>
+                        </a:ext>
+                      </a:extLst>
+                    </p:cNvPr>
+                    <p:cNvSpPr/>
+                    <p:nvPr/>
+                  </p:nvSpPr>
+                  <p:spPr>
+                    <a:xfrm>
+                      <a:off x="3247296" y="2189231"/>
+                      <a:ext cx="241540" cy="224287"/>
+                    </a:xfrm>
+                    <a:prstGeom prst="ellipse">
+                      <a:avLst/>
+                    </a:prstGeom>
+                    <a:noFill/>
+                  </p:spPr>
+                  <p:style>
+                    <a:lnRef idx="2">
+                      <a:schemeClr val="accent6"/>
+                    </a:lnRef>
+                    <a:fillRef idx="1">
+                      <a:schemeClr val="lt1"/>
+                    </a:fillRef>
+                    <a:effectRef idx="0">
+                      <a:schemeClr val="accent6"/>
+                    </a:effectRef>
+                    <a:fontRef idx="minor">
+                      <a:schemeClr val="dk1"/>
+                    </a:fontRef>
+                  </p:style>
+                  <p:txBody>
+                    <a:bodyPr rtlCol="0" anchor="ctr"/>
+                    <a:lstStyle/>
+                    <a:p>
+                      <a:pPr algn="ctr"/>
+                      <a:endParaRPr lang="es-ES"/>
+                    </a:p>
+                  </p:txBody>
+                </p:sp>
+              </p:grpSp>
+              <p:sp>
+                <p:nvSpPr>
+                  <p:cNvPr id="197" name="Elipse 196">
+                    <a:extLst>
+                      <a:ext uri="{FF2B5EF4-FFF2-40B4-BE49-F238E27FC236}">
+                        <a16:creationId xmlns:a16="http://schemas.microsoft.com/office/drawing/2014/main" id="{019FC144-6209-770F-7D5E-A159B1A2C503}"/>
+                      </a:ext>
+                    </a:extLst>
+                  </p:cNvPr>
+                  <p:cNvSpPr/>
+                  <p:nvPr/>
+                </p:nvSpPr>
+                <p:spPr>
+                  <a:xfrm rot="19321757">
+                    <a:off x="5467481" y="1983574"/>
+                    <a:ext cx="1018471" cy="370936"/>
+                  </a:xfrm>
+                  <a:prstGeom prst="ellipse">
+                    <a:avLst/>
+                  </a:prstGeom>
+                  <a:noFill/>
+                  <a:ln>
+                    <a:solidFill>
+                      <a:srgbClr val="FF0000"/>
+                    </a:solidFill>
+                  </a:ln>
+                </p:spPr>
+                <p:style>
+                  <a:lnRef idx="2">
+                    <a:schemeClr val="accent1">
+                      <a:shade val="15000"/>
+                    </a:schemeClr>
+                  </a:lnRef>
+                  <a:fillRef idx="1">
+                    <a:schemeClr val="accent1"/>
+                  </a:fillRef>
+                  <a:effectRef idx="0">
+                    <a:schemeClr val="accent1"/>
+                  </a:effectRef>
+                  <a:fontRef idx="minor">
+                    <a:schemeClr val="lt1"/>
+                  </a:fontRef>
+                </p:style>
+                <p:txBody>
+                  <a:bodyPr rtlCol="0" anchor="ctr"/>
+                  <a:lstStyle/>
+                  <a:p>
+                    <a:pPr algn="ctr"/>
+                    <a:endParaRPr lang="es-ES"/>
+                  </a:p>
+                </p:txBody>
+              </p:sp>
+              <p:sp>
+                <p:nvSpPr>
+                  <p:cNvPr id="198" name="Elipse 197">
+                    <a:extLst>
+                      <a:ext uri="{FF2B5EF4-FFF2-40B4-BE49-F238E27FC236}">
+                        <a16:creationId xmlns:a16="http://schemas.microsoft.com/office/drawing/2014/main" id="{C02B9D75-D3F6-0A90-0C37-634F75C213F2}"/>
+                      </a:ext>
+                    </a:extLst>
+                  </p:cNvPr>
+                  <p:cNvSpPr/>
+                  <p:nvPr/>
+                </p:nvSpPr>
+                <p:spPr>
+                  <a:xfrm rot="17448148">
+                    <a:off x="6216480" y="1944198"/>
+                    <a:ext cx="1056684" cy="380207"/>
+                  </a:xfrm>
+                  <a:prstGeom prst="ellipse">
+                    <a:avLst/>
+                  </a:prstGeom>
+                  <a:noFill/>
+                  <a:ln>
+                    <a:solidFill>
+                      <a:srgbClr val="FF0000"/>
+                    </a:solidFill>
+                  </a:ln>
+                </p:spPr>
+                <p:style>
+                  <a:lnRef idx="2">
+                    <a:schemeClr val="accent1">
+                      <a:shade val="15000"/>
+                    </a:schemeClr>
+                  </a:lnRef>
+                  <a:fillRef idx="1">
+                    <a:schemeClr val="accent1"/>
+                  </a:fillRef>
+                  <a:effectRef idx="0">
+                    <a:schemeClr val="accent1"/>
+                  </a:effectRef>
+                  <a:fontRef idx="minor">
+                    <a:schemeClr val="lt1"/>
+                  </a:fontRef>
+                </p:style>
+                <p:txBody>
+                  <a:bodyPr rtlCol="0" anchor="ctr"/>
+                  <a:lstStyle/>
+                  <a:p>
+                    <a:pPr algn="ctr"/>
+                    <a:endParaRPr lang="es-ES" dirty="0"/>
+                  </a:p>
+                </p:txBody>
+              </p:sp>
+              <p:sp>
+                <p:nvSpPr>
+                  <p:cNvPr id="199" name="Elipse 198">
+                    <a:extLst>
+                      <a:ext uri="{FF2B5EF4-FFF2-40B4-BE49-F238E27FC236}">
+                        <a16:creationId xmlns:a16="http://schemas.microsoft.com/office/drawing/2014/main" id="{299E22FD-1B9A-EEDA-DC61-E3A823BA968B}"/>
+                      </a:ext>
+                    </a:extLst>
+                  </p:cNvPr>
+                  <p:cNvSpPr/>
+                  <p:nvPr/>
+                </p:nvSpPr>
+                <p:spPr>
+                  <a:xfrm rot="19321757">
+                    <a:off x="5247354" y="1596122"/>
+                    <a:ext cx="1018471" cy="408812"/>
+                  </a:xfrm>
+                  <a:prstGeom prst="ellipse">
+                    <a:avLst/>
+                  </a:prstGeom>
+                  <a:noFill/>
+                  <a:ln>
+                    <a:solidFill>
+                      <a:srgbClr val="FF0000"/>
+                    </a:solidFill>
+                  </a:ln>
+                </p:spPr>
+                <p:style>
+                  <a:lnRef idx="2">
+                    <a:schemeClr val="accent1">
+                      <a:shade val="15000"/>
+                    </a:schemeClr>
+                  </a:lnRef>
+                  <a:fillRef idx="1">
+                    <a:schemeClr val="accent1"/>
+                  </a:fillRef>
+                  <a:effectRef idx="0">
+                    <a:schemeClr val="accent1"/>
+                  </a:effectRef>
+                  <a:fontRef idx="minor">
+                    <a:schemeClr val="lt1"/>
+                  </a:fontRef>
+                </p:style>
+                <p:txBody>
+                  <a:bodyPr rtlCol="0" anchor="ctr"/>
+                  <a:lstStyle/>
+                  <a:p>
+                    <a:pPr algn="ctr"/>
+                    <a:endParaRPr lang="es-ES"/>
+                  </a:p>
+                </p:txBody>
+              </p:sp>
+            </p:grpSp>
+            <p:sp>
+              <p:nvSpPr>
+                <p:cNvPr id="239" name="Elipse 238">
+                  <a:extLst>
+                    <a:ext uri="{FF2B5EF4-FFF2-40B4-BE49-F238E27FC236}">
+                      <a16:creationId xmlns:a16="http://schemas.microsoft.com/office/drawing/2014/main" id="{19CD7031-A244-D43C-087C-6D5DA6FC2BBD}"/>
+                    </a:ext>
+                  </a:extLst>
+                </p:cNvPr>
+                <p:cNvSpPr/>
+                <p:nvPr/>
+              </p:nvSpPr>
+              <p:spPr>
+                <a:xfrm>
+                  <a:off x="8807002" y="1009291"/>
+                  <a:ext cx="725602" cy="1686425"/>
+                </a:xfrm>
+                <a:prstGeom prst="ellipse">
+                  <a:avLst/>
+                </a:prstGeom>
+                <a:noFill/>
+              </p:spPr>
+              <p:style>
+                <a:lnRef idx="2">
+                  <a:schemeClr val="accent1"/>
+                </a:lnRef>
+                <a:fillRef idx="1">
+                  <a:schemeClr val="lt1"/>
+                </a:fillRef>
+                <a:effectRef idx="0">
+                  <a:schemeClr val="accent1"/>
+                </a:effectRef>
+                <a:fontRef idx="minor">
+                  <a:schemeClr val="dk1"/>
+                </a:fontRef>
+              </p:style>
+              <p:txBody>
+                <a:bodyPr rtlCol="0" anchor="ctr"/>
+                <a:lstStyle/>
+                <a:p>
+                  <a:pPr algn="ctr"/>
+                  <a:endParaRPr lang="es-ES"/>
+                </a:p>
+              </p:txBody>
+            </p:sp>
+          </p:grpSp>
+          <p:grpSp>
+            <p:nvGrpSpPr>
+              <p:cNvPr id="266" name="Grupo 265">
+                <a:extLst>
+                  <a:ext uri="{FF2B5EF4-FFF2-40B4-BE49-F238E27FC236}">
+                    <a16:creationId xmlns:a16="http://schemas.microsoft.com/office/drawing/2014/main" id="{9D341D42-3C7B-B2E1-4186-03B1DA2881DE}"/>
+                  </a:ext>
+                </a:extLst>
+              </p:cNvPr>
+              <p:cNvGrpSpPr/>
+              <p:nvPr/>
+            </p:nvGrpSpPr>
+            <p:grpSpPr>
+              <a:xfrm>
+                <a:off x="9909561" y="834356"/>
+                <a:ext cx="2063903" cy="2123579"/>
+                <a:chOff x="9909561" y="766270"/>
+                <a:chExt cx="2063903" cy="2123579"/>
+              </a:xfrm>
+            </p:grpSpPr>
+            <p:grpSp>
+              <p:nvGrpSpPr>
+                <p:cNvPr id="241" name="Grupo 240">
+                  <a:extLst>
+                    <a:ext uri="{FF2B5EF4-FFF2-40B4-BE49-F238E27FC236}">
+                      <a16:creationId xmlns:a16="http://schemas.microsoft.com/office/drawing/2014/main" id="{1DD4F258-DDD2-2A00-CA91-698B2C76DCF4}"/>
+                    </a:ext>
+                  </a:extLst>
+                </p:cNvPr>
+                <p:cNvGrpSpPr/>
+                <p:nvPr/>
+              </p:nvGrpSpPr>
+              <p:grpSpPr>
+                <a:xfrm>
+                  <a:off x="9909561" y="971228"/>
+                  <a:ext cx="1873036" cy="1686425"/>
+                  <a:chOff x="7659568" y="1009291"/>
+                  <a:chExt cx="1873036" cy="1686425"/>
+                </a:xfrm>
+              </p:grpSpPr>
+              <p:grpSp>
+                <p:nvGrpSpPr>
+                  <p:cNvPr id="242" name="Grupo 241">
+                    <a:extLst>
+                      <a:ext uri="{FF2B5EF4-FFF2-40B4-BE49-F238E27FC236}">
+                        <a16:creationId xmlns:a16="http://schemas.microsoft.com/office/drawing/2014/main" id="{F95F6888-09DB-1BD2-52AE-E7D36F18DF92}"/>
+                      </a:ext>
+                    </a:extLst>
+                  </p:cNvPr>
+                  <p:cNvGrpSpPr/>
+                  <p:nvPr/>
+                </p:nvGrpSpPr>
+                <p:grpSpPr>
+                  <a:xfrm>
+                    <a:off x="7659568" y="1102103"/>
+                    <a:ext cx="1687571" cy="1517053"/>
+                    <a:chOff x="5247354" y="1145591"/>
+                    <a:chExt cx="1687571" cy="1517053"/>
+                  </a:xfrm>
+                </p:grpSpPr>
+                <p:grpSp>
+                  <p:nvGrpSpPr>
+                    <p:cNvPr id="244" name="Grupo 243">
+                      <a:extLst>
+                        <a:ext uri="{FF2B5EF4-FFF2-40B4-BE49-F238E27FC236}">
+                          <a16:creationId xmlns:a16="http://schemas.microsoft.com/office/drawing/2014/main" id="{8AA7B169-DC79-8221-FA26-00AF199DBA8F}"/>
+                        </a:ext>
+                      </a:extLst>
+                    </p:cNvPr>
+                    <p:cNvGrpSpPr/>
+                    <p:nvPr/>
+                  </p:nvGrpSpPr>
+                  <p:grpSpPr>
+                    <a:xfrm>
+                      <a:off x="5524069" y="1145591"/>
+                      <a:ext cx="1377815" cy="1300496"/>
+                      <a:chOff x="3049353" y="1205541"/>
+                      <a:chExt cx="1377815" cy="1300496"/>
+                    </a:xfrm>
+                  </p:grpSpPr>
+                  <p:grpSp>
+                    <p:nvGrpSpPr>
+                      <p:cNvPr id="248" name="Grupo 247">
+                        <a:extLst>
+                          <a:ext uri="{FF2B5EF4-FFF2-40B4-BE49-F238E27FC236}">
+                            <a16:creationId xmlns:a16="http://schemas.microsoft.com/office/drawing/2014/main" id="{34E8A276-924B-AFB1-3B42-9F0A37E08F88}"/>
+                          </a:ext>
+                        </a:extLst>
+                      </p:cNvPr>
+                      <p:cNvGrpSpPr/>
+                      <p:nvPr/>
+                    </p:nvGrpSpPr>
+                    <p:grpSpPr>
+                      <a:xfrm>
+                        <a:off x="3109822" y="1249795"/>
+                        <a:ext cx="1249060" cy="1179611"/>
+                        <a:chOff x="701898" y="1249795"/>
+                        <a:chExt cx="1760662" cy="1959743"/>
+                      </a:xfrm>
+                    </p:grpSpPr>
+                    <p:sp>
+                      <p:nvSpPr>
+                        <p:cNvPr id="257" name="Elipse 256">
+                          <a:extLst>
+                            <a:ext uri="{FF2B5EF4-FFF2-40B4-BE49-F238E27FC236}">
+                              <a16:creationId xmlns:a16="http://schemas.microsoft.com/office/drawing/2014/main" id="{50722BE6-15A8-D9A0-B7E9-8D93ADCE4634}"/>
+                            </a:ext>
+                          </a:extLst>
+                        </p:cNvPr>
+                        <p:cNvSpPr/>
+                        <p:nvPr/>
+                      </p:nvSpPr>
+                      <p:spPr>
+                        <a:xfrm>
+                          <a:off x="2260555" y="1249795"/>
+                          <a:ext cx="154800" cy="157655"/>
+                        </a:xfrm>
+                        <a:prstGeom prst="ellipse">
+                          <a:avLst/>
+                        </a:prstGeom>
+                        <a:solidFill>
+                          <a:srgbClr val="FFC000"/>
+                        </a:solidFill>
+                        <a:ln>
+                          <a:solidFill>
+                            <a:srgbClr val="002060"/>
+                          </a:solidFill>
+                        </a:ln>
+                      </p:spPr>
+                      <p:style>
+                        <a:lnRef idx="2">
+                          <a:schemeClr val="accent1">
+                            <a:shade val="15000"/>
+                          </a:schemeClr>
+                        </a:lnRef>
+                        <a:fillRef idx="1">
+                          <a:schemeClr val="accent1"/>
+                        </a:fillRef>
+                        <a:effectRef idx="0">
+                          <a:schemeClr val="accent1"/>
+                        </a:effectRef>
+                        <a:fontRef idx="minor">
+                          <a:schemeClr val="lt1"/>
+                        </a:fontRef>
+                      </p:style>
+                      <p:txBody>
+                        <a:bodyPr rtlCol="0" anchor="ctr"/>
+                        <a:lstStyle/>
+                        <a:p>
+                          <a:pPr algn="ctr"/>
+                          <a:endParaRPr lang="es-ES"/>
+                        </a:p>
+                      </p:txBody>
+                    </p:sp>
+                    <p:sp>
+                      <p:nvSpPr>
+                        <p:cNvPr id="258" name="Elipse 257">
+                          <a:extLst>
+                            <a:ext uri="{FF2B5EF4-FFF2-40B4-BE49-F238E27FC236}">
+                              <a16:creationId xmlns:a16="http://schemas.microsoft.com/office/drawing/2014/main" id="{72702D2F-D8E7-2DF3-390B-3C08454D060E}"/>
+                            </a:ext>
+                          </a:extLst>
+                        </p:cNvPr>
+                        <p:cNvSpPr/>
+                        <p:nvPr/>
+                      </p:nvSpPr>
+                      <p:spPr>
+                        <a:xfrm>
+                          <a:off x="2307760" y="2364202"/>
+                          <a:ext cx="154800" cy="157655"/>
+                        </a:xfrm>
+                        <a:prstGeom prst="ellipse">
+                          <a:avLst/>
+                        </a:prstGeom>
+                        <a:solidFill>
+                          <a:srgbClr val="FFC000"/>
+                        </a:solidFill>
+                        <a:ln>
+                          <a:solidFill>
+                            <a:srgbClr val="002060"/>
+                          </a:solidFill>
+                        </a:ln>
+                      </p:spPr>
+                      <p:style>
+                        <a:lnRef idx="2">
+                          <a:schemeClr val="accent1">
+                            <a:shade val="15000"/>
+                          </a:schemeClr>
+                        </a:lnRef>
+                        <a:fillRef idx="1">
+                          <a:schemeClr val="accent1"/>
+                        </a:fillRef>
+                        <a:effectRef idx="0">
+                          <a:schemeClr val="accent1"/>
+                        </a:effectRef>
+                        <a:fontRef idx="minor">
+                          <a:schemeClr val="lt1"/>
+                        </a:fontRef>
+                      </p:style>
+                      <p:txBody>
+                        <a:bodyPr rtlCol="0" anchor="ctr"/>
+                        <a:lstStyle/>
+                        <a:p>
+                          <a:pPr algn="ctr"/>
+                          <a:endParaRPr lang="es-ES"/>
+                        </a:p>
+                      </p:txBody>
+                    </p:sp>
+                    <p:sp>
+                      <p:nvSpPr>
+                        <p:cNvPr id="259" name="Elipse 258">
+                          <a:extLst>
+                            <a:ext uri="{FF2B5EF4-FFF2-40B4-BE49-F238E27FC236}">
+                              <a16:creationId xmlns:a16="http://schemas.microsoft.com/office/drawing/2014/main" id="{F5450E52-846F-CD28-75E0-F24B545F5970}"/>
+                            </a:ext>
+                          </a:extLst>
+                        </p:cNvPr>
+                        <p:cNvSpPr/>
+                        <p:nvPr/>
+                      </p:nvSpPr>
+                      <p:spPr>
+                        <a:xfrm>
+                          <a:off x="701898" y="2379854"/>
+                          <a:ext cx="154800" cy="157655"/>
+                        </a:xfrm>
+                        <a:prstGeom prst="ellipse">
+                          <a:avLst/>
+                        </a:prstGeom>
+                        <a:solidFill>
+                          <a:srgbClr val="FFC000"/>
+                        </a:solidFill>
+                        <a:ln>
+                          <a:solidFill>
+                            <a:srgbClr val="002060"/>
+                          </a:solidFill>
+                        </a:ln>
+                      </p:spPr>
+                      <p:style>
+                        <a:lnRef idx="2">
+                          <a:schemeClr val="accent1">
+                            <a:shade val="15000"/>
+                          </a:schemeClr>
+                        </a:lnRef>
+                        <a:fillRef idx="1">
+                          <a:schemeClr val="accent1"/>
+                        </a:fillRef>
+                        <a:effectRef idx="0">
+                          <a:schemeClr val="accent1"/>
+                        </a:effectRef>
+                        <a:fontRef idx="minor">
+                          <a:schemeClr val="lt1"/>
+                        </a:fontRef>
+                      </p:style>
+                      <p:txBody>
+                        <a:bodyPr rtlCol="0" anchor="ctr"/>
+                        <a:lstStyle/>
+                        <a:p>
+                          <a:pPr algn="ctr"/>
+                          <a:endParaRPr lang="es-ES"/>
+                        </a:p>
+                      </p:txBody>
+                    </p:sp>
+                    <p:sp>
+                      <p:nvSpPr>
+                        <p:cNvPr id="260" name="Elipse 259">
+                          <a:extLst>
+                            <a:ext uri="{FF2B5EF4-FFF2-40B4-BE49-F238E27FC236}">
+                              <a16:creationId xmlns:a16="http://schemas.microsoft.com/office/drawing/2014/main" id="{BE0D2257-7D35-8FAF-D33B-764581A52FB2}"/>
+                            </a:ext>
+                          </a:extLst>
+                        </p:cNvPr>
+                        <p:cNvSpPr/>
+                        <p:nvPr/>
+                      </p:nvSpPr>
+                      <p:spPr>
+                        <a:xfrm>
+                          <a:off x="1333348" y="2608030"/>
+                          <a:ext cx="154800" cy="157655"/>
+                        </a:xfrm>
+                        <a:prstGeom prst="ellipse">
+                          <a:avLst/>
+                        </a:prstGeom>
+                        <a:solidFill>
+                          <a:srgbClr val="FFC000"/>
+                        </a:solidFill>
+                        <a:ln>
+                          <a:solidFill>
+                            <a:srgbClr val="002060"/>
+                          </a:solidFill>
+                        </a:ln>
+                      </p:spPr>
+                      <p:style>
+                        <a:lnRef idx="2">
+                          <a:schemeClr val="accent1">
+                            <a:shade val="15000"/>
+                          </a:schemeClr>
+                        </a:lnRef>
+                        <a:fillRef idx="1">
+                          <a:schemeClr val="accent1"/>
+                        </a:fillRef>
+                        <a:effectRef idx="0">
+                          <a:schemeClr val="accent1"/>
+                        </a:effectRef>
+                        <a:fontRef idx="minor">
+                          <a:schemeClr val="lt1"/>
+                        </a:fontRef>
+                      </p:style>
+                      <p:txBody>
+                        <a:bodyPr rtlCol="0" anchor="ctr"/>
+                        <a:lstStyle/>
+                        <a:p>
+                          <a:pPr algn="ctr"/>
+                          <a:endParaRPr lang="es-ES"/>
+                        </a:p>
+                      </p:txBody>
+                    </p:sp>
+                    <p:sp>
+                      <p:nvSpPr>
+                        <p:cNvPr id="261" name="Elipse 260">
+                          <a:extLst>
+                            <a:ext uri="{FF2B5EF4-FFF2-40B4-BE49-F238E27FC236}">
+                              <a16:creationId xmlns:a16="http://schemas.microsoft.com/office/drawing/2014/main" id="{5DF20D67-85D3-D661-7A64-BF87B5A836EE}"/>
+                            </a:ext>
+                          </a:extLst>
+                        </p:cNvPr>
+                        <p:cNvSpPr/>
+                        <p:nvPr/>
+                      </p:nvSpPr>
+                      <p:spPr>
+                        <a:xfrm>
+                          <a:off x="2307760" y="2718926"/>
+                          <a:ext cx="154800" cy="157655"/>
+                        </a:xfrm>
+                        <a:prstGeom prst="ellipse">
+                          <a:avLst/>
+                        </a:prstGeom>
+                        <a:solidFill>
+                          <a:srgbClr val="FFC000"/>
+                        </a:solidFill>
+                        <a:ln>
+                          <a:solidFill>
+                            <a:srgbClr val="002060"/>
+                          </a:solidFill>
+                        </a:ln>
+                      </p:spPr>
+                      <p:style>
+                        <a:lnRef idx="2">
+                          <a:schemeClr val="accent1">
+                            <a:shade val="15000"/>
+                          </a:schemeClr>
+                        </a:lnRef>
+                        <a:fillRef idx="1">
+                          <a:schemeClr val="accent1"/>
+                        </a:fillRef>
+                        <a:effectRef idx="0">
+                          <a:schemeClr val="accent1"/>
+                        </a:effectRef>
+                        <a:fontRef idx="minor">
+                          <a:schemeClr val="lt1"/>
+                        </a:fontRef>
+                      </p:style>
+                      <p:txBody>
+                        <a:bodyPr rtlCol="0" anchor="ctr"/>
+                        <a:lstStyle/>
+                        <a:p>
+                          <a:pPr algn="ctr"/>
+                          <a:endParaRPr lang="es-ES"/>
+                        </a:p>
+                      </p:txBody>
+                    </p:sp>
+                    <p:sp>
+                      <p:nvSpPr>
+                        <p:cNvPr id="262" name="Elipse 261">
+                          <a:extLst>
+                            <a:ext uri="{FF2B5EF4-FFF2-40B4-BE49-F238E27FC236}">
+                              <a16:creationId xmlns:a16="http://schemas.microsoft.com/office/drawing/2014/main" id="{72F126AC-F8C7-8238-E0FD-1514675B0187}"/>
+                            </a:ext>
+                          </a:extLst>
+                        </p:cNvPr>
+                        <p:cNvSpPr/>
+                        <p:nvPr/>
+                      </p:nvSpPr>
+                      <p:spPr>
+                        <a:xfrm>
+                          <a:off x="1039099" y="2056660"/>
+                          <a:ext cx="154800" cy="157655"/>
+                        </a:xfrm>
+                        <a:prstGeom prst="ellipse">
+                          <a:avLst/>
+                        </a:prstGeom>
+                        <a:solidFill>
+                          <a:srgbClr val="FFC000"/>
+                        </a:solidFill>
+                        <a:ln>
+                          <a:solidFill>
+                            <a:srgbClr val="002060"/>
+                          </a:solidFill>
+                        </a:ln>
+                      </p:spPr>
+                      <p:style>
+                        <a:lnRef idx="2">
+                          <a:schemeClr val="accent1">
+                            <a:shade val="15000"/>
+                          </a:schemeClr>
+                        </a:lnRef>
+                        <a:fillRef idx="1">
+                          <a:schemeClr val="accent1"/>
+                        </a:fillRef>
+                        <a:effectRef idx="0">
+                          <a:schemeClr val="accent1"/>
+                        </a:effectRef>
+                        <a:fontRef idx="minor">
+                          <a:schemeClr val="lt1"/>
+                        </a:fontRef>
+                      </p:style>
+                      <p:txBody>
+                        <a:bodyPr rtlCol="0" anchor="ctr"/>
+                        <a:lstStyle/>
+                        <a:p>
+                          <a:pPr algn="ctr"/>
+                          <a:endParaRPr lang="es-ES"/>
+                        </a:p>
+                      </p:txBody>
+                    </p:sp>
+                    <p:sp>
+                      <p:nvSpPr>
+                        <p:cNvPr id="263" name="Elipse 262">
+                          <a:extLst>
+                            <a:ext uri="{FF2B5EF4-FFF2-40B4-BE49-F238E27FC236}">
+                              <a16:creationId xmlns:a16="http://schemas.microsoft.com/office/drawing/2014/main" id="{EE901D10-0E4C-AA63-1C79-57D323EB3BC7}"/>
+                            </a:ext>
+                          </a:extLst>
+                        </p:cNvPr>
+                        <p:cNvSpPr/>
+                        <p:nvPr/>
+                      </p:nvSpPr>
+                      <p:spPr>
+                        <a:xfrm>
+                          <a:off x="2200542" y="3051883"/>
+                          <a:ext cx="154800" cy="157655"/>
+                        </a:xfrm>
+                        <a:prstGeom prst="ellipse">
+                          <a:avLst/>
+                        </a:prstGeom>
+                        <a:solidFill>
+                          <a:srgbClr val="FFC000"/>
+                        </a:solidFill>
+                        <a:ln>
+                          <a:solidFill>
+                            <a:srgbClr val="002060"/>
+                          </a:solidFill>
+                        </a:ln>
+                      </p:spPr>
+                      <p:style>
+                        <a:lnRef idx="2">
+                          <a:schemeClr val="accent1">
+                            <a:shade val="15000"/>
+                          </a:schemeClr>
+                        </a:lnRef>
+                        <a:fillRef idx="1">
+                          <a:schemeClr val="accent1"/>
+                        </a:fillRef>
+                        <a:effectRef idx="0">
+                          <a:schemeClr val="accent1"/>
+                        </a:effectRef>
+                        <a:fontRef idx="minor">
+                          <a:schemeClr val="lt1"/>
+                        </a:fontRef>
+                      </p:style>
+                      <p:txBody>
+                        <a:bodyPr rtlCol="0" anchor="ctr"/>
+                        <a:lstStyle/>
+                        <a:p>
+                          <a:pPr algn="ctr"/>
+                          <a:endParaRPr lang="es-ES"/>
+                        </a:p>
+                      </p:txBody>
+                    </p:sp>
+                    <p:sp>
+                      <p:nvSpPr>
+                        <p:cNvPr id="264" name="Elipse 263">
+                          <a:extLst>
+                            <a:ext uri="{FF2B5EF4-FFF2-40B4-BE49-F238E27FC236}">
+                              <a16:creationId xmlns:a16="http://schemas.microsoft.com/office/drawing/2014/main" id="{FD7C4408-10A2-E441-806C-B504ABCE89FA}"/>
+                            </a:ext>
+                          </a:extLst>
+                        </p:cNvPr>
+                        <p:cNvSpPr/>
+                        <p:nvPr/>
+                      </p:nvSpPr>
+                      <p:spPr>
+                        <a:xfrm>
+                          <a:off x="974135" y="2912673"/>
+                          <a:ext cx="154800" cy="157655"/>
+                        </a:xfrm>
+                        <a:prstGeom prst="ellipse">
+                          <a:avLst/>
+                        </a:prstGeom>
+                        <a:solidFill>
+                          <a:srgbClr val="FFC000"/>
+                        </a:solidFill>
+                        <a:ln>
+                          <a:solidFill>
+                            <a:srgbClr val="002060"/>
+                          </a:solidFill>
+                        </a:ln>
+                      </p:spPr>
+                      <p:style>
+                        <a:lnRef idx="2">
+                          <a:schemeClr val="accent1">
+                            <a:shade val="15000"/>
+                          </a:schemeClr>
+                        </a:lnRef>
+                        <a:fillRef idx="1">
+                          <a:schemeClr val="accent1"/>
+                        </a:fillRef>
+                        <a:effectRef idx="0">
+                          <a:schemeClr val="accent1"/>
+                        </a:effectRef>
+                        <a:fontRef idx="minor">
+                          <a:schemeClr val="lt1"/>
+                        </a:fontRef>
+                      </p:style>
+                      <p:txBody>
+                        <a:bodyPr rtlCol="0" anchor="ctr"/>
+                        <a:lstStyle/>
+                        <a:p>
+                          <a:pPr algn="ctr"/>
+                          <a:endParaRPr lang="es-ES"/>
+                        </a:p>
+                      </p:txBody>
+                    </p:sp>
+                  </p:grpSp>
+                  <p:sp>
+                    <p:nvSpPr>
+                      <p:cNvPr id="249" name="Elipse 248">
+                        <a:extLst>
+                          <a:ext uri="{FF2B5EF4-FFF2-40B4-BE49-F238E27FC236}">
+                            <a16:creationId xmlns:a16="http://schemas.microsoft.com/office/drawing/2014/main" id="{500632A6-7083-0BEB-2D46-4CB2914943F8}"/>
+                          </a:ext>
+                        </a:extLst>
+                      </p:cNvPr>
+                      <p:cNvSpPr/>
+                      <p:nvPr/>
+                    </p:nvSpPr>
+                    <p:spPr>
+                      <a:xfrm>
+                        <a:off x="3283180" y="1670768"/>
+                        <a:ext cx="241540" cy="224287"/>
+                      </a:xfrm>
+                      <a:prstGeom prst="ellipse">
+                        <a:avLst/>
+                      </a:prstGeom>
+                      <a:noFill/>
+                    </p:spPr>
+                    <p:style>
+                      <a:lnRef idx="2">
+                        <a:schemeClr val="accent6"/>
+                      </a:lnRef>
+                      <a:fillRef idx="1">
+                        <a:schemeClr val="lt1"/>
+                      </a:fillRef>
+                      <a:effectRef idx="0">
+                        <a:schemeClr val="accent6"/>
+                      </a:effectRef>
+                      <a:fontRef idx="minor">
+                        <a:schemeClr val="dk1"/>
+                      </a:fontRef>
+                    </p:style>
+                    <p:txBody>
+                      <a:bodyPr rtlCol="0" anchor="ctr"/>
+                      <a:lstStyle/>
+                      <a:p>
+                        <a:pPr algn="ctr"/>
+                        <a:endParaRPr lang="es-ES"/>
+                      </a:p>
+                    </p:txBody>
+                  </p:sp>
+                  <p:sp>
+                    <p:nvSpPr>
+                      <p:cNvPr id="250" name="Elipse 249">
+                        <a:extLst>
+                          <a:ext uri="{FF2B5EF4-FFF2-40B4-BE49-F238E27FC236}">
+                            <a16:creationId xmlns:a16="http://schemas.microsoft.com/office/drawing/2014/main" id="{85B81A13-7598-DC4B-CB55-778D8466105C}"/>
+                          </a:ext>
+                        </a:extLst>
+                      </p:cNvPr>
+                      <p:cNvSpPr/>
+                      <p:nvPr/>
+                    </p:nvSpPr>
+                    <p:spPr>
+                      <a:xfrm>
+                        <a:off x="4149713" y="1205541"/>
+                        <a:ext cx="241540" cy="224287"/>
+                      </a:xfrm>
+                      <a:prstGeom prst="ellipse">
+                        <a:avLst/>
+                      </a:prstGeom>
+                      <a:noFill/>
+                    </p:spPr>
+                    <p:style>
+                      <a:lnRef idx="2">
+                        <a:schemeClr val="accent6"/>
+                      </a:lnRef>
+                      <a:fillRef idx="1">
+                        <a:schemeClr val="lt1"/>
+                      </a:fillRef>
+                      <a:effectRef idx="0">
+                        <a:schemeClr val="accent6"/>
+                      </a:effectRef>
+                      <a:fontRef idx="minor">
+                        <a:schemeClr val="dk1"/>
+                      </a:fontRef>
+                    </p:style>
+                    <p:txBody>
+                      <a:bodyPr rtlCol="0" anchor="ctr"/>
+                      <a:lstStyle/>
+                      <a:p>
+                        <a:pPr algn="ctr"/>
+                        <a:endParaRPr lang="es-ES"/>
+                      </a:p>
+                    </p:txBody>
+                  </p:sp>
+                  <p:sp>
+                    <p:nvSpPr>
+                      <p:cNvPr id="251" name="Elipse 250">
+                        <a:extLst>
+                          <a:ext uri="{FF2B5EF4-FFF2-40B4-BE49-F238E27FC236}">
+                            <a16:creationId xmlns:a16="http://schemas.microsoft.com/office/drawing/2014/main" id="{D53212C3-187D-DB0D-D4BF-AF1DB86FDB37}"/>
+                          </a:ext>
+                        </a:extLst>
+                      </p:cNvPr>
+                      <p:cNvSpPr/>
+                      <p:nvPr/>
+                    </p:nvSpPr>
+                    <p:spPr>
+                      <a:xfrm>
+                        <a:off x="3496124" y="2008172"/>
+                        <a:ext cx="241540" cy="224287"/>
+                      </a:xfrm>
+                      <a:prstGeom prst="ellipse">
+                        <a:avLst/>
+                      </a:prstGeom>
+                      <a:noFill/>
+                    </p:spPr>
+                    <p:style>
+                      <a:lnRef idx="2">
+                        <a:schemeClr val="accent6"/>
+                      </a:lnRef>
+                      <a:fillRef idx="1">
+                        <a:schemeClr val="lt1"/>
+                      </a:fillRef>
+                      <a:effectRef idx="0">
+                        <a:schemeClr val="accent6"/>
+                      </a:effectRef>
+                      <a:fontRef idx="minor">
+                        <a:schemeClr val="dk1"/>
+                      </a:fontRef>
+                    </p:style>
+                    <p:txBody>
+                      <a:bodyPr rtlCol="0" anchor="ctr"/>
+                      <a:lstStyle/>
+                      <a:p>
+                        <a:pPr algn="ctr"/>
+                        <a:endParaRPr lang="es-ES"/>
+                      </a:p>
+                    </p:txBody>
+                  </p:sp>
+                  <p:sp>
+                    <p:nvSpPr>
+                      <p:cNvPr id="252" name="Elipse 251">
+                        <a:extLst>
+                          <a:ext uri="{FF2B5EF4-FFF2-40B4-BE49-F238E27FC236}">
+                            <a16:creationId xmlns:a16="http://schemas.microsoft.com/office/drawing/2014/main" id="{626F461F-762D-378A-EB28-A995A3ECDF8E}"/>
+                          </a:ext>
+                        </a:extLst>
+                      </p:cNvPr>
+                      <p:cNvSpPr/>
+                      <p:nvPr/>
+                    </p:nvSpPr>
+                    <p:spPr>
+                      <a:xfrm>
+                        <a:off x="4185628" y="2069400"/>
+                        <a:ext cx="241540" cy="224287"/>
+                      </a:xfrm>
+                      <a:prstGeom prst="ellipse">
+                        <a:avLst/>
+                      </a:prstGeom>
+                      <a:noFill/>
+                    </p:spPr>
+                    <p:style>
+                      <a:lnRef idx="2">
+                        <a:schemeClr val="accent6"/>
+                      </a:lnRef>
+                      <a:fillRef idx="1">
+                        <a:schemeClr val="lt1"/>
+                      </a:fillRef>
+                      <a:effectRef idx="0">
+                        <a:schemeClr val="accent6"/>
+                      </a:effectRef>
+                      <a:fontRef idx="minor">
+                        <a:schemeClr val="dk1"/>
+                      </a:fontRef>
+                    </p:style>
+                    <p:txBody>
+                      <a:bodyPr rtlCol="0" anchor="ctr"/>
+                      <a:lstStyle/>
+                      <a:p>
+                        <a:pPr algn="ctr"/>
+                        <a:endParaRPr lang="es-ES"/>
+                      </a:p>
+                    </p:txBody>
+                  </p:sp>
+                  <p:sp>
+                    <p:nvSpPr>
+                      <p:cNvPr id="253" name="Elipse 252">
+                        <a:extLst>
+                          <a:ext uri="{FF2B5EF4-FFF2-40B4-BE49-F238E27FC236}">
+                            <a16:creationId xmlns:a16="http://schemas.microsoft.com/office/drawing/2014/main" id="{EFF76B63-8AD2-F958-EDEA-0585ED5374A9}"/>
+                          </a:ext>
+                        </a:extLst>
+                      </p:cNvPr>
+                      <p:cNvSpPr/>
+                      <p:nvPr/>
+                    </p:nvSpPr>
+                    <p:spPr>
+                      <a:xfrm>
+                        <a:off x="4183202" y="1857050"/>
+                        <a:ext cx="241540" cy="224287"/>
+                      </a:xfrm>
+                      <a:prstGeom prst="ellipse">
+                        <a:avLst/>
+                      </a:prstGeom>
+                      <a:noFill/>
+                    </p:spPr>
+                    <p:style>
+                      <a:lnRef idx="2">
+                        <a:schemeClr val="accent6"/>
+                      </a:lnRef>
+                      <a:fillRef idx="1">
+                        <a:schemeClr val="lt1"/>
+                      </a:fillRef>
+                      <a:effectRef idx="0">
+                        <a:schemeClr val="accent6"/>
+                      </a:effectRef>
+                      <a:fontRef idx="minor">
+                        <a:schemeClr val="dk1"/>
+                      </a:fontRef>
+                    </p:style>
+                    <p:txBody>
+                      <a:bodyPr rtlCol="0" anchor="ctr"/>
+                      <a:lstStyle/>
+                      <a:p>
+                        <a:pPr algn="ctr"/>
+                        <a:endParaRPr lang="es-ES"/>
+                      </a:p>
+                    </p:txBody>
+                  </p:sp>
+                  <p:sp>
+                    <p:nvSpPr>
+                      <p:cNvPr id="254" name="Elipse 253">
+                        <a:extLst>
+                          <a:ext uri="{FF2B5EF4-FFF2-40B4-BE49-F238E27FC236}">
+                            <a16:creationId xmlns:a16="http://schemas.microsoft.com/office/drawing/2014/main" id="{9D1BE8D7-D15B-8B0D-29DA-7822AEAB6579}"/>
+                          </a:ext>
+                        </a:extLst>
+                      </p:cNvPr>
+                      <p:cNvSpPr/>
+                      <p:nvPr/>
+                    </p:nvSpPr>
+                    <p:spPr>
+                      <a:xfrm>
+                        <a:off x="3049353" y="1874391"/>
+                        <a:ext cx="241540" cy="224287"/>
+                      </a:xfrm>
+                      <a:prstGeom prst="ellipse">
+                        <a:avLst/>
+                      </a:prstGeom>
+                      <a:noFill/>
+                    </p:spPr>
+                    <p:style>
+                      <a:lnRef idx="2">
+                        <a:schemeClr val="accent6"/>
+                      </a:lnRef>
+                      <a:fillRef idx="1">
+                        <a:schemeClr val="lt1"/>
+                      </a:fillRef>
+                      <a:effectRef idx="0">
+                        <a:schemeClr val="accent6"/>
+                      </a:effectRef>
+                      <a:fontRef idx="minor">
+                        <a:schemeClr val="dk1"/>
+                      </a:fontRef>
+                    </p:style>
+                    <p:txBody>
+                      <a:bodyPr rtlCol="0" anchor="ctr"/>
+                      <a:lstStyle/>
+                      <a:p>
+                        <a:pPr algn="ctr"/>
+                        <a:endParaRPr lang="es-ES"/>
+                      </a:p>
+                    </p:txBody>
+                  </p:sp>
+                  <p:sp>
+                    <p:nvSpPr>
+                      <p:cNvPr id="255" name="Elipse 254">
+                        <a:extLst>
+                          <a:ext uri="{FF2B5EF4-FFF2-40B4-BE49-F238E27FC236}">
+                            <a16:creationId xmlns:a16="http://schemas.microsoft.com/office/drawing/2014/main" id="{4DB4C11C-440C-47E4-6A92-96908766F33B}"/>
+                          </a:ext>
+                        </a:extLst>
+                      </p:cNvPr>
+                      <p:cNvSpPr/>
+                      <p:nvPr/>
+                    </p:nvSpPr>
+                    <p:spPr>
+                      <a:xfrm>
+                        <a:off x="4107139" y="2281750"/>
+                        <a:ext cx="241540" cy="224287"/>
+                      </a:xfrm>
+                      <a:prstGeom prst="ellipse">
+                        <a:avLst/>
+                      </a:prstGeom>
+                      <a:noFill/>
+                    </p:spPr>
+                    <p:style>
+                      <a:lnRef idx="2">
+                        <a:schemeClr val="accent6"/>
+                      </a:lnRef>
+                      <a:fillRef idx="1">
+                        <a:schemeClr val="lt1"/>
+                      </a:fillRef>
+                      <a:effectRef idx="0">
+                        <a:schemeClr val="accent6"/>
+                      </a:effectRef>
+                      <a:fontRef idx="minor">
+                        <a:schemeClr val="dk1"/>
+                      </a:fontRef>
+                    </p:style>
+                    <p:txBody>
+                      <a:bodyPr rtlCol="0" anchor="ctr"/>
+                      <a:lstStyle/>
+                      <a:p>
+                        <a:pPr algn="ctr"/>
+                        <a:endParaRPr lang="es-ES"/>
+                      </a:p>
+                    </p:txBody>
+                  </p:sp>
+                  <p:sp>
+                    <p:nvSpPr>
+                      <p:cNvPr id="256" name="Elipse 255">
+                        <a:extLst>
+                          <a:ext uri="{FF2B5EF4-FFF2-40B4-BE49-F238E27FC236}">
+                            <a16:creationId xmlns:a16="http://schemas.microsoft.com/office/drawing/2014/main" id="{CFAC916A-DFB6-CE92-8DEE-0E04E0FD6327}"/>
+                          </a:ext>
+                        </a:extLst>
+                      </p:cNvPr>
+                      <p:cNvSpPr/>
+                      <p:nvPr/>
+                    </p:nvSpPr>
+                    <p:spPr>
+                      <a:xfrm>
+                        <a:off x="3247296" y="2189231"/>
+                        <a:ext cx="241540" cy="224287"/>
+                      </a:xfrm>
+                      <a:prstGeom prst="ellipse">
+                        <a:avLst/>
+                      </a:prstGeom>
+                      <a:noFill/>
+                    </p:spPr>
+                    <p:style>
+                      <a:lnRef idx="2">
+                        <a:schemeClr val="accent6"/>
+                      </a:lnRef>
+                      <a:fillRef idx="1">
+                        <a:schemeClr val="lt1"/>
+                      </a:fillRef>
+                      <a:effectRef idx="0">
+                        <a:schemeClr val="accent6"/>
+                      </a:effectRef>
+                      <a:fontRef idx="minor">
+                        <a:schemeClr val="dk1"/>
+                      </a:fontRef>
+                    </p:style>
+                    <p:txBody>
+                      <a:bodyPr rtlCol="0" anchor="ctr"/>
+                      <a:lstStyle/>
+                      <a:p>
+                        <a:pPr algn="ctr"/>
+                        <a:endParaRPr lang="es-ES"/>
+                      </a:p>
+                    </p:txBody>
+                  </p:sp>
+                </p:grpSp>
+                <p:sp>
+                  <p:nvSpPr>
+                    <p:cNvPr id="245" name="Elipse 244">
+                      <a:extLst>
+                        <a:ext uri="{FF2B5EF4-FFF2-40B4-BE49-F238E27FC236}">
+                          <a16:creationId xmlns:a16="http://schemas.microsoft.com/office/drawing/2014/main" id="{64C89F39-5C3E-04DB-3470-528EB44786C1}"/>
+                        </a:ext>
+                      </a:extLst>
+                    </p:cNvPr>
+                    <p:cNvSpPr/>
+                    <p:nvPr/>
+                  </p:nvSpPr>
+                  <p:spPr>
+                    <a:xfrm rot="19321757">
+                      <a:off x="5467481" y="1983574"/>
+                      <a:ext cx="1018471" cy="370936"/>
+                    </a:xfrm>
+                    <a:prstGeom prst="ellipse">
+                      <a:avLst/>
+                    </a:prstGeom>
+                    <a:noFill/>
+                    <a:ln>
+                      <a:solidFill>
+                        <a:srgbClr val="FF0000"/>
+                      </a:solidFill>
+                    </a:ln>
+                  </p:spPr>
+                  <p:style>
+                    <a:lnRef idx="2">
+                      <a:schemeClr val="accent1">
+                        <a:shade val="15000"/>
+                      </a:schemeClr>
+                    </a:lnRef>
+                    <a:fillRef idx="1">
+                      <a:schemeClr val="accent1"/>
+                    </a:fillRef>
+                    <a:effectRef idx="0">
+                      <a:schemeClr val="accent1"/>
+                    </a:effectRef>
+                    <a:fontRef idx="minor">
+                      <a:schemeClr val="lt1"/>
+                    </a:fontRef>
+                  </p:style>
+                  <p:txBody>
+                    <a:bodyPr rtlCol="0" anchor="ctr"/>
+                    <a:lstStyle/>
+                    <a:p>
+                      <a:pPr algn="ctr"/>
+                      <a:endParaRPr lang="es-ES"/>
+                    </a:p>
+                  </p:txBody>
+                </p:sp>
+                <p:sp>
+                  <p:nvSpPr>
+                    <p:cNvPr id="246" name="Elipse 245">
+                      <a:extLst>
+                        <a:ext uri="{FF2B5EF4-FFF2-40B4-BE49-F238E27FC236}">
+                          <a16:creationId xmlns:a16="http://schemas.microsoft.com/office/drawing/2014/main" id="{6BE83C1E-444B-58F3-0252-CB2403D22795}"/>
+                        </a:ext>
+                      </a:extLst>
+                    </p:cNvPr>
+                    <p:cNvSpPr/>
+                    <p:nvPr/>
+                  </p:nvSpPr>
+                  <p:spPr>
+                    <a:xfrm rot="17448148">
+                      <a:off x="6216480" y="1944198"/>
+                      <a:ext cx="1056684" cy="380207"/>
+                    </a:xfrm>
+                    <a:prstGeom prst="ellipse">
+                      <a:avLst/>
+                    </a:prstGeom>
+                    <a:noFill/>
+                    <a:ln>
+                      <a:solidFill>
+                        <a:srgbClr val="FF0000"/>
+                      </a:solidFill>
+                    </a:ln>
+                  </p:spPr>
+                  <p:style>
+                    <a:lnRef idx="2">
+                      <a:schemeClr val="accent1">
+                        <a:shade val="15000"/>
+                      </a:schemeClr>
+                    </a:lnRef>
+                    <a:fillRef idx="1">
+                      <a:schemeClr val="accent1"/>
+                    </a:fillRef>
+                    <a:effectRef idx="0">
+                      <a:schemeClr val="accent1"/>
+                    </a:effectRef>
+                    <a:fontRef idx="minor">
+                      <a:schemeClr val="lt1"/>
+                    </a:fontRef>
+                  </p:style>
+                  <p:txBody>
+                    <a:bodyPr rtlCol="0" anchor="ctr"/>
+                    <a:lstStyle/>
+                    <a:p>
+                      <a:pPr algn="ctr"/>
+                      <a:endParaRPr lang="es-ES" dirty="0"/>
+                    </a:p>
+                  </p:txBody>
+                </p:sp>
+                <p:sp>
+                  <p:nvSpPr>
+                    <p:cNvPr id="247" name="Elipse 246">
+                      <a:extLst>
+                        <a:ext uri="{FF2B5EF4-FFF2-40B4-BE49-F238E27FC236}">
+                          <a16:creationId xmlns:a16="http://schemas.microsoft.com/office/drawing/2014/main" id="{DC323E8B-3787-A805-DAF7-8962D6ED567D}"/>
+                        </a:ext>
+                      </a:extLst>
+                    </p:cNvPr>
+                    <p:cNvSpPr/>
+                    <p:nvPr/>
+                  </p:nvSpPr>
+                  <p:spPr>
+                    <a:xfrm rot="19321757">
+                      <a:off x="5247354" y="1596122"/>
+                      <a:ext cx="1018471" cy="408812"/>
+                    </a:xfrm>
+                    <a:prstGeom prst="ellipse">
+                      <a:avLst/>
+                    </a:prstGeom>
+                    <a:noFill/>
+                    <a:ln>
+                      <a:solidFill>
+                        <a:srgbClr val="FF0000"/>
+                      </a:solidFill>
+                    </a:ln>
+                  </p:spPr>
+                  <p:style>
+                    <a:lnRef idx="2">
+                      <a:schemeClr val="accent1">
+                        <a:shade val="15000"/>
+                      </a:schemeClr>
+                    </a:lnRef>
+                    <a:fillRef idx="1">
+                      <a:schemeClr val="accent1"/>
+                    </a:fillRef>
+                    <a:effectRef idx="0">
+                      <a:schemeClr val="accent1"/>
+                    </a:effectRef>
+                    <a:fontRef idx="minor">
+                      <a:schemeClr val="lt1"/>
+                    </a:fontRef>
+                  </p:style>
+                  <p:txBody>
+                    <a:bodyPr rtlCol="0" anchor="ctr"/>
+                    <a:lstStyle/>
+                    <a:p>
+                      <a:pPr algn="ctr"/>
+                      <a:endParaRPr lang="es-ES"/>
+                    </a:p>
+                  </p:txBody>
+                </p:sp>
+              </p:grpSp>
+              <p:sp>
+                <p:nvSpPr>
+                  <p:cNvPr id="243" name="Elipse 242">
+                    <a:extLst>
+                      <a:ext uri="{FF2B5EF4-FFF2-40B4-BE49-F238E27FC236}">
+                        <a16:creationId xmlns:a16="http://schemas.microsoft.com/office/drawing/2014/main" id="{A2739FD5-EA61-41DC-3914-94C11A7148DC}"/>
+                      </a:ext>
+                    </a:extLst>
+                  </p:cNvPr>
+                  <p:cNvSpPr/>
+                  <p:nvPr/>
+                </p:nvSpPr>
+                <p:spPr>
+                  <a:xfrm>
+                    <a:off x="8807002" y="1009291"/>
+                    <a:ext cx="725602" cy="1686425"/>
+                  </a:xfrm>
+                  <a:prstGeom prst="ellipse">
+                    <a:avLst/>
+                  </a:prstGeom>
+                  <a:noFill/>
+                </p:spPr>
+                <p:style>
+                  <a:lnRef idx="2">
+                    <a:schemeClr val="accent1"/>
+                  </a:lnRef>
+                  <a:fillRef idx="1">
+                    <a:schemeClr val="lt1"/>
+                  </a:fillRef>
+                  <a:effectRef idx="0">
+                    <a:schemeClr val="accent1"/>
+                  </a:effectRef>
+                  <a:fontRef idx="minor">
+                    <a:schemeClr val="dk1"/>
+                  </a:fontRef>
+                </p:style>
+                <p:txBody>
+                  <a:bodyPr rtlCol="0" anchor="ctr"/>
+                  <a:lstStyle/>
+                  <a:p>
+                    <a:pPr algn="ctr"/>
+                    <a:endParaRPr lang="es-ES"/>
+                  </a:p>
+                </p:txBody>
+              </p:sp>
+            </p:grpSp>
+            <p:sp>
+              <p:nvSpPr>
+                <p:cNvPr id="265" name="Elipse 264">
+                  <a:extLst>
+                    <a:ext uri="{FF2B5EF4-FFF2-40B4-BE49-F238E27FC236}">
+                      <a16:creationId xmlns:a16="http://schemas.microsoft.com/office/drawing/2014/main" id="{F615E878-BE01-F769-65B1-297652E9ABE2}"/>
+                    </a:ext>
+                  </a:extLst>
+                </p:cNvPr>
+                <p:cNvSpPr/>
+                <p:nvPr/>
+              </p:nvSpPr>
+              <p:spPr>
+                <a:xfrm>
+                  <a:off x="9938305" y="766270"/>
+                  <a:ext cx="2035159" cy="2123579"/>
+                </a:xfrm>
+                <a:prstGeom prst="ellipse">
+                  <a:avLst/>
+                </a:prstGeom>
+                <a:noFill/>
+                <a:ln>
+                  <a:solidFill>
+                    <a:schemeClr val="accent5">
+                      <a:lumMod val="60000"/>
+                      <a:lumOff val="40000"/>
+                    </a:schemeClr>
+                  </a:solidFill>
+                </a:ln>
+              </p:spPr>
+              <p:style>
+                <a:lnRef idx="2">
+                  <a:schemeClr val="accent1">
+                    <a:shade val="15000"/>
+                  </a:schemeClr>
+                </a:lnRef>
+                <a:fillRef idx="1">
+                  <a:schemeClr val="accent1"/>
+                </a:fillRef>
+                <a:effectRef idx="0">
+                  <a:schemeClr val="accent1"/>
+                </a:effectRef>
+                <a:fontRef idx="minor">
+                  <a:schemeClr val="lt1"/>
+                </a:fontRef>
+              </p:style>
+              <p:txBody>
+                <a:bodyPr rtlCol="0" anchor="ctr"/>
+                <a:lstStyle/>
+                <a:p>
+                  <a:pPr algn="ctr"/>
+                  <a:endParaRPr lang="es-ES"/>
+                </a:p>
+              </p:txBody>
+            </p:sp>
+          </p:grpSp>
+          <p:sp>
+            <p:nvSpPr>
+              <p:cNvPr id="267" name="CuadroTexto 266">
+                <a:extLst>
+                  <a:ext uri="{FF2B5EF4-FFF2-40B4-BE49-F238E27FC236}">
+                    <a16:creationId xmlns:a16="http://schemas.microsoft.com/office/drawing/2014/main" id="{10B24867-53E2-77D1-940D-BFC3A497EDB6}"/>
+                  </a:ext>
+                </a:extLst>
+              </p:cNvPr>
+              <p:cNvSpPr txBox="1"/>
+              <p:nvPr/>
+            </p:nvSpPr>
+            <p:spPr>
+              <a:xfrm>
+                <a:off x="431321" y="378637"/>
+                <a:ext cx="3606526" cy="369332"/>
+              </a:xfrm>
+              <a:prstGeom prst="rect">
+                <a:avLst/>
+              </a:prstGeom>
+              <a:noFill/>
+            </p:spPr>
+            <p:txBody>
+              <a:bodyPr wrap="square" rtlCol="0">
+                <a:spAutoFit/>
+              </a:bodyPr>
+              <a:lstStyle/>
+              <a:p>
+                <a:r>
+                  <a:rPr lang="es-ES" b="1" u="sng" dirty="0">
+                    <a:latin typeface="Geist Mono Bold" pitchFamily="2" charset="77"/>
+                    <a:ea typeface="Geist Mono Bold" pitchFamily="2" charset="77"/>
+                    <a:cs typeface="Geist Mono Bold" pitchFamily="2" charset="77"/>
+                  </a:rPr>
+                  <a:t>Clustering Aglomerativo</a:t>
+                </a:r>
+              </a:p>
+            </p:txBody>
+          </p:sp>
+          <p:cxnSp>
+            <p:nvCxnSpPr>
+              <p:cNvPr id="269" name="Conector recto de flecha 268">
+                <a:extLst>
+                  <a:ext uri="{FF2B5EF4-FFF2-40B4-BE49-F238E27FC236}">
+                    <a16:creationId xmlns:a16="http://schemas.microsoft.com/office/drawing/2014/main" id="{5052C152-4571-5588-E381-13C051583379}"/>
+                  </a:ext>
+                </a:extLst>
+              </p:cNvPr>
+              <p:cNvCxnSpPr>
+                <a:cxnSpLocks/>
+              </p:cNvCxnSpPr>
+              <p:nvPr/>
+            </p:nvCxnSpPr>
+            <p:spPr>
+              <a:xfrm>
+                <a:off x="2173857" y="1898907"/>
+                <a:ext cx="586596" cy="0"/>
+              </a:xfrm>
+              <a:prstGeom prst="straightConnector1">
+                <a:avLst/>
+              </a:prstGeom>
+              <a:ln>
+                <a:tailEnd type="triangle"/>
+              </a:ln>
+            </p:spPr>
+            <p:style>
+              <a:lnRef idx="2">
+                <a:schemeClr val="dk1"/>
+              </a:lnRef>
+              <a:fillRef idx="0">
+                <a:schemeClr val="dk1"/>
+              </a:fillRef>
+              <a:effectRef idx="1">
+                <a:schemeClr val="dk1"/>
+              </a:effectRef>
+              <a:fontRef idx="minor">
+                <a:schemeClr val="tx1"/>
+              </a:fontRef>
+            </p:style>
+          </p:cxnSp>
+          <p:cxnSp>
+            <p:nvCxnSpPr>
+              <p:cNvPr id="270" name="Conector recto de flecha 269">
+                <a:extLst>
+                  <a:ext uri="{FF2B5EF4-FFF2-40B4-BE49-F238E27FC236}">
+                    <a16:creationId xmlns:a16="http://schemas.microsoft.com/office/drawing/2014/main" id="{C102A8AD-16D2-EF53-C0A5-F6164A1D4604}"/>
+                  </a:ext>
+                </a:extLst>
+              </p:cNvPr>
+              <p:cNvCxnSpPr>
+                <a:cxnSpLocks/>
+              </p:cNvCxnSpPr>
+              <p:nvPr/>
+            </p:nvCxnSpPr>
+            <p:spPr>
+              <a:xfrm>
+                <a:off x="4375369" y="1898907"/>
+                <a:ext cx="586596" cy="0"/>
+              </a:xfrm>
+              <a:prstGeom prst="straightConnector1">
+                <a:avLst/>
+              </a:prstGeom>
+              <a:ln>
+                <a:tailEnd type="triangle"/>
+              </a:ln>
+            </p:spPr>
+            <p:style>
+              <a:lnRef idx="2">
+                <a:schemeClr val="dk1"/>
+              </a:lnRef>
+              <a:fillRef idx="0">
+                <a:schemeClr val="dk1"/>
+              </a:fillRef>
+              <a:effectRef idx="1">
+                <a:schemeClr val="dk1"/>
+              </a:effectRef>
+              <a:fontRef idx="minor">
+                <a:schemeClr val="tx1"/>
+              </a:fontRef>
+            </p:style>
+          </p:cxnSp>
+          <p:cxnSp>
+            <p:nvCxnSpPr>
+              <p:cNvPr id="271" name="Conector recto de flecha 270">
+                <a:extLst>
+                  <a:ext uri="{FF2B5EF4-FFF2-40B4-BE49-F238E27FC236}">
+                    <a16:creationId xmlns:a16="http://schemas.microsoft.com/office/drawing/2014/main" id="{5575FC4D-FA3C-F34E-14B8-4A519E9F3EC7}"/>
+                  </a:ext>
+                </a:extLst>
+              </p:cNvPr>
+              <p:cNvCxnSpPr>
+                <a:cxnSpLocks/>
+              </p:cNvCxnSpPr>
+              <p:nvPr/>
+            </p:nvCxnSpPr>
+            <p:spPr>
+              <a:xfrm>
+                <a:off x="6842754" y="1898907"/>
+                <a:ext cx="586596" cy="0"/>
+              </a:xfrm>
+              <a:prstGeom prst="straightConnector1">
+                <a:avLst/>
+              </a:prstGeom>
+              <a:ln>
+                <a:tailEnd type="triangle"/>
+              </a:ln>
+            </p:spPr>
+            <p:style>
+              <a:lnRef idx="2">
+                <a:schemeClr val="dk1"/>
+              </a:lnRef>
+              <a:fillRef idx="0">
+                <a:schemeClr val="dk1"/>
+              </a:fillRef>
+              <a:effectRef idx="1">
+                <a:schemeClr val="dk1"/>
+              </a:effectRef>
+              <a:fontRef idx="minor">
+                <a:schemeClr val="tx1"/>
+              </a:fontRef>
+            </p:style>
+          </p:cxnSp>
+          <p:cxnSp>
+            <p:nvCxnSpPr>
+              <p:cNvPr id="272" name="Conector recto de flecha 271">
+                <a:extLst>
+                  <a:ext uri="{FF2B5EF4-FFF2-40B4-BE49-F238E27FC236}">
+                    <a16:creationId xmlns:a16="http://schemas.microsoft.com/office/drawing/2014/main" id="{C9C6CD8D-D7C6-B7B1-12A3-30B59810E1B2}"/>
+                  </a:ext>
+                </a:extLst>
+              </p:cNvPr>
+              <p:cNvCxnSpPr>
+                <a:cxnSpLocks/>
+              </p:cNvCxnSpPr>
+              <p:nvPr/>
+            </p:nvCxnSpPr>
+            <p:spPr>
+              <a:xfrm>
+                <a:off x="9291327" y="1898907"/>
+                <a:ext cx="586596" cy="0"/>
+              </a:xfrm>
+              <a:prstGeom prst="straightConnector1">
+                <a:avLst/>
+              </a:prstGeom>
+              <a:ln>
+                <a:tailEnd type="triangle"/>
+              </a:ln>
+            </p:spPr>
+            <p:style>
+              <a:lnRef idx="2">
+                <a:schemeClr val="dk1"/>
+              </a:lnRef>
+              <a:fillRef idx="0">
+                <a:schemeClr val="dk1"/>
+              </a:fillRef>
+              <a:effectRef idx="1">
+                <a:schemeClr val="dk1"/>
+              </a:effectRef>
+              <a:fontRef idx="minor">
+                <a:schemeClr val="tx1"/>
+              </a:fontRef>
+            </p:style>
+          </p:cxnSp>
+          <p:grpSp>
+            <p:nvGrpSpPr>
+              <p:cNvPr id="276" name="Grupo 275">
+                <a:extLst>
+                  <a:ext uri="{FF2B5EF4-FFF2-40B4-BE49-F238E27FC236}">
+                    <a16:creationId xmlns:a16="http://schemas.microsoft.com/office/drawing/2014/main" id="{9BD267C8-F751-1CE6-4EAC-EF2FEDC1CE74}"/>
+                  </a:ext>
+                </a:extLst>
+              </p:cNvPr>
+              <p:cNvGrpSpPr/>
+              <p:nvPr/>
+            </p:nvGrpSpPr>
+            <p:grpSpPr>
+              <a:xfrm>
+                <a:off x="7973736" y="4308208"/>
+                <a:ext cx="1377815" cy="1300496"/>
+                <a:chOff x="3049353" y="1205541"/>
+                <a:chExt cx="1377815" cy="1300496"/>
+              </a:xfrm>
+            </p:grpSpPr>
+            <p:grpSp>
+              <p:nvGrpSpPr>
+                <p:cNvPr id="354" name="Grupo 353">
+                  <a:extLst>
+                    <a:ext uri="{FF2B5EF4-FFF2-40B4-BE49-F238E27FC236}">
+                      <a16:creationId xmlns:a16="http://schemas.microsoft.com/office/drawing/2014/main" id="{88E0DF78-DCBC-17C0-4E1D-83D3C62E95D1}"/>
+                    </a:ext>
+                  </a:extLst>
+                </p:cNvPr>
+                <p:cNvGrpSpPr/>
+                <p:nvPr/>
+              </p:nvGrpSpPr>
+              <p:grpSpPr>
+                <a:xfrm>
+                  <a:off x="3109822" y="1249795"/>
+                  <a:ext cx="1249060" cy="1179611"/>
+                  <a:chOff x="701898" y="1249795"/>
+                  <a:chExt cx="1760662" cy="1959743"/>
+                </a:xfrm>
+              </p:grpSpPr>
+              <p:sp>
+                <p:nvSpPr>
+                  <p:cNvPr id="363" name="Elipse 362">
+                    <a:extLst>
+                      <a:ext uri="{FF2B5EF4-FFF2-40B4-BE49-F238E27FC236}">
+                        <a16:creationId xmlns:a16="http://schemas.microsoft.com/office/drawing/2014/main" id="{7BCDCF48-12A4-C118-1307-DCBC97BFB7A1}"/>
+                      </a:ext>
+                    </a:extLst>
+                  </p:cNvPr>
+                  <p:cNvSpPr/>
+                  <p:nvPr/>
+                </p:nvSpPr>
+                <p:spPr>
+                  <a:xfrm>
+                    <a:off x="2078159" y="1249795"/>
+                    <a:ext cx="154800" cy="157655"/>
+                  </a:xfrm>
+                  <a:prstGeom prst="ellipse">
+                    <a:avLst/>
+                  </a:prstGeom>
+                  <a:solidFill>
+                    <a:srgbClr val="FFC000"/>
+                  </a:solidFill>
+                  <a:ln>
+                    <a:solidFill>
+                      <a:srgbClr val="002060"/>
+                    </a:solidFill>
+                  </a:ln>
+                </p:spPr>
+                <p:style>
+                  <a:lnRef idx="2">
+                    <a:schemeClr val="accent1">
+                      <a:shade val="15000"/>
+                    </a:schemeClr>
+                  </a:lnRef>
+                  <a:fillRef idx="1">
+                    <a:schemeClr val="accent1"/>
+                  </a:fillRef>
+                  <a:effectRef idx="0">
+                    <a:schemeClr val="accent1"/>
+                  </a:effectRef>
+                  <a:fontRef idx="minor">
+                    <a:schemeClr val="lt1"/>
+                  </a:fontRef>
+                </p:style>
+                <p:txBody>
+                  <a:bodyPr rtlCol="0" anchor="ctr"/>
+                  <a:lstStyle/>
+                  <a:p>
+                    <a:pPr algn="ctr"/>
+                    <a:endParaRPr lang="es-ES"/>
+                  </a:p>
+                </p:txBody>
+              </p:sp>
+              <p:sp>
+                <p:nvSpPr>
+                  <p:cNvPr id="364" name="Elipse 363">
+                    <a:extLst>
+                      <a:ext uri="{FF2B5EF4-FFF2-40B4-BE49-F238E27FC236}">
+                        <a16:creationId xmlns:a16="http://schemas.microsoft.com/office/drawing/2014/main" id="{5111802F-6CE8-75B1-FC4C-67A99960F304}"/>
+                      </a:ext>
+                    </a:extLst>
+                  </p:cNvPr>
+                  <p:cNvSpPr/>
+                  <p:nvPr/>
+                </p:nvSpPr>
+                <p:spPr>
+                  <a:xfrm>
+                    <a:off x="2307760" y="2364202"/>
+                    <a:ext cx="154800" cy="157655"/>
+                  </a:xfrm>
+                  <a:prstGeom prst="ellipse">
+                    <a:avLst/>
+                  </a:prstGeom>
+                  <a:solidFill>
+                    <a:srgbClr val="FFC000"/>
+                  </a:solidFill>
+                  <a:ln>
+                    <a:solidFill>
+                      <a:srgbClr val="002060"/>
+                    </a:solidFill>
+                  </a:ln>
+                </p:spPr>
+                <p:style>
+                  <a:lnRef idx="2">
+                    <a:schemeClr val="accent1">
+                      <a:shade val="15000"/>
+                    </a:schemeClr>
+                  </a:lnRef>
+                  <a:fillRef idx="1">
+                    <a:schemeClr val="accent1"/>
+                  </a:fillRef>
+                  <a:effectRef idx="0">
+                    <a:schemeClr val="accent1"/>
+                  </a:effectRef>
+                  <a:fontRef idx="minor">
+                    <a:schemeClr val="lt1"/>
+                  </a:fontRef>
+                </p:style>
+                <p:txBody>
+                  <a:bodyPr rtlCol="0" anchor="ctr"/>
+                  <a:lstStyle/>
+                  <a:p>
+                    <a:pPr algn="ctr"/>
+                    <a:endParaRPr lang="es-ES"/>
+                  </a:p>
+                </p:txBody>
+              </p:sp>
+              <p:sp>
+                <p:nvSpPr>
+                  <p:cNvPr id="365" name="Elipse 364">
+                    <a:extLst>
+                      <a:ext uri="{FF2B5EF4-FFF2-40B4-BE49-F238E27FC236}">
+                        <a16:creationId xmlns:a16="http://schemas.microsoft.com/office/drawing/2014/main" id="{428253EB-C004-5A43-030D-083009B49CC7}"/>
+                      </a:ext>
+                    </a:extLst>
+                  </p:cNvPr>
+                  <p:cNvSpPr/>
+                  <p:nvPr/>
+                </p:nvSpPr>
+                <p:spPr>
+                  <a:xfrm>
+                    <a:off x="701898" y="2379854"/>
+                    <a:ext cx="154800" cy="157655"/>
+                  </a:xfrm>
+                  <a:prstGeom prst="ellipse">
+                    <a:avLst/>
+                  </a:prstGeom>
+                  <a:solidFill>
+                    <a:srgbClr val="FFC000"/>
+                  </a:solidFill>
+                  <a:ln>
+                    <a:solidFill>
+                      <a:srgbClr val="002060"/>
+                    </a:solidFill>
+                  </a:ln>
+                </p:spPr>
+                <p:style>
+                  <a:lnRef idx="2">
+                    <a:schemeClr val="accent1">
+                      <a:shade val="15000"/>
+                    </a:schemeClr>
+                  </a:lnRef>
+                  <a:fillRef idx="1">
+                    <a:schemeClr val="accent1"/>
+                  </a:fillRef>
+                  <a:effectRef idx="0">
+                    <a:schemeClr val="accent1"/>
+                  </a:effectRef>
+                  <a:fontRef idx="minor">
+                    <a:schemeClr val="lt1"/>
+                  </a:fontRef>
+                </p:style>
+                <p:txBody>
+                  <a:bodyPr rtlCol="0" anchor="ctr"/>
+                  <a:lstStyle/>
+                  <a:p>
+                    <a:pPr algn="ctr"/>
+                    <a:endParaRPr lang="es-ES"/>
+                  </a:p>
+                </p:txBody>
+              </p:sp>
+              <p:sp>
+                <p:nvSpPr>
+                  <p:cNvPr id="366" name="Elipse 365">
+                    <a:extLst>
+                      <a:ext uri="{FF2B5EF4-FFF2-40B4-BE49-F238E27FC236}">
+                        <a16:creationId xmlns:a16="http://schemas.microsoft.com/office/drawing/2014/main" id="{BB9812BF-6501-79FF-223F-CEF14DAE555A}"/>
+                      </a:ext>
+                    </a:extLst>
+                  </p:cNvPr>
+                  <p:cNvSpPr/>
+                  <p:nvPr/>
+                </p:nvSpPr>
+                <p:spPr>
+                  <a:xfrm>
+                    <a:off x="1333348" y="2608030"/>
+                    <a:ext cx="154800" cy="157655"/>
+                  </a:xfrm>
+                  <a:prstGeom prst="ellipse">
+                    <a:avLst/>
+                  </a:prstGeom>
+                  <a:solidFill>
+                    <a:srgbClr val="FFC000"/>
+                  </a:solidFill>
+                  <a:ln>
+                    <a:solidFill>
+                      <a:srgbClr val="002060"/>
+                    </a:solidFill>
+                  </a:ln>
+                </p:spPr>
+                <p:style>
+                  <a:lnRef idx="2">
+                    <a:schemeClr val="accent1">
+                      <a:shade val="15000"/>
+                    </a:schemeClr>
+                  </a:lnRef>
+                  <a:fillRef idx="1">
+                    <a:schemeClr val="accent1"/>
+                  </a:fillRef>
+                  <a:effectRef idx="0">
+                    <a:schemeClr val="accent1"/>
+                  </a:effectRef>
+                  <a:fontRef idx="minor">
+                    <a:schemeClr val="lt1"/>
+                  </a:fontRef>
+                </p:style>
+                <p:txBody>
+                  <a:bodyPr rtlCol="0" anchor="ctr"/>
+                  <a:lstStyle/>
+                  <a:p>
+                    <a:pPr algn="ctr"/>
+                    <a:endParaRPr lang="es-ES" dirty="0"/>
+                  </a:p>
+                </p:txBody>
+              </p:sp>
+              <p:sp>
+                <p:nvSpPr>
+                  <p:cNvPr id="367" name="Elipse 366">
+                    <a:extLst>
+                      <a:ext uri="{FF2B5EF4-FFF2-40B4-BE49-F238E27FC236}">
+                        <a16:creationId xmlns:a16="http://schemas.microsoft.com/office/drawing/2014/main" id="{276A4C89-302A-1A39-B19D-A4195C6EF2A4}"/>
+                      </a:ext>
+                    </a:extLst>
+                  </p:cNvPr>
+                  <p:cNvSpPr/>
+                  <p:nvPr/>
+                </p:nvSpPr>
+                <p:spPr>
+                  <a:xfrm>
+                    <a:off x="2307760" y="2718926"/>
+                    <a:ext cx="154800" cy="157655"/>
+                  </a:xfrm>
+                  <a:prstGeom prst="ellipse">
+                    <a:avLst/>
+                  </a:prstGeom>
+                  <a:solidFill>
+                    <a:srgbClr val="FFC000"/>
+                  </a:solidFill>
+                  <a:ln>
+                    <a:solidFill>
+                      <a:srgbClr val="002060"/>
+                    </a:solidFill>
+                  </a:ln>
+                </p:spPr>
+                <p:style>
+                  <a:lnRef idx="2">
+                    <a:schemeClr val="accent1">
+                      <a:shade val="15000"/>
+                    </a:schemeClr>
+                  </a:lnRef>
+                  <a:fillRef idx="1">
+                    <a:schemeClr val="accent1"/>
+                  </a:fillRef>
+                  <a:effectRef idx="0">
+                    <a:schemeClr val="accent1"/>
+                  </a:effectRef>
+                  <a:fontRef idx="minor">
+                    <a:schemeClr val="lt1"/>
+                  </a:fontRef>
+                </p:style>
+                <p:txBody>
+                  <a:bodyPr rtlCol="0" anchor="ctr"/>
+                  <a:lstStyle/>
+                  <a:p>
+                    <a:pPr algn="ctr"/>
+                    <a:endParaRPr lang="es-ES"/>
+                  </a:p>
+                </p:txBody>
+              </p:sp>
+              <p:sp>
+                <p:nvSpPr>
+                  <p:cNvPr id="368" name="Elipse 367">
+                    <a:extLst>
+                      <a:ext uri="{FF2B5EF4-FFF2-40B4-BE49-F238E27FC236}">
+                        <a16:creationId xmlns:a16="http://schemas.microsoft.com/office/drawing/2014/main" id="{C78A1665-53D0-82B4-5CF6-B35D5B89CF7A}"/>
+                      </a:ext>
+                    </a:extLst>
+                  </p:cNvPr>
+                  <p:cNvSpPr/>
+                  <p:nvPr/>
+                </p:nvSpPr>
+                <p:spPr>
+                  <a:xfrm>
+                    <a:off x="1039099" y="2056660"/>
+                    <a:ext cx="154800" cy="157655"/>
+                  </a:xfrm>
+                  <a:prstGeom prst="ellipse">
+                    <a:avLst/>
+                  </a:prstGeom>
+                  <a:solidFill>
+                    <a:srgbClr val="FFC000"/>
+                  </a:solidFill>
+                  <a:ln>
+                    <a:solidFill>
+                      <a:srgbClr val="002060"/>
+                    </a:solidFill>
+                  </a:ln>
+                </p:spPr>
+                <p:style>
+                  <a:lnRef idx="2">
+                    <a:schemeClr val="accent1">
+                      <a:shade val="15000"/>
+                    </a:schemeClr>
+                  </a:lnRef>
+                  <a:fillRef idx="1">
+                    <a:schemeClr val="accent1"/>
+                  </a:fillRef>
+                  <a:effectRef idx="0">
+                    <a:schemeClr val="accent1"/>
+                  </a:effectRef>
+                  <a:fontRef idx="minor">
+                    <a:schemeClr val="lt1"/>
+                  </a:fontRef>
+                </p:style>
+                <p:txBody>
+                  <a:bodyPr rtlCol="0" anchor="ctr"/>
+                  <a:lstStyle/>
+                  <a:p>
+                    <a:pPr algn="ctr"/>
+                    <a:endParaRPr lang="es-ES"/>
+                  </a:p>
+                </p:txBody>
+              </p:sp>
+              <p:sp>
+                <p:nvSpPr>
+                  <p:cNvPr id="369" name="Elipse 368">
+                    <a:extLst>
+                      <a:ext uri="{FF2B5EF4-FFF2-40B4-BE49-F238E27FC236}">
+                        <a16:creationId xmlns:a16="http://schemas.microsoft.com/office/drawing/2014/main" id="{1A22FF9A-303A-C69D-2CAA-77CBEB06DAFF}"/>
+                      </a:ext>
+                    </a:extLst>
+                  </p:cNvPr>
+                  <p:cNvSpPr/>
+                  <p:nvPr/>
+                </p:nvSpPr>
+                <p:spPr>
+                  <a:xfrm>
+                    <a:off x="2200542" y="3051883"/>
+                    <a:ext cx="154800" cy="157655"/>
+                  </a:xfrm>
+                  <a:prstGeom prst="ellipse">
+                    <a:avLst/>
+                  </a:prstGeom>
+                  <a:solidFill>
+                    <a:srgbClr val="FFC000"/>
+                  </a:solidFill>
+                  <a:ln>
+                    <a:solidFill>
+                      <a:srgbClr val="002060"/>
+                    </a:solidFill>
+                  </a:ln>
+                </p:spPr>
+                <p:style>
+                  <a:lnRef idx="2">
+                    <a:schemeClr val="accent1">
+                      <a:shade val="15000"/>
+                    </a:schemeClr>
+                  </a:lnRef>
+                  <a:fillRef idx="1">
+                    <a:schemeClr val="accent1"/>
+                  </a:fillRef>
+                  <a:effectRef idx="0">
+                    <a:schemeClr val="accent1"/>
+                  </a:effectRef>
+                  <a:fontRef idx="minor">
+                    <a:schemeClr val="lt1"/>
+                  </a:fontRef>
+                </p:style>
+                <p:txBody>
+                  <a:bodyPr rtlCol="0" anchor="ctr"/>
+                  <a:lstStyle/>
+                  <a:p>
+                    <a:pPr algn="ctr"/>
+                    <a:endParaRPr lang="es-ES"/>
+                  </a:p>
+                </p:txBody>
+              </p:sp>
+              <p:sp>
+                <p:nvSpPr>
+                  <p:cNvPr id="370" name="Elipse 369">
+                    <a:extLst>
+                      <a:ext uri="{FF2B5EF4-FFF2-40B4-BE49-F238E27FC236}">
+                        <a16:creationId xmlns:a16="http://schemas.microsoft.com/office/drawing/2014/main" id="{6630AF0C-7699-317C-9E11-DEC391FA1D5F}"/>
+                      </a:ext>
+                    </a:extLst>
+                  </p:cNvPr>
+                  <p:cNvSpPr/>
+                  <p:nvPr/>
+                </p:nvSpPr>
+                <p:spPr>
+                  <a:xfrm>
+                    <a:off x="974135" y="2912673"/>
+                    <a:ext cx="154800" cy="157655"/>
+                  </a:xfrm>
+                  <a:prstGeom prst="ellipse">
+                    <a:avLst/>
+                  </a:prstGeom>
+                  <a:solidFill>
+                    <a:srgbClr val="FFC000"/>
+                  </a:solidFill>
+                  <a:ln>
+                    <a:solidFill>
+                      <a:srgbClr val="002060"/>
+                    </a:solidFill>
+                  </a:ln>
+                </p:spPr>
+                <p:style>
+                  <a:lnRef idx="2">
+                    <a:schemeClr val="accent1">
+                      <a:shade val="15000"/>
+                    </a:schemeClr>
+                  </a:lnRef>
+                  <a:fillRef idx="1">
+                    <a:schemeClr val="accent1"/>
+                  </a:fillRef>
+                  <a:effectRef idx="0">
+                    <a:schemeClr val="accent1"/>
+                  </a:effectRef>
+                  <a:fontRef idx="minor">
+                    <a:schemeClr val="lt1"/>
+                  </a:fontRef>
+                </p:style>
+                <p:txBody>
+                  <a:bodyPr rtlCol="0" anchor="ctr"/>
+                  <a:lstStyle/>
+                  <a:p>
+                    <a:pPr algn="ctr"/>
+                    <a:endParaRPr lang="es-ES"/>
+                  </a:p>
+                </p:txBody>
+              </p:sp>
+            </p:grpSp>
+            <p:sp>
+              <p:nvSpPr>
+                <p:cNvPr id="355" name="Elipse 354">
+                  <a:extLst>
+                    <a:ext uri="{FF2B5EF4-FFF2-40B4-BE49-F238E27FC236}">
+                      <a16:creationId xmlns:a16="http://schemas.microsoft.com/office/drawing/2014/main" id="{1CCD6A3D-9F69-971B-458D-512B0D256A88}"/>
+                    </a:ext>
+                  </a:extLst>
+                </p:cNvPr>
+                <p:cNvSpPr/>
+                <p:nvPr/>
+              </p:nvSpPr>
+              <p:spPr>
+                <a:xfrm>
+                  <a:off x="3283180" y="1670768"/>
+                  <a:ext cx="241540" cy="224287"/>
+                </a:xfrm>
+                <a:prstGeom prst="ellipse">
+                  <a:avLst/>
+                </a:prstGeom>
+                <a:noFill/>
+              </p:spPr>
+              <p:style>
+                <a:lnRef idx="2">
+                  <a:schemeClr val="accent6"/>
+                </a:lnRef>
+                <a:fillRef idx="1">
+                  <a:schemeClr val="lt1"/>
+                </a:fillRef>
+                <a:effectRef idx="0">
+                  <a:schemeClr val="accent6"/>
+                </a:effectRef>
+                <a:fontRef idx="minor">
+                  <a:schemeClr val="dk1"/>
+                </a:fontRef>
+              </p:style>
+              <p:txBody>
+                <a:bodyPr rtlCol="0" anchor="ctr"/>
+                <a:lstStyle/>
+                <a:p>
+                  <a:pPr algn="ctr"/>
+                  <a:endParaRPr lang="es-ES"/>
+                </a:p>
+              </p:txBody>
+            </p:sp>
+            <p:sp>
+              <p:nvSpPr>
+                <p:cNvPr id="356" name="Elipse 355">
+                  <a:extLst>
+                    <a:ext uri="{FF2B5EF4-FFF2-40B4-BE49-F238E27FC236}">
+                      <a16:creationId xmlns:a16="http://schemas.microsoft.com/office/drawing/2014/main" id="{E752AD5C-EB65-5A3F-7593-268176836134}"/>
+                    </a:ext>
+                  </a:extLst>
+                </p:cNvPr>
+                <p:cNvSpPr/>
+                <p:nvPr/>
+              </p:nvSpPr>
+              <p:spPr>
+                <a:xfrm>
+                  <a:off x="4020317" y="1205541"/>
+                  <a:ext cx="241540" cy="224287"/>
+                </a:xfrm>
+                <a:prstGeom prst="ellipse">
+                  <a:avLst/>
+                </a:prstGeom>
+                <a:noFill/>
+              </p:spPr>
+              <p:style>
+                <a:lnRef idx="2">
+                  <a:schemeClr val="accent6"/>
+                </a:lnRef>
+                <a:fillRef idx="1">
+                  <a:schemeClr val="lt1"/>
+                </a:fillRef>
+                <a:effectRef idx="0">
+                  <a:schemeClr val="accent6"/>
+                </a:effectRef>
+                <a:fontRef idx="minor">
+                  <a:schemeClr val="dk1"/>
+                </a:fontRef>
+              </p:style>
+              <p:txBody>
+                <a:bodyPr rtlCol="0" anchor="ctr"/>
+                <a:lstStyle/>
+                <a:p>
+                  <a:pPr algn="ctr"/>
+                  <a:endParaRPr lang="es-ES"/>
+                </a:p>
+              </p:txBody>
+            </p:sp>
+            <p:sp>
+              <p:nvSpPr>
+                <p:cNvPr id="357" name="Elipse 356">
+                  <a:extLst>
+                    <a:ext uri="{FF2B5EF4-FFF2-40B4-BE49-F238E27FC236}">
+                      <a16:creationId xmlns:a16="http://schemas.microsoft.com/office/drawing/2014/main" id="{1F835244-D061-ACE4-4278-E2D1F7F3DAA3}"/>
+                    </a:ext>
+                  </a:extLst>
+                </p:cNvPr>
+                <p:cNvSpPr/>
+                <p:nvPr/>
+              </p:nvSpPr>
+              <p:spPr>
+                <a:xfrm>
+                  <a:off x="3496124" y="2008172"/>
+                  <a:ext cx="241540" cy="224287"/>
+                </a:xfrm>
+                <a:prstGeom prst="ellipse">
+                  <a:avLst/>
+                </a:prstGeom>
+                <a:noFill/>
+              </p:spPr>
+              <p:style>
+                <a:lnRef idx="2">
+                  <a:schemeClr val="accent6"/>
+                </a:lnRef>
+                <a:fillRef idx="1">
+                  <a:schemeClr val="lt1"/>
+                </a:fillRef>
+                <a:effectRef idx="0">
+                  <a:schemeClr val="accent6"/>
+                </a:effectRef>
+                <a:fontRef idx="minor">
+                  <a:schemeClr val="dk1"/>
+                </a:fontRef>
+              </p:style>
+              <p:txBody>
+                <a:bodyPr rtlCol="0" anchor="ctr"/>
+                <a:lstStyle/>
+                <a:p>
+                  <a:pPr algn="ctr"/>
+                  <a:endParaRPr lang="es-ES"/>
+                </a:p>
+              </p:txBody>
+            </p:sp>
+            <p:sp>
+              <p:nvSpPr>
+                <p:cNvPr id="358" name="Elipse 357">
+                  <a:extLst>
+                    <a:ext uri="{FF2B5EF4-FFF2-40B4-BE49-F238E27FC236}">
+                      <a16:creationId xmlns:a16="http://schemas.microsoft.com/office/drawing/2014/main" id="{5B91CB04-2478-4EFA-BEDB-93BC6FAB7EBF}"/>
+                    </a:ext>
+                  </a:extLst>
+                </p:cNvPr>
+                <p:cNvSpPr/>
+                <p:nvPr/>
+              </p:nvSpPr>
+              <p:spPr>
+                <a:xfrm>
+                  <a:off x="4185628" y="2069400"/>
+                  <a:ext cx="241540" cy="224287"/>
+                </a:xfrm>
+                <a:prstGeom prst="ellipse">
+                  <a:avLst/>
+                </a:prstGeom>
+                <a:noFill/>
+              </p:spPr>
+              <p:style>
+                <a:lnRef idx="2">
+                  <a:schemeClr val="accent6"/>
+                </a:lnRef>
+                <a:fillRef idx="1">
+                  <a:schemeClr val="lt1"/>
+                </a:fillRef>
+                <a:effectRef idx="0">
+                  <a:schemeClr val="accent6"/>
+                </a:effectRef>
+                <a:fontRef idx="minor">
+                  <a:schemeClr val="dk1"/>
+                </a:fontRef>
+              </p:style>
+              <p:txBody>
+                <a:bodyPr rtlCol="0" anchor="ctr"/>
+                <a:lstStyle/>
+                <a:p>
+                  <a:pPr algn="ctr"/>
+                  <a:endParaRPr lang="es-ES"/>
+                </a:p>
+              </p:txBody>
+            </p:sp>
+            <p:sp>
+              <p:nvSpPr>
+                <p:cNvPr id="359" name="Elipse 358">
+                  <a:extLst>
+                    <a:ext uri="{FF2B5EF4-FFF2-40B4-BE49-F238E27FC236}">
+                      <a16:creationId xmlns:a16="http://schemas.microsoft.com/office/drawing/2014/main" id="{C2EAFCD0-C7E1-ABA8-3F08-F943E8506134}"/>
+                    </a:ext>
+                  </a:extLst>
+                </p:cNvPr>
+                <p:cNvSpPr/>
+                <p:nvPr/>
+              </p:nvSpPr>
+              <p:spPr>
+                <a:xfrm>
+                  <a:off x="4183202" y="1857050"/>
+                  <a:ext cx="241540" cy="224287"/>
+                </a:xfrm>
+                <a:prstGeom prst="ellipse">
+                  <a:avLst/>
+                </a:prstGeom>
+                <a:noFill/>
+              </p:spPr>
+              <p:style>
+                <a:lnRef idx="2">
+                  <a:schemeClr val="accent6"/>
+                </a:lnRef>
+                <a:fillRef idx="1">
+                  <a:schemeClr val="lt1"/>
+                </a:fillRef>
+                <a:effectRef idx="0">
+                  <a:schemeClr val="accent6"/>
+                </a:effectRef>
+                <a:fontRef idx="minor">
+                  <a:schemeClr val="dk1"/>
+                </a:fontRef>
+              </p:style>
+              <p:txBody>
+                <a:bodyPr rtlCol="0" anchor="ctr"/>
+                <a:lstStyle/>
+                <a:p>
+                  <a:pPr algn="ctr"/>
+                  <a:endParaRPr lang="es-ES"/>
+                </a:p>
+              </p:txBody>
+            </p:sp>
+            <p:sp>
+              <p:nvSpPr>
+                <p:cNvPr id="360" name="Elipse 359">
+                  <a:extLst>
+                    <a:ext uri="{FF2B5EF4-FFF2-40B4-BE49-F238E27FC236}">
+                      <a16:creationId xmlns:a16="http://schemas.microsoft.com/office/drawing/2014/main" id="{6D12087F-513F-D952-8987-94D22B2FAF1A}"/>
+                    </a:ext>
+                  </a:extLst>
+                </p:cNvPr>
+                <p:cNvSpPr/>
+                <p:nvPr/>
+              </p:nvSpPr>
+              <p:spPr>
+                <a:xfrm>
+                  <a:off x="3049353" y="1874391"/>
+                  <a:ext cx="241540" cy="224287"/>
+                </a:xfrm>
+                <a:prstGeom prst="ellipse">
+                  <a:avLst/>
+                </a:prstGeom>
+                <a:noFill/>
+              </p:spPr>
+              <p:style>
+                <a:lnRef idx="2">
+                  <a:schemeClr val="accent6"/>
+                </a:lnRef>
+                <a:fillRef idx="1">
+                  <a:schemeClr val="lt1"/>
+                </a:fillRef>
+                <a:effectRef idx="0">
+                  <a:schemeClr val="accent6"/>
+                </a:effectRef>
+                <a:fontRef idx="minor">
+                  <a:schemeClr val="dk1"/>
+                </a:fontRef>
+              </p:style>
+              <p:txBody>
+                <a:bodyPr rtlCol="0" anchor="ctr"/>
+                <a:lstStyle/>
+                <a:p>
+                  <a:pPr algn="ctr"/>
+                  <a:endParaRPr lang="es-ES"/>
+                </a:p>
+              </p:txBody>
+            </p:sp>
+            <p:sp>
+              <p:nvSpPr>
+                <p:cNvPr id="361" name="Elipse 360">
+                  <a:extLst>
+                    <a:ext uri="{FF2B5EF4-FFF2-40B4-BE49-F238E27FC236}">
+                      <a16:creationId xmlns:a16="http://schemas.microsoft.com/office/drawing/2014/main" id="{CB988CC4-A289-28D3-DCBA-E0F609DC2C57}"/>
+                    </a:ext>
+                  </a:extLst>
+                </p:cNvPr>
+                <p:cNvSpPr/>
+                <p:nvPr/>
+              </p:nvSpPr>
+              <p:spPr>
+                <a:xfrm>
+                  <a:off x="4107139" y="2281750"/>
+                  <a:ext cx="241540" cy="224287"/>
+                </a:xfrm>
+                <a:prstGeom prst="ellipse">
+                  <a:avLst/>
+                </a:prstGeom>
+                <a:noFill/>
+              </p:spPr>
+              <p:style>
+                <a:lnRef idx="2">
+                  <a:schemeClr val="accent6"/>
+                </a:lnRef>
+                <a:fillRef idx="1">
+                  <a:schemeClr val="lt1"/>
+                </a:fillRef>
+                <a:effectRef idx="0">
+                  <a:schemeClr val="accent6"/>
+                </a:effectRef>
+                <a:fontRef idx="minor">
+                  <a:schemeClr val="dk1"/>
+                </a:fontRef>
+              </p:style>
+              <p:txBody>
+                <a:bodyPr rtlCol="0" anchor="ctr"/>
+                <a:lstStyle/>
+                <a:p>
+                  <a:pPr algn="ctr"/>
+                  <a:endParaRPr lang="es-ES"/>
+                </a:p>
+              </p:txBody>
+            </p:sp>
+            <p:sp>
+              <p:nvSpPr>
+                <p:cNvPr id="362" name="Elipse 361">
+                  <a:extLst>
+                    <a:ext uri="{FF2B5EF4-FFF2-40B4-BE49-F238E27FC236}">
+                      <a16:creationId xmlns:a16="http://schemas.microsoft.com/office/drawing/2014/main" id="{A1B6E9CA-83A9-1001-D8ED-CFFD22D8F7AF}"/>
+                    </a:ext>
+                  </a:extLst>
+                </p:cNvPr>
+                <p:cNvSpPr/>
+                <p:nvPr/>
+              </p:nvSpPr>
+              <p:spPr>
+                <a:xfrm>
+                  <a:off x="3247296" y="2189231"/>
+                  <a:ext cx="241540" cy="224287"/>
+                </a:xfrm>
+                <a:prstGeom prst="ellipse">
+                  <a:avLst/>
+                </a:prstGeom>
+                <a:noFill/>
+              </p:spPr>
+              <p:style>
+                <a:lnRef idx="2">
+                  <a:schemeClr val="accent6"/>
+                </a:lnRef>
+                <a:fillRef idx="1">
+                  <a:schemeClr val="lt1"/>
+                </a:fillRef>
+                <a:effectRef idx="0">
+                  <a:schemeClr val="accent6"/>
+                </a:effectRef>
+                <a:fontRef idx="minor">
+                  <a:schemeClr val="dk1"/>
+                </a:fontRef>
+              </p:style>
+              <p:txBody>
+                <a:bodyPr rtlCol="0" anchor="ctr"/>
+                <a:lstStyle/>
+                <a:p>
+                  <a:pPr algn="ctr"/>
+                  <a:endParaRPr lang="es-ES"/>
+                </a:p>
+              </p:txBody>
+            </p:sp>
+          </p:grpSp>
+          <p:grpSp>
+            <p:nvGrpSpPr>
+              <p:cNvPr id="277" name="Grupo 276">
+                <a:extLst>
+                  <a:ext uri="{FF2B5EF4-FFF2-40B4-BE49-F238E27FC236}">
+                    <a16:creationId xmlns:a16="http://schemas.microsoft.com/office/drawing/2014/main" id="{4DEB260B-F214-3DF2-7795-80CAE97E6837}"/>
+                  </a:ext>
+                </a:extLst>
+              </p:cNvPr>
+              <p:cNvGrpSpPr/>
+              <p:nvPr/>
+            </p:nvGrpSpPr>
+            <p:grpSpPr>
+              <a:xfrm>
+                <a:off x="5290486" y="4220887"/>
+                <a:ext cx="1687571" cy="1517053"/>
+                <a:chOff x="5247354" y="1145591"/>
+                <a:chExt cx="1687571" cy="1517053"/>
+              </a:xfrm>
+            </p:grpSpPr>
+            <p:grpSp>
+              <p:nvGrpSpPr>
+                <p:cNvPr id="333" name="Grupo 332">
+                  <a:extLst>
+                    <a:ext uri="{FF2B5EF4-FFF2-40B4-BE49-F238E27FC236}">
+                      <a16:creationId xmlns:a16="http://schemas.microsoft.com/office/drawing/2014/main" id="{633F51A0-4E22-C2FE-CC1D-3EB3C9F3FF8A}"/>
+                    </a:ext>
+                  </a:extLst>
+                </p:cNvPr>
+                <p:cNvGrpSpPr/>
+                <p:nvPr/>
+              </p:nvGrpSpPr>
+              <p:grpSpPr>
+                <a:xfrm>
+                  <a:off x="5524069" y="1145591"/>
+                  <a:ext cx="1377815" cy="1300496"/>
+                  <a:chOff x="3049353" y="1205541"/>
+                  <a:chExt cx="1377815" cy="1300496"/>
+                </a:xfrm>
+              </p:grpSpPr>
+              <p:grpSp>
+                <p:nvGrpSpPr>
+                  <p:cNvPr id="337" name="Grupo 336">
+                    <a:extLst>
+                      <a:ext uri="{FF2B5EF4-FFF2-40B4-BE49-F238E27FC236}">
+                        <a16:creationId xmlns:a16="http://schemas.microsoft.com/office/drawing/2014/main" id="{0DAC899C-45C7-E27D-AB67-900F06C161EB}"/>
+                      </a:ext>
+                    </a:extLst>
+                  </p:cNvPr>
+                  <p:cNvGrpSpPr/>
+                  <p:nvPr/>
+                </p:nvGrpSpPr>
+                <p:grpSpPr>
+                  <a:xfrm>
+                    <a:off x="3109822" y="1249795"/>
+                    <a:ext cx="1249060" cy="1179611"/>
+                    <a:chOff x="701898" y="1249795"/>
+                    <a:chExt cx="1760662" cy="1959743"/>
+                  </a:xfrm>
+                </p:grpSpPr>
+                <p:sp>
+                  <p:nvSpPr>
+                    <p:cNvPr id="346" name="Elipse 345">
+                      <a:extLst>
+                        <a:ext uri="{FF2B5EF4-FFF2-40B4-BE49-F238E27FC236}">
+                          <a16:creationId xmlns:a16="http://schemas.microsoft.com/office/drawing/2014/main" id="{9EDFA9A5-0AC4-72F9-A010-506302323239}"/>
+                        </a:ext>
+                      </a:extLst>
+                    </p:cNvPr>
+                    <p:cNvSpPr/>
+                    <p:nvPr/>
+                  </p:nvSpPr>
+                  <p:spPr>
+                    <a:xfrm>
+                      <a:off x="2138958" y="1249795"/>
+                      <a:ext cx="154800" cy="157655"/>
+                    </a:xfrm>
+                    <a:prstGeom prst="ellipse">
+                      <a:avLst/>
+                    </a:prstGeom>
+                    <a:solidFill>
+                      <a:srgbClr val="FFC000"/>
+                    </a:solidFill>
+                    <a:ln>
+                      <a:solidFill>
+                        <a:srgbClr val="002060"/>
+                      </a:solidFill>
+                    </a:ln>
+                  </p:spPr>
+                  <p:style>
+                    <a:lnRef idx="2">
+                      <a:schemeClr val="accent1">
+                        <a:shade val="15000"/>
+                      </a:schemeClr>
+                    </a:lnRef>
+                    <a:fillRef idx="1">
+                      <a:schemeClr val="accent1"/>
+                    </a:fillRef>
+                    <a:effectRef idx="0">
+                      <a:schemeClr val="accent1"/>
+                    </a:effectRef>
+                    <a:fontRef idx="minor">
+                      <a:schemeClr val="lt1"/>
+                    </a:fontRef>
+                  </p:style>
+                  <p:txBody>
+                    <a:bodyPr rtlCol="0" anchor="ctr"/>
+                    <a:lstStyle/>
+                    <a:p>
+                      <a:pPr algn="ctr"/>
+                      <a:endParaRPr lang="es-ES"/>
+                    </a:p>
+                  </p:txBody>
+                </p:sp>
+                <p:sp>
+                  <p:nvSpPr>
+                    <p:cNvPr id="347" name="Elipse 346">
+                      <a:extLst>
+                        <a:ext uri="{FF2B5EF4-FFF2-40B4-BE49-F238E27FC236}">
+                          <a16:creationId xmlns:a16="http://schemas.microsoft.com/office/drawing/2014/main" id="{7CD991CC-DA8D-005F-60E0-988E35D57C28}"/>
+                        </a:ext>
+                      </a:extLst>
+                    </p:cNvPr>
+                    <p:cNvSpPr/>
+                    <p:nvPr/>
+                  </p:nvSpPr>
+                  <p:spPr>
+                    <a:xfrm>
+                      <a:off x="2307760" y="2364202"/>
+                      <a:ext cx="154800" cy="157655"/>
+                    </a:xfrm>
+                    <a:prstGeom prst="ellipse">
+                      <a:avLst/>
+                    </a:prstGeom>
+                    <a:solidFill>
+                      <a:srgbClr val="FFC000"/>
+                    </a:solidFill>
+                    <a:ln>
+                      <a:solidFill>
+                        <a:srgbClr val="002060"/>
+                      </a:solidFill>
+                    </a:ln>
+                  </p:spPr>
+                  <p:style>
+                    <a:lnRef idx="2">
+                      <a:schemeClr val="accent1">
+                        <a:shade val="15000"/>
+                      </a:schemeClr>
+                    </a:lnRef>
+                    <a:fillRef idx="1">
+                      <a:schemeClr val="accent1"/>
+                    </a:fillRef>
+                    <a:effectRef idx="0">
+                      <a:schemeClr val="accent1"/>
+                    </a:effectRef>
+                    <a:fontRef idx="minor">
+                      <a:schemeClr val="lt1"/>
+                    </a:fontRef>
+                  </p:style>
+                  <p:txBody>
+                    <a:bodyPr rtlCol="0" anchor="ctr"/>
+                    <a:lstStyle/>
+                    <a:p>
+                      <a:pPr algn="ctr"/>
+                      <a:endParaRPr lang="es-ES"/>
+                    </a:p>
+                  </p:txBody>
+                </p:sp>
+                <p:sp>
+                  <p:nvSpPr>
+                    <p:cNvPr id="348" name="Elipse 347">
+                      <a:extLst>
+                        <a:ext uri="{FF2B5EF4-FFF2-40B4-BE49-F238E27FC236}">
+                          <a16:creationId xmlns:a16="http://schemas.microsoft.com/office/drawing/2014/main" id="{791A4070-7C89-DB1B-8E9B-BDD7C34A9362}"/>
+                        </a:ext>
+                      </a:extLst>
+                    </p:cNvPr>
+                    <p:cNvSpPr/>
+                    <p:nvPr/>
+                  </p:nvSpPr>
+                  <p:spPr>
+                    <a:xfrm>
+                      <a:off x="701898" y="2379854"/>
+                      <a:ext cx="154800" cy="157655"/>
+                    </a:xfrm>
+                    <a:prstGeom prst="ellipse">
+                      <a:avLst/>
+                    </a:prstGeom>
+                    <a:solidFill>
+                      <a:srgbClr val="FFC000"/>
+                    </a:solidFill>
+                    <a:ln>
+                      <a:solidFill>
+                        <a:srgbClr val="002060"/>
+                      </a:solidFill>
+                    </a:ln>
+                  </p:spPr>
+                  <p:style>
+                    <a:lnRef idx="2">
+                      <a:schemeClr val="accent1">
+                        <a:shade val="15000"/>
+                      </a:schemeClr>
+                    </a:lnRef>
+                    <a:fillRef idx="1">
+                      <a:schemeClr val="accent1"/>
+                    </a:fillRef>
+                    <a:effectRef idx="0">
+                      <a:schemeClr val="accent1"/>
+                    </a:effectRef>
+                    <a:fontRef idx="minor">
+                      <a:schemeClr val="lt1"/>
+                    </a:fontRef>
+                  </p:style>
+                  <p:txBody>
+                    <a:bodyPr rtlCol="0" anchor="ctr"/>
+                    <a:lstStyle/>
+                    <a:p>
+                      <a:pPr algn="ctr"/>
+                      <a:endParaRPr lang="es-ES"/>
+                    </a:p>
+                  </p:txBody>
+                </p:sp>
+                <p:sp>
+                  <p:nvSpPr>
+                    <p:cNvPr id="349" name="Elipse 348">
+                      <a:extLst>
+                        <a:ext uri="{FF2B5EF4-FFF2-40B4-BE49-F238E27FC236}">
+                          <a16:creationId xmlns:a16="http://schemas.microsoft.com/office/drawing/2014/main" id="{2B7912F1-56D4-7B8D-F683-44907AD5E975}"/>
+                        </a:ext>
+                      </a:extLst>
+                    </p:cNvPr>
+                    <p:cNvSpPr/>
+                    <p:nvPr/>
+                  </p:nvSpPr>
+                  <p:spPr>
+                    <a:xfrm>
+                      <a:off x="1333348" y="2608030"/>
+                      <a:ext cx="154800" cy="157655"/>
+                    </a:xfrm>
+                    <a:prstGeom prst="ellipse">
+                      <a:avLst/>
+                    </a:prstGeom>
+                    <a:solidFill>
+                      <a:srgbClr val="FFC000"/>
+                    </a:solidFill>
+                    <a:ln>
+                      <a:solidFill>
+                        <a:srgbClr val="002060"/>
+                      </a:solidFill>
+                    </a:ln>
+                  </p:spPr>
+                  <p:style>
+                    <a:lnRef idx="2">
+                      <a:schemeClr val="accent1">
+                        <a:shade val="15000"/>
+                      </a:schemeClr>
+                    </a:lnRef>
+                    <a:fillRef idx="1">
+                      <a:schemeClr val="accent1"/>
+                    </a:fillRef>
+                    <a:effectRef idx="0">
+                      <a:schemeClr val="accent1"/>
+                    </a:effectRef>
+                    <a:fontRef idx="minor">
+                      <a:schemeClr val="lt1"/>
+                    </a:fontRef>
+                  </p:style>
+                  <p:txBody>
+                    <a:bodyPr rtlCol="0" anchor="ctr"/>
+                    <a:lstStyle/>
+                    <a:p>
+                      <a:pPr algn="ctr"/>
+                      <a:endParaRPr lang="es-ES"/>
+                    </a:p>
+                  </p:txBody>
+                </p:sp>
+                <p:sp>
+                  <p:nvSpPr>
+                    <p:cNvPr id="350" name="Elipse 349">
+                      <a:extLst>
+                        <a:ext uri="{FF2B5EF4-FFF2-40B4-BE49-F238E27FC236}">
+                          <a16:creationId xmlns:a16="http://schemas.microsoft.com/office/drawing/2014/main" id="{A175A6D8-3B0F-F37C-1365-58DF2FE2AB20}"/>
+                        </a:ext>
+                      </a:extLst>
+                    </p:cNvPr>
+                    <p:cNvSpPr/>
+                    <p:nvPr/>
+                  </p:nvSpPr>
+                  <p:spPr>
+                    <a:xfrm>
+                      <a:off x="2307760" y="2718926"/>
+                      <a:ext cx="154800" cy="157655"/>
+                    </a:xfrm>
+                    <a:prstGeom prst="ellipse">
+                      <a:avLst/>
+                    </a:prstGeom>
+                    <a:solidFill>
+                      <a:srgbClr val="FFC000"/>
+                    </a:solidFill>
+                    <a:ln>
+                      <a:solidFill>
+                        <a:srgbClr val="002060"/>
+                      </a:solidFill>
+                    </a:ln>
+                  </p:spPr>
+                  <p:style>
+                    <a:lnRef idx="2">
+                      <a:schemeClr val="accent1">
+                        <a:shade val="15000"/>
+                      </a:schemeClr>
+                    </a:lnRef>
+                    <a:fillRef idx="1">
+                      <a:schemeClr val="accent1"/>
+                    </a:fillRef>
+                    <a:effectRef idx="0">
+                      <a:schemeClr val="accent1"/>
+                    </a:effectRef>
+                    <a:fontRef idx="minor">
+                      <a:schemeClr val="lt1"/>
+                    </a:fontRef>
+                  </p:style>
+                  <p:txBody>
+                    <a:bodyPr rtlCol="0" anchor="ctr"/>
+                    <a:lstStyle/>
+                    <a:p>
+                      <a:pPr algn="ctr"/>
+                      <a:endParaRPr lang="es-ES"/>
+                    </a:p>
+                  </p:txBody>
+                </p:sp>
+                <p:sp>
+                  <p:nvSpPr>
+                    <p:cNvPr id="351" name="Elipse 350">
+                      <a:extLst>
+                        <a:ext uri="{FF2B5EF4-FFF2-40B4-BE49-F238E27FC236}">
+                          <a16:creationId xmlns:a16="http://schemas.microsoft.com/office/drawing/2014/main" id="{CB92B0AE-0E9B-0E9C-33F0-0FDF9C1BA6E7}"/>
+                        </a:ext>
+                      </a:extLst>
+                    </p:cNvPr>
+                    <p:cNvSpPr/>
+                    <p:nvPr/>
+                  </p:nvSpPr>
+                  <p:spPr>
+                    <a:xfrm>
+                      <a:off x="1039099" y="2056660"/>
+                      <a:ext cx="154800" cy="157655"/>
+                    </a:xfrm>
+                    <a:prstGeom prst="ellipse">
+                      <a:avLst/>
+                    </a:prstGeom>
+                    <a:solidFill>
+                      <a:srgbClr val="FFC000"/>
+                    </a:solidFill>
+                    <a:ln>
+                      <a:solidFill>
+                        <a:srgbClr val="002060"/>
+                      </a:solidFill>
+                    </a:ln>
+                  </p:spPr>
+                  <p:style>
+                    <a:lnRef idx="2">
+                      <a:schemeClr val="accent1">
+                        <a:shade val="15000"/>
+                      </a:schemeClr>
+                    </a:lnRef>
+                    <a:fillRef idx="1">
+                      <a:schemeClr val="accent1"/>
+                    </a:fillRef>
+                    <a:effectRef idx="0">
+                      <a:schemeClr val="accent1"/>
+                    </a:effectRef>
+                    <a:fontRef idx="minor">
+                      <a:schemeClr val="lt1"/>
+                    </a:fontRef>
+                  </p:style>
+                  <p:txBody>
+                    <a:bodyPr rtlCol="0" anchor="ctr"/>
+                    <a:lstStyle/>
+                    <a:p>
+                      <a:pPr algn="ctr"/>
+                      <a:endParaRPr lang="es-ES"/>
+                    </a:p>
+                  </p:txBody>
+                </p:sp>
+                <p:sp>
+                  <p:nvSpPr>
+                    <p:cNvPr id="352" name="Elipse 351">
+                      <a:extLst>
+                        <a:ext uri="{FF2B5EF4-FFF2-40B4-BE49-F238E27FC236}">
+                          <a16:creationId xmlns:a16="http://schemas.microsoft.com/office/drawing/2014/main" id="{971C13AA-90DE-28AF-9322-5E9B3B3DE957}"/>
+                        </a:ext>
+                      </a:extLst>
+                    </p:cNvPr>
+                    <p:cNvSpPr/>
+                    <p:nvPr/>
+                  </p:nvSpPr>
+                  <p:spPr>
+                    <a:xfrm>
+                      <a:off x="2200542" y="3051883"/>
+                      <a:ext cx="154800" cy="157655"/>
+                    </a:xfrm>
+                    <a:prstGeom prst="ellipse">
+                      <a:avLst/>
+                    </a:prstGeom>
+                    <a:solidFill>
+                      <a:srgbClr val="FFC000"/>
+                    </a:solidFill>
+                    <a:ln>
+                      <a:solidFill>
+                        <a:srgbClr val="002060"/>
+                      </a:solidFill>
+                    </a:ln>
+                  </p:spPr>
+                  <p:style>
+                    <a:lnRef idx="2">
+                      <a:schemeClr val="accent1">
+                        <a:shade val="15000"/>
+                      </a:schemeClr>
+                    </a:lnRef>
+                    <a:fillRef idx="1">
+                      <a:schemeClr val="accent1"/>
+                    </a:fillRef>
+                    <a:effectRef idx="0">
+                      <a:schemeClr val="accent1"/>
+                    </a:effectRef>
+                    <a:fontRef idx="minor">
+                      <a:schemeClr val="lt1"/>
+                    </a:fontRef>
+                  </p:style>
+                  <p:txBody>
+                    <a:bodyPr rtlCol="0" anchor="ctr"/>
+                    <a:lstStyle/>
+                    <a:p>
+                      <a:pPr algn="ctr"/>
+                      <a:endParaRPr lang="es-ES"/>
+                    </a:p>
+                  </p:txBody>
+                </p:sp>
+                <p:sp>
+                  <p:nvSpPr>
+                    <p:cNvPr id="353" name="Elipse 352">
+                      <a:extLst>
+                        <a:ext uri="{FF2B5EF4-FFF2-40B4-BE49-F238E27FC236}">
+                          <a16:creationId xmlns:a16="http://schemas.microsoft.com/office/drawing/2014/main" id="{3FC49E20-6A38-9521-8DA8-E18CB7C01843}"/>
+                        </a:ext>
+                      </a:extLst>
+                    </p:cNvPr>
+                    <p:cNvSpPr/>
+                    <p:nvPr/>
+                  </p:nvSpPr>
+                  <p:spPr>
+                    <a:xfrm>
+                      <a:off x="974135" y="2912673"/>
+                      <a:ext cx="154800" cy="157655"/>
+                    </a:xfrm>
+                    <a:prstGeom prst="ellipse">
+                      <a:avLst/>
+                    </a:prstGeom>
+                    <a:solidFill>
+                      <a:srgbClr val="FFC000"/>
+                    </a:solidFill>
+                    <a:ln>
+                      <a:solidFill>
+                        <a:srgbClr val="002060"/>
+                      </a:solidFill>
+                    </a:ln>
+                  </p:spPr>
+                  <p:style>
+                    <a:lnRef idx="2">
+                      <a:schemeClr val="accent1">
+                        <a:shade val="15000"/>
+                      </a:schemeClr>
+                    </a:lnRef>
+                    <a:fillRef idx="1">
+                      <a:schemeClr val="accent1"/>
+                    </a:fillRef>
+                    <a:effectRef idx="0">
+                      <a:schemeClr val="accent1"/>
+                    </a:effectRef>
+                    <a:fontRef idx="minor">
+                      <a:schemeClr val="lt1"/>
+                    </a:fontRef>
+                  </p:style>
+                  <p:txBody>
+                    <a:bodyPr rtlCol="0" anchor="ctr"/>
+                    <a:lstStyle/>
+                    <a:p>
+                      <a:pPr algn="ctr"/>
+                      <a:endParaRPr lang="es-ES"/>
+                    </a:p>
+                  </p:txBody>
+                </p:sp>
+              </p:grpSp>
+              <p:sp>
+                <p:nvSpPr>
+                  <p:cNvPr id="338" name="Elipse 337">
+                    <a:extLst>
+                      <a:ext uri="{FF2B5EF4-FFF2-40B4-BE49-F238E27FC236}">
+                        <a16:creationId xmlns:a16="http://schemas.microsoft.com/office/drawing/2014/main" id="{27619346-82DE-4FB5-7B46-2B7BD3DEB6EC}"/>
+                      </a:ext>
+                    </a:extLst>
+                  </p:cNvPr>
+                  <p:cNvSpPr/>
+                  <p:nvPr/>
+                </p:nvSpPr>
+                <p:spPr>
+                  <a:xfrm>
+                    <a:off x="3283180" y="1670768"/>
+                    <a:ext cx="241540" cy="224287"/>
+                  </a:xfrm>
+                  <a:prstGeom prst="ellipse">
+                    <a:avLst/>
+                  </a:prstGeom>
+                  <a:noFill/>
+                </p:spPr>
+                <p:style>
+                  <a:lnRef idx="2">
+                    <a:schemeClr val="accent6"/>
+                  </a:lnRef>
+                  <a:fillRef idx="1">
+                    <a:schemeClr val="lt1"/>
+                  </a:fillRef>
+                  <a:effectRef idx="0">
+                    <a:schemeClr val="accent6"/>
+                  </a:effectRef>
+                  <a:fontRef idx="minor">
+                    <a:schemeClr val="dk1"/>
+                  </a:fontRef>
+                </p:style>
+                <p:txBody>
+                  <a:bodyPr rtlCol="0" anchor="ctr"/>
+                  <a:lstStyle/>
+                  <a:p>
+                    <a:pPr algn="ctr"/>
+                    <a:endParaRPr lang="es-ES"/>
+                  </a:p>
+                </p:txBody>
+              </p:sp>
+              <p:sp>
+                <p:nvSpPr>
+                  <p:cNvPr id="339" name="Elipse 338">
+                    <a:extLst>
+                      <a:ext uri="{FF2B5EF4-FFF2-40B4-BE49-F238E27FC236}">
+                        <a16:creationId xmlns:a16="http://schemas.microsoft.com/office/drawing/2014/main" id="{5D80B4AB-10A6-EAD0-AEDA-0A169C178DAB}"/>
+                      </a:ext>
+                    </a:extLst>
+                  </p:cNvPr>
+                  <p:cNvSpPr/>
+                  <p:nvPr/>
+                </p:nvSpPr>
+                <p:spPr>
+                  <a:xfrm>
+                    <a:off x="4063449" y="1205541"/>
+                    <a:ext cx="241540" cy="224287"/>
+                  </a:xfrm>
+                  <a:prstGeom prst="ellipse">
+                    <a:avLst/>
+                  </a:prstGeom>
+                  <a:noFill/>
+                </p:spPr>
+                <p:style>
+                  <a:lnRef idx="2">
+                    <a:schemeClr val="accent6"/>
+                  </a:lnRef>
+                  <a:fillRef idx="1">
+                    <a:schemeClr val="lt1"/>
+                  </a:fillRef>
+                  <a:effectRef idx="0">
+                    <a:schemeClr val="accent6"/>
+                  </a:effectRef>
+                  <a:fontRef idx="minor">
+                    <a:schemeClr val="dk1"/>
+                  </a:fontRef>
+                </p:style>
+                <p:txBody>
+                  <a:bodyPr rtlCol="0" anchor="ctr"/>
+                  <a:lstStyle/>
+                  <a:p>
+                    <a:pPr algn="ctr"/>
+                    <a:endParaRPr lang="es-ES"/>
+                  </a:p>
+                </p:txBody>
+              </p:sp>
+              <p:sp>
+                <p:nvSpPr>
+                  <p:cNvPr id="340" name="Elipse 339">
+                    <a:extLst>
+                      <a:ext uri="{FF2B5EF4-FFF2-40B4-BE49-F238E27FC236}">
+                        <a16:creationId xmlns:a16="http://schemas.microsoft.com/office/drawing/2014/main" id="{C08F9536-9EB3-F2F4-D64A-B740E7052897}"/>
+                      </a:ext>
+                    </a:extLst>
+                  </p:cNvPr>
+                  <p:cNvSpPr/>
+                  <p:nvPr/>
+                </p:nvSpPr>
+                <p:spPr>
+                  <a:xfrm>
+                    <a:off x="3496124" y="2008172"/>
+                    <a:ext cx="241540" cy="224287"/>
+                  </a:xfrm>
+                  <a:prstGeom prst="ellipse">
+                    <a:avLst/>
+                  </a:prstGeom>
+                  <a:noFill/>
+                </p:spPr>
+                <p:style>
+                  <a:lnRef idx="2">
+                    <a:schemeClr val="accent6"/>
+                  </a:lnRef>
+                  <a:fillRef idx="1">
+                    <a:schemeClr val="lt1"/>
+                  </a:fillRef>
+                  <a:effectRef idx="0">
+                    <a:schemeClr val="accent6"/>
+                  </a:effectRef>
+                  <a:fontRef idx="minor">
+                    <a:schemeClr val="dk1"/>
+                  </a:fontRef>
+                </p:style>
+                <p:txBody>
+                  <a:bodyPr rtlCol="0" anchor="ctr"/>
+                  <a:lstStyle/>
+                  <a:p>
+                    <a:pPr algn="ctr"/>
+                    <a:endParaRPr lang="es-ES"/>
+                  </a:p>
+                </p:txBody>
+              </p:sp>
+              <p:sp>
+                <p:nvSpPr>
+                  <p:cNvPr id="341" name="Elipse 340">
+                    <a:extLst>
+                      <a:ext uri="{FF2B5EF4-FFF2-40B4-BE49-F238E27FC236}">
+                        <a16:creationId xmlns:a16="http://schemas.microsoft.com/office/drawing/2014/main" id="{CFC9E265-94F3-0C2E-AFAA-A1B7A954EA43}"/>
+                      </a:ext>
+                    </a:extLst>
+                  </p:cNvPr>
+                  <p:cNvSpPr/>
+                  <p:nvPr/>
+                </p:nvSpPr>
+                <p:spPr>
+                  <a:xfrm>
+                    <a:off x="4185628" y="2069400"/>
+                    <a:ext cx="241540" cy="224287"/>
+                  </a:xfrm>
+                  <a:prstGeom prst="ellipse">
+                    <a:avLst/>
+                  </a:prstGeom>
+                  <a:noFill/>
+                </p:spPr>
+                <p:style>
+                  <a:lnRef idx="2">
+                    <a:schemeClr val="accent6"/>
+                  </a:lnRef>
+                  <a:fillRef idx="1">
+                    <a:schemeClr val="lt1"/>
+                  </a:fillRef>
+                  <a:effectRef idx="0">
+                    <a:schemeClr val="accent6"/>
+                  </a:effectRef>
+                  <a:fontRef idx="minor">
+                    <a:schemeClr val="dk1"/>
+                  </a:fontRef>
+                </p:style>
+                <p:txBody>
+                  <a:bodyPr rtlCol="0" anchor="ctr"/>
+                  <a:lstStyle/>
+                  <a:p>
+                    <a:pPr algn="ctr"/>
+                    <a:endParaRPr lang="es-ES"/>
+                  </a:p>
+                </p:txBody>
+              </p:sp>
+              <p:sp>
+                <p:nvSpPr>
+                  <p:cNvPr id="342" name="Elipse 341">
+                    <a:extLst>
+                      <a:ext uri="{FF2B5EF4-FFF2-40B4-BE49-F238E27FC236}">
+                        <a16:creationId xmlns:a16="http://schemas.microsoft.com/office/drawing/2014/main" id="{91832769-09F3-AB7E-2936-2DA61ECD359C}"/>
+                      </a:ext>
+                    </a:extLst>
+                  </p:cNvPr>
+                  <p:cNvSpPr/>
+                  <p:nvPr/>
+                </p:nvSpPr>
+                <p:spPr>
+                  <a:xfrm>
+                    <a:off x="4183202" y="1857050"/>
+                    <a:ext cx="241540" cy="224287"/>
+                  </a:xfrm>
+                  <a:prstGeom prst="ellipse">
+                    <a:avLst/>
+                  </a:prstGeom>
+                  <a:noFill/>
+                </p:spPr>
+                <p:style>
+                  <a:lnRef idx="2">
+                    <a:schemeClr val="accent6"/>
+                  </a:lnRef>
+                  <a:fillRef idx="1">
+                    <a:schemeClr val="lt1"/>
+                  </a:fillRef>
+                  <a:effectRef idx="0">
+                    <a:schemeClr val="accent6"/>
+                  </a:effectRef>
+                  <a:fontRef idx="minor">
+                    <a:schemeClr val="dk1"/>
+                  </a:fontRef>
+                </p:style>
+                <p:txBody>
+                  <a:bodyPr rtlCol="0" anchor="ctr"/>
+                  <a:lstStyle/>
+                  <a:p>
+                    <a:pPr algn="ctr"/>
+                    <a:endParaRPr lang="es-ES"/>
+                  </a:p>
+                </p:txBody>
+              </p:sp>
+              <p:sp>
+                <p:nvSpPr>
+                  <p:cNvPr id="343" name="Elipse 342">
+                    <a:extLst>
+                      <a:ext uri="{FF2B5EF4-FFF2-40B4-BE49-F238E27FC236}">
+                        <a16:creationId xmlns:a16="http://schemas.microsoft.com/office/drawing/2014/main" id="{F56154D6-FB5C-A55D-C635-A6B6ED592E7B}"/>
+                      </a:ext>
+                    </a:extLst>
+                  </p:cNvPr>
+                  <p:cNvSpPr/>
+                  <p:nvPr/>
+                </p:nvSpPr>
+                <p:spPr>
+                  <a:xfrm>
+                    <a:off x="3049353" y="1874391"/>
+                    <a:ext cx="241540" cy="224287"/>
+                  </a:xfrm>
+                  <a:prstGeom prst="ellipse">
+                    <a:avLst/>
+                  </a:prstGeom>
+                  <a:noFill/>
+                </p:spPr>
+                <p:style>
+                  <a:lnRef idx="2">
+                    <a:schemeClr val="accent6"/>
+                  </a:lnRef>
+                  <a:fillRef idx="1">
+                    <a:schemeClr val="lt1"/>
+                  </a:fillRef>
+                  <a:effectRef idx="0">
+                    <a:schemeClr val="accent6"/>
+                  </a:effectRef>
+                  <a:fontRef idx="minor">
+                    <a:schemeClr val="dk1"/>
+                  </a:fontRef>
+                </p:style>
+                <p:txBody>
+                  <a:bodyPr rtlCol="0" anchor="ctr"/>
+                  <a:lstStyle/>
+                  <a:p>
+                    <a:pPr algn="ctr"/>
+                    <a:endParaRPr lang="es-ES"/>
+                  </a:p>
+                </p:txBody>
+              </p:sp>
+              <p:sp>
+                <p:nvSpPr>
+                  <p:cNvPr id="344" name="Elipse 343">
+                    <a:extLst>
+                      <a:ext uri="{FF2B5EF4-FFF2-40B4-BE49-F238E27FC236}">
+                        <a16:creationId xmlns:a16="http://schemas.microsoft.com/office/drawing/2014/main" id="{3DBCA1E8-C4E7-3B31-D5C7-73ECCC520699}"/>
+                      </a:ext>
+                    </a:extLst>
+                  </p:cNvPr>
+                  <p:cNvSpPr/>
+                  <p:nvPr/>
+                </p:nvSpPr>
+                <p:spPr>
+                  <a:xfrm>
+                    <a:off x="4107139" y="2281750"/>
+                    <a:ext cx="241540" cy="224287"/>
+                  </a:xfrm>
+                  <a:prstGeom prst="ellipse">
+                    <a:avLst/>
+                  </a:prstGeom>
+                  <a:noFill/>
+                </p:spPr>
+                <p:style>
+                  <a:lnRef idx="2">
+                    <a:schemeClr val="accent6"/>
+                  </a:lnRef>
+                  <a:fillRef idx="1">
+                    <a:schemeClr val="lt1"/>
+                  </a:fillRef>
+                  <a:effectRef idx="0">
+                    <a:schemeClr val="accent6"/>
+                  </a:effectRef>
+                  <a:fontRef idx="minor">
+                    <a:schemeClr val="dk1"/>
+                  </a:fontRef>
+                </p:style>
+                <p:txBody>
+                  <a:bodyPr rtlCol="0" anchor="ctr"/>
+                  <a:lstStyle/>
+                  <a:p>
+                    <a:pPr algn="ctr"/>
+                    <a:endParaRPr lang="es-ES"/>
+                  </a:p>
+                </p:txBody>
+              </p:sp>
+              <p:sp>
+                <p:nvSpPr>
+                  <p:cNvPr id="345" name="Elipse 344">
+                    <a:extLst>
+                      <a:ext uri="{FF2B5EF4-FFF2-40B4-BE49-F238E27FC236}">
+                        <a16:creationId xmlns:a16="http://schemas.microsoft.com/office/drawing/2014/main" id="{D276822D-89E4-B749-4646-1CB06954C3A4}"/>
+                      </a:ext>
+                    </a:extLst>
+                  </p:cNvPr>
+                  <p:cNvSpPr/>
+                  <p:nvPr/>
+                </p:nvSpPr>
+                <p:spPr>
+                  <a:xfrm>
+                    <a:off x="3247296" y="2189231"/>
+                    <a:ext cx="241540" cy="224287"/>
+                  </a:xfrm>
+                  <a:prstGeom prst="ellipse">
+                    <a:avLst/>
+                  </a:prstGeom>
+                  <a:noFill/>
+                </p:spPr>
+                <p:style>
+                  <a:lnRef idx="2">
+                    <a:schemeClr val="accent6"/>
+                  </a:lnRef>
+                  <a:fillRef idx="1">
+                    <a:schemeClr val="lt1"/>
+                  </a:fillRef>
+                  <a:effectRef idx="0">
+                    <a:schemeClr val="accent6"/>
+                  </a:effectRef>
+                  <a:fontRef idx="minor">
+                    <a:schemeClr val="dk1"/>
+                  </a:fontRef>
+                </p:style>
+                <p:txBody>
+                  <a:bodyPr rtlCol="0" anchor="ctr"/>
+                  <a:lstStyle/>
+                  <a:p>
+                    <a:pPr algn="ctr"/>
+                    <a:endParaRPr lang="es-ES"/>
+                  </a:p>
+                </p:txBody>
+              </p:sp>
+            </p:grpSp>
+            <p:sp>
+              <p:nvSpPr>
+                <p:cNvPr id="334" name="Elipse 333">
+                  <a:extLst>
+                    <a:ext uri="{FF2B5EF4-FFF2-40B4-BE49-F238E27FC236}">
+                      <a16:creationId xmlns:a16="http://schemas.microsoft.com/office/drawing/2014/main" id="{CF686CC1-7E0D-FEC3-1B32-D9CADB0FEDF6}"/>
+                    </a:ext>
+                  </a:extLst>
+                </p:cNvPr>
+                <p:cNvSpPr/>
+                <p:nvPr/>
+              </p:nvSpPr>
+              <p:spPr>
+                <a:xfrm rot="19321757">
+                  <a:off x="5467481" y="1983574"/>
+                  <a:ext cx="1018471" cy="370936"/>
+                </a:xfrm>
+                <a:prstGeom prst="ellipse">
+                  <a:avLst/>
+                </a:prstGeom>
+                <a:noFill/>
+                <a:ln>
+                  <a:solidFill>
+                    <a:srgbClr val="FF0000"/>
+                  </a:solidFill>
+                </a:ln>
+              </p:spPr>
+              <p:style>
+                <a:lnRef idx="2">
+                  <a:schemeClr val="accent1">
+                    <a:shade val="15000"/>
+                  </a:schemeClr>
+                </a:lnRef>
+                <a:fillRef idx="1">
+                  <a:schemeClr val="accent1"/>
+                </a:fillRef>
+                <a:effectRef idx="0">
+                  <a:schemeClr val="accent1"/>
+                </a:effectRef>
+                <a:fontRef idx="minor">
+                  <a:schemeClr val="lt1"/>
+                </a:fontRef>
+              </p:style>
+              <p:txBody>
+                <a:bodyPr rtlCol="0" anchor="ctr"/>
+                <a:lstStyle/>
+                <a:p>
+                  <a:pPr algn="ctr"/>
+                  <a:endParaRPr lang="es-ES"/>
+                </a:p>
+              </p:txBody>
+            </p:sp>
+            <p:sp>
+              <p:nvSpPr>
+                <p:cNvPr id="335" name="Elipse 334">
+                  <a:extLst>
+                    <a:ext uri="{FF2B5EF4-FFF2-40B4-BE49-F238E27FC236}">
+                      <a16:creationId xmlns:a16="http://schemas.microsoft.com/office/drawing/2014/main" id="{1E8B3531-2545-B86B-6E40-90AF332D9DC4}"/>
+                    </a:ext>
+                  </a:extLst>
+                </p:cNvPr>
+                <p:cNvSpPr/>
+                <p:nvPr/>
+              </p:nvSpPr>
+              <p:spPr>
+                <a:xfrm rot="17448148">
+                  <a:off x="6216480" y="1944198"/>
+                  <a:ext cx="1056684" cy="380207"/>
+                </a:xfrm>
+                <a:prstGeom prst="ellipse">
+                  <a:avLst/>
+                </a:prstGeom>
+                <a:noFill/>
+                <a:ln>
+                  <a:solidFill>
+                    <a:srgbClr val="FF0000"/>
+                  </a:solidFill>
+                </a:ln>
+              </p:spPr>
+              <p:style>
+                <a:lnRef idx="2">
+                  <a:schemeClr val="accent1">
+                    <a:shade val="15000"/>
+                  </a:schemeClr>
+                </a:lnRef>
+                <a:fillRef idx="1">
+                  <a:schemeClr val="accent1"/>
+                </a:fillRef>
+                <a:effectRef idx="0">
+                  <a:schemeClr val="accent1"/>
+                </a:effectRef>
+                <a:fontRef idx="minor">
+                  <a:schemeClr val="lt1"/>
+                </a:fontRef>
+              </p:style>
+              <p:txBody>
+                <a:bodyPr rtlCol="0" anchor="ctr"/>
+                <a:lstStyle/>
+                <a:p>
+                  <a:pPr algn="ctr"/>
+                  <a:endParaRPr lang="es-ES"/>
+                </a:p>
+              </p:txBody>
+            </p:sp>
+            <p:sp>
+              <p:nvSpPr>
+                <p:cNvPr id="336" name="Elipse 335">
+                  <a:extLst>
+                    <a:ext uri="{FF2B5EF4-FFF2-40B4-BE49-F238E27FC236}">
+                      <a16:creationId xmlns:a16="http://schemas.microsoft.com/office/drawing/2014/main" id="{1C34CEB5-254C-A817-7FD0-1CF067EA2B03}"/>
+                    </a:ext>
+                  </a:extLst>
+                </p:cNvPr>
+                <p:cNvSpPr/>
+                <p:nvPr/>
+              </p:nvSpPr>
+              <p:spPr>
+                <a:xfrm rot="19321757">
+                  <a:off x="5247354" y="1596122"/>
+                  <a:ext cx="1018471" cy="408812"/>
+                </a:xfrm>
+                <a:prstGeom prst="ellipse">
+                  <a:avLst/>
+                </a:prstGeom>
+                <a:noFill/>
+                <a:ln>
+                  <a:solidFill>
+                    <a:srgbClr val="FF0000"/>
+                  </a:solidFill>
+                </a:ln>
+              </p:spPr>
+              <p:style>
+                <a:lnRef idx="2">
+                  <a:schemeClr val="accent1">
+                    <a:shade val="15000"/>
+                  </a:schemeClr>
+                </a:lnRef>
+                <a:fillRef idx="1">
+                  <a:schemeClr val="accent1"/>
+                </a:fillRef>
+                <a:effectRef idx="0">
+                  <a:schemeClr val="accent1"/>
+                </a:effectRef>
+                <a:fontRef idx="minor">
+                  <a:schemeClr val="lt1"/>
+                </a:fontRef>
+              </p:style>
+              <p:txBody>
+                <a:bodyPr rtlCol="0" anchor="ctr"/>
+                <a:lstStyle/>
+                <a:p>
+                  <a:pPr algn="ctr"/>
+                  <a:endParaRPr lang="es-ES"/>
+                </a:p>
+              </p:txBody>
+            </p:sp>
+          </p:grpSp>
+          <p:grpSp>
+            <p:nvGrpSpPr>
+              <p:cNvPr id="278" name="Grupo 277">
+                <a:extLst>
+                  <a:ext uri="{FF2B5EF4-FFF2-40B4-BE49-F238E27FC236}">
+                    <a16:creationId xmlns:a16="http://schemas.microsoft.com/office/drawing/2014/main" id="{26E639E9-01B7-9E41-0BBF-DD90D35C1D21}"/>
+                  </a:ext>
+                </a:extLst>
+              </p:cNvPr>
+              <p:cNvGrpSpPr/>
+              <p:nvPr/>
+            </p:nvGrpSpPr>
+            <p:grpSpPr>
+              <a:xfrm>
+                <a:off x="2672011" y="4214273"/>
+                <a:ext cx="1873036" cy="1686425"/>
+                <a:chOff x="7659568" y="1009291"/>
+                <a:chExt cx="1873036" cy="1686425"/>
+              </a:xfrm>
+            </p:grpSpPr>
+            <p:grpSp>
+              <p:nvGrpSpPr>
+                <p:cNvPr id="310" name="Grupo 309">
+                  <a:extLst>
+                    <a:ext uri="{FF2B5EF4-FFF2-40B4-BE49-F238E27FC236}">
+                      <a16:creationId xmlns:a16="http://schemas.microsoft.com/office/drawing/2014/main" id="{94E73E76-43B3-6E1E-6394-78E9D05A46A5}"/>
+                    </a:ext>
+                  </a:extLst>
+                </p:cNvPr>
+                <p:cNvGrpSpPr/>
+                <p:nvPr/>
+              </p:nvGrpSpPr>
+              <p:grpSpPr>
+                <a:xfrm>
+                  <a:off x="7659568" y="1102103"/>
+                  <a:ext cx="1687571" cy="1517053"/>
+                  <a:chOff x="5247354" y="1145591"/>
+                  <a:chExt cx="1687571" cy="1517053"/>
+                </a:xfrm>
+              </p:grpSpPr>
+              <p:grpSp>
+                <p:nvGrpSpPr>
+                  <p:cNvPr id="312" name="Grupo 311">
+                    <a:extLst>
+                      <a:ext uri="{FF2B5EF4-FFF2-40B4-BE49-F238E27FC236}">
+                        <a16:creationId xmlns:a16="http://schemas.microsoft.com/office/drawing/2014/main" id="{992AAA42-79CC-F855-001A-3C1B344A73BE}"/>
+                      </a:ext>
+                    </a:extLst>
+                  </p:cNvPr>
+                  <p:cNvGrpSpPr/>
+                  <p:nvPr/>
+                </p:nvGrpSpPr>
+                <p:grpSpPr>
+                  <a:xfrm>
+                    <a:off x="5524069" y="1145591"/>
+                    <a:ext cx="1377815" cy="1300496"/>
+                    <a:chOff x="3049353" y="1205541"/>
+                    <a:chExt cx="1377815" cy="1300496"/>
+                  </a:xfrm>
+                </p:grpSpPr>
+                <p:grpSp>
+                  <p:nvGrpSpPr>
+                    <p:cNvPr id="316" name="Grupo 315">
+                      <a:extLst>
+                        <a:ext uri="{FF2B5EF4-FFF2-40B4-BE49-F238E27FC236}">
+                          <a16:creationId xmlns:a16="http://schemas.microsoft.com/office/drawing/2014/main" id="{A47C9769-29C8-82F9-7C7D-345516173D48}"/>
+                        </a:ext>
+                      </a:extLst>
+                    </p:cNvPr>
+                    <p:cNvGrpSpPr/>
+                    <p:nvPr/>
+                  </p:nvGrpSpPr>
+                  <p:grpSpPr>
+                    <a:xfrm>
+                      <a:off x="3109822" y="1249795"/>
+                      <a:ext cx="1249060" cy="1179611"/>
+                      <a:chOff x="701898" y="1249795"/>
+                      <a:chExt cx="1760662" cy="1959743"/>
+                    </a:xfrm>
+                  </p:grpSpPr>
+                  <p:sp>
+                    <p:nvSpPr>
+                      <p:cNvPr id="325" name="Elipse 324">
+                        <a:extLst>
+                          <a:ext uri="{FF2B5EF4-FFF2-40B4-BE49-F238E27FC236}">
+                            <a16:creationId xmlns:a16="http://schemas.microsoft.com/office/drawing/2014/main" id="{ADBDA4AD-15EC-3B7D-AE4F-40E84C4FA82F}"/>
+                          </a:ext>
+                        </a:extLst>
+                      </p:cNvPr>
+                      <p:cNvSpPr/>
+                      <p:nvPr/>
+                    </p:nvSpPr>
+                    <p:spPr>
+                      <a:xfrm>
+                        <a:off x="2260555" y="1249795"/>
+                        <a:ext cx="154800" cy="157655"/>
+                      </a:xfrm>
+                      <a:prstGeom prst="ellipse">
+                        <a:avLst/>
+                      </a:prstGeom>
+                      <a:solidFill>
+                        <a:srgbClr val="FFC000"/>
+                      </a:solidFill>
+                      <a:ln>
+                        <a:solidFill>
+                          <a:srgbClr val="002060"/>
+                        </a:solidFill>
+                      </a:ln>
+                    </p:spPr>
+                    <p:style>
+                      <a:lnRef idx="2">
+                        <a:schemeClr val="accent1">
+                          <a:shade val="15000"/>
+                        </a:schemeClr>
+                      </a:lnRef>
+                      <a:fillRef idx="1">
+                        <a:schemeClr val="accent1"/>
+                      </a:fillRef>
+                      <a:effectRef idx="0">
+                        <a:schemeClr val="accent1"/>
+                      </a:effectRef>
+                      <a:fontRef idx="minor">
+                        <a:schemeClr val="lt1"/>
+                      </a:fontRef>
+                    </p:style>
+                    <p:txBody>
+                      <a:bodyPr rtlCol="0" anchor="ctr"/>
+                      <a:lstStyle/>
+                      <a:p>
+                        <a:pPr algn="ctr"/>
+                        <a:endParaRPr lang="es-ES"/>
+                      </a:p>
+                    </p:txBody>
+                  </p:sp>
+                  <p:sp>
+                    <p:nvSpPr>
+                      <p:cNvPr id="326" name="Elipse 325">
+                        <a:extLst>
+                          <a:ext uri="{FF2B5EF4-FFF2-40B4-BE49-F238E27FC236}">
+                            <a16:creationId xmlns:a16="http://schemas.microsoft.com/office/drawing/2014/main" id="{13D08D3F-9D72-BC63-77E7-C6999571C0B7}"/>
+                          </a:ext>
+                        </a:extLst>
+                      </p:cNvPr>
+                      <p:cNvSpPr/>
+                      <p:nvPr/>
+                    </p:nvSpPr>
+                    <p:spPr>
+                      <a:xfrm>
+                        <a:off x="2307760" y="2364202"/>
+                        <a:ext cx="154800" cy="157655"/>
+                      </a:xfrm>
+                      <a:prstGeom prst="ellipse">
+                        <a:avLst/>
+                      </a:prstGeom>
+                      <a:solidFill>
+                        <a:srgbClr val="FFC000"/>
+                      </a:solidFill>
+                      <a:ln>
+                        <a:solidFill>
+                          <a:srgbClr val="002060"/>
+                        </a:solidFill>
+                      </a:ln>
+                    </p:spPr>
+                    <p:style>
+                      <a:lnRef idx="2">
+                        <a:schemeClr val="accent1">
+                          <a:shade val="15000"/>
+                        </a:schemeClr>
+                      </a:lnRef>
+                      <a:fillRef idx="1">
+                        <a:schemeClr val="accent1"/>
+                      </a:fillRef>
+                      <a:effectRef idx="0">
+                        <a:schemeClr val="accent1"/>
+                      </a:effectRef>
+                      <a:fontRef idx="minor">
+                        <a:schemeClr val="lt1"/>
+                      </a:fontRef>
+                    </p:style>
+                    <p:txBody>
+                      <a:bodyPr rtlCol="0" anchor="ctr"/>
+                      <a:lstStyle/>
+                      <a:p>
+                        <a:pPr algn="ctr"/>
+                        <a:endParaRPr lang="es-ES"/>
+                      </a:p>
+                    </p:txBody>
+                  </p:sp>
+                  <p:sp>
+                    <p:nvSpPr>
+                      <p:cNvPr id="327" name="Elipse 326">
+                        <a:extLst>
+                          <a:ext uri="{FF2B5EF4-FFF2-40B4-BE49-F238E27FC236}">
+                            <a16:creationId xmlns:a16="http://schemas.microsoft.com/office/drawing/2014/main" id="{8B33D729-8002-8092-85F0-8415E3C6884F}"/>
+                          </a:ext>
+                        </a:extLst>
+                      </p:cNvPr>
+                      <p:cNvSpPr/>
+                      <p:nvPr/>
+                    </p:nvSpPr>
+                    <p:spPr>
+                      <a:xfrm>
+                        <a:off x="701898" y="2379854"/>
+                        <a:ext cx="154800" cy="157655"/>
+                      </a:xfrm>
+                      <a:prstGeom prst="ellipse">
+                        <a:avLst/>
+                      </a:prstGeom>
+                      <a:solidFill>
+                        <a:srgbClr val="FFC000"/>
+                      </a:solidFill>
+                      <a:ln>
+                        <a:solidFill>
+                          <a:srgbClr val="002060"/>
+                        </a:solidFill>
+                      </a:ln>
+                    </p:spPr>
+                    <p:style>
+                      <a:lnRef idx="2">
+                        <a:schemeClr val="accent1">
+                          <a:shade val="15000"/>
+                        </a:schemeClr>
+                      </a:lnRef>
+                      <a:fillRef idx="1">
+                        <a:schemeClr val="accent1"/>
+                      </a:fillRef>
+                      <a:effectRef idx="0">
+                        <a:schemeClr val="accent1"/>
+                      </a:effectRef>
+                      <a:fontRef idx="minor">
+                        <a:schemeClr val="lt1"/>
+                      </a:fontRef>
+                    </p:style>
+                    <p:txBody>
+                      <a:bodyPr rtlCol="0" anchor="ctr"/>
+                      <a:lstStyle/>
+                      <a:p>
+                        <a:pPr algn="ctr"/>
+                        <a:endParaRPr lang="es-ES"/>
+                      </a:p>
+                    </p:txBody>
+                  </p:sp>
+                  <p:sp>
+                    <p:nvSpPr>
+                      <p:cNvPr id="328" name="Elipse 327">
+                        <a:extLst>
+                          <a:ext uri="{FF2B5EF4-FFF2-40B4-BE49-F238E27FC236}">
+                            <a16:creationId xmlns:a16="http://schemas.microsoft.com/office/drawing/2014/main" id="{8865BD1C-3A49-505C-AE66-DD6EAFBA008A}"/>
+                          </a:ext>
+                        </a:extLst>
+                      </p:cNvPr>
+                      <p:cNvSpPr/>
+                      <p:nvPr/>
+                    </p:nvSpPr>
+                    <p:spPr>
+                      <a:xfrm>
+                        <a:off x="1333348" y="2608030"/>
+                        <a:ext cx="154800" cy="157655"/>
+                      </a:xfrm>
+                      <a:prstGeom prst="ellipse">
+                        <a:avLst/>
+                      </a:prstGeom>
+                      <a:solidFill>
+                        <a:srgbClr val="FFC000"/>
+                      </a:solidFill>
+                      <a:ln>
+                        <a:solidFill>
+                          <a:srgbClr val="002060"/>
+                        </a:solidFill>
+                      </a:ln>
+                    </p:spPr>
+                    <p:style>
+                      <a:lnRef idx="2">
+                        <a:schemeClr val="accent1">
+                          <a:shade val="15000"/>
+                        </a:schemeClr>
+                      </a:lnRef>
+                      <a:fillRef idx="1">
+                        <a:schemeClr val="accent1"/>
+                      </a:fillRef>
+                      <a:effectRef idx="0">
+                        <a:schemeClr val="accent1"/>
+                      </a:effectRef>
+                      <a:fontRef idx="minor">
+                        <a:schemeClr val="lt1"/>
+                      </a:fontRef>
+                    </p:style>
+                    <p:txBody>
+                      <a:bodyPr rtlCol="0" anchor="ctr"/>
+                      <a:lstStyle/>
+                      <a:p>
+                        <a:pPr algn="ctr"/>
+                        <a:endParaRPr lang="es-ES"/>
+                      </a:p>
+                    </p:txBody>
+                  </p:sp>
+                  <p:sp>
+                    <p:nvSpPr>
+                      <p:cNvPr id="329" name="Elipse 328">
+                        <a:extLst>
+                          <a:ext uri="{FF2B5EF4-FFF2-40B4-BE49-F238E27FC236}">
+                            <a16:creationId xmlns:a16="http://schemas.microsoft.com/office/drawing/2014/main" id="{ACB78534-E464-D79C-FFC4-55A59264E704}"/>
+                          </a:ext>
+                        </a:extLst>
+                      </p:cNvPr>
+                      <p:cNvSpPr/>
+                      <p:nvPr/>
+                    </p:nvSpPr>
+                    <p:spPr>
+                      <a:xfrm>
+                        <a:off x="2307760" y="2718926"/>
+                        <a:ext cx="154800" cy="157655"/>
+                      </a:xfrm>
+                      <a:prstGeom prst="ellipse">
+                        <a:avLst/>
+                      </a:prstGeom>
+                      <a:solidFill>
+                        <a:srgbClr val="FFC000"/>
+                      </a:solidFill>
+                      <a:ln>
+                        <a:solidFill>
+                          <a:srgbClr val="002060"/>
+                        </a:solidFill>
+                      </a:ln>
+                    </p:spPr>
+                    <p:style>
+                      <a:lnRef idx="2">
+                        <a:schemeClr val="accent1">
+                          <a:shade val="15000"/>
+                        </a:schemeClr>
+                      </a:lnRef>
+                      <a:fillRef idx="1">
+                        <a:schemeClr val="accent1"/>
+                      </a:fillRef>
+                      <a:effectRef idx="0">
+                        <a:schemeClr val="accent1"/>
+                      </a:effectRef>
+                      <a:fontRef idx="minor">
+                        <a:schemeClr val="lt1"/>
+                      </a:fontRef>
+                    </p:style>
+                    <p:txBody>
+                      <a:bodyPr rtlCol="0" anchor="ctr"/>
+                      <a:lstStyle/>
+                      <a:p>
+                        <a:pPr algn="ctr"/>
+                        <a:endParaRPr lang="es-ES"/>
+                      </a:p>
+                    </p:txBody>
+                  </p:sp>
+                  <p:sp>
+                    <p:nvSpPr>
+                      <p:cNvPr id="330" name="Elipse 329">
+                        <a:extLst>
+                          <a:ext uri="{FF2B5EF4-FFF2-40B4-BE49-F238E27FC236}">
+                            <a16:creationId xmlns:a16="http://schemas.microsoft.com/office/drawing/2014/main" id="{07E1FFE7-579C-5339-5F77-83CD9DDFFE0D}"/>
+                          </a:ext>
+                        </a:extLst>
+                      </p:cNvPr>
+                      <p:cNvSpPr/>
+                      <p:nvPr/>
+                    </p:nvSpPr>
+                    <p:spPr>
+                      <a:xfrm>
+                        <a:off x="1039099" y="2056660"/>
+                        <a:ext cx="154800" cy="157655"/>
+                      </a:xfrm>
+                      <a:prstGeom prst="ellipse">
+                        <a:avLst/>
+                      </a:prstGeom>
+                      <a:solidFill>
+                        <a:srgbClr val="FFC000"/>
+                      </a:solidFill>
+                      <a:ln>
+                        <a:solidFill>
+                          <a:srgbClr val="002060"/>
+                        </a:solidFill>
+                      </a:ln>
+                    </p:spPr>
+                    <p:style>
+                      <a:lnRef idx="2">
+                        <a:schemeClr val="accent1">
+                          <a:shade val="15000"/>
+                        </a:schemeClr>
+                      </a:lnRef>
+                      <a:fillRef idx="1">
+                        <a:schemeClr val="accent1"/>
+                      </a:fillRef>
+                      <a:effectRef idx="0">
+                        <a:schemeClr val="accent1"/>
+                      </a:effectRef>
+                      <a:fontRef idx="minor">
+                        <a:schemeClr val="lt1"/>
+                      </a:fontRef>
+                    </p:style>
+                    <p:txBody>
+                      <a:bodyPr rtlCol="0" anchor="ctr"/>
+                      <a:lstStyle/>
+                      <a:p>
+                        <a:pPr algn="ctr"/>
+                        <a:endParaRPr lang="es-ES"/>
+                      </a:p>
+                    </p:txBody>
+                  </p:sp>
+                  <p:sp>
+                    <p:nvSpPr>
+                      <p:cNvPr id="331" name="Elipse 330">
+                        <a:extLst>
+                          <a:ext uri="{FF2B5EF4-FFF2-40B4-BE49-F238E27FC236}">
+                            <a16:creationId xmlns:a16="http://schemas.microsoft.com/office/drawing/2014/main" id="{0A2DF040-C730-10B8-3914-894A62CA9CAB}"/>
+                          </a:ext>
+                        </a:extLst>
+                      </p:cNvPr>
+                      <p:cNvSpPr/>
+                      <p:nvPr/>
+                    </p:nvSpPr>
+                    <p:spPr>
+                      <a:xfrm>
+                        <a:off x="2200542" y="3051883"/>
+                        <a:ext cx="154800" cy="157655"/>
+                      </a:xfrm>
+                      <a:prstGeom prst="ellipse">
+                        <a:avLst/>
+                      </a:prstGeom>
+                      <a:solidFill>
+                        <a:srgbClr val="FFC000"/>
+                      </a:solidFill>
+                      <a:ln>
+                        <a:solidFill>
+                          <a:srgbClr val="002060"/>
+                        </a:solidFill>
+                      </a:ln>
+                    </p:spPr>
+                    <p:style>
+                      <a:lnRef idx="2">
+                        <a:schemeClr val="accent1">
+                          <a:shade val="15000"/>
+                        </a:schemeClr>
+                      </a:lnRef>
+                      <a:fillRef idx="1">
+                        <a:schemeClr val="accent1"/>
+                      </a:fillRef>
+                      <a:effectRef idx="0">
+                        <a:schemeClr val="accent1"/>
+                      </a:effectRef>
+                      <a:fontRef idx="minor">
+                        <a:schemeClr val="lt1"/>
+                      </a:fontRef>
+                    </p:style>
+                    <p:txBody>
+                      <a:bodyPr rtlCol="0" anchor="ctr"/>
+                      <a:lstStyle/>
+                      <a:p>
+                        <a:pPr algn="ctr"/>
+                        <a:endParaRPr lang="es-ES"/>
+                      </a:p>
+                    </p:txBody>
+                  </p:sp>
+                  <p:sp>
+                    <p:nvSpPr>
+                      <p:cNvPr id="332" name="Elipse 331">
+                        <a:extLst>
+                          <a:ext uri="{FF2B5EF4-FFF2-40B4-BE49-F238E27FC236}">
+                            <a16:creationId xmlns:a16="http://schemas.microsoft.com/office/drawing/2014/main" id="{54F6149A-68C0-0B11-FFFE-146FC2708AFC}"/>
+                          </a:ext>
+                        </a:extLst>
+                      </p:cNvPr>
+                      <p:cNvSpPr/>
+                      <p:nvPr/>
+                    </p:nvSpPr>
+                    <p:spPr>
+                      <a:xfrm>
+                        <a:off x="974135" y="2912673"/>
+                        <a:ext cx="154800" cy="157655"/>
+                      </a:xfrm>
+                      <a:prstGeom prst="ellipse">
+                        <a:avLst/>
+                      </a:prstGeom>
+                      <a:solidFill>
+                        <a:srgbClr val="FFC000"/>
+                      </a:solidFill>
+                      <a:ln>
+                        <a:solidFill>
+                          <a:srgbClr val="002060"/>
+                        </a:solidFill>
+                      </a:ln>
+                    </p:spPr>
+                    <p:style>
+                      <a:lnRef idx="2">
+                        <a:schemeClr val="accent1">
+                          <a:shade val="15000"/>
+                        </a:schemeClr>
+                      </a:lnRef>
+                      <a:fillRef idx="1">
+                        <a:schemeClr val="accent1"/>
+                      </a:fillRef>
+                      <a:effectRef idx="0">
+                        <a:schemeClr val="accent1"/>
+                      </a:effectRef>
+                      <a:fontRef idx="minor">
+                        <a:schemeClr val="lt1"/>
+                      </a:fontRef>
+                    </p:style>
+                    <p:txBody>
+                      <a:bodyPr rtlCol="0" anchor="ctr"/>
+                      <a:lstStyle/>
+                      <a:p>
+                        <a:pPr algn="ctr"/>
+                        <a:endParaRPr lang="es-ES"/>
+                      </a:p>
+                    </p:txBody>
+                  </p:sp>
+                </p:grpSp>
+                <p:sp>
+                  <p:nvSpPr>
+                    <p:cNvPr id="317" name="Elipse 316">
+                      <a:extLst>
+                        <a:ext uri="{FF2B5EF4-FFF2-40B4-BE49-F238E27FC236}">
+                          <a16:creationId xmlns:a16="http://schemas.microsoft.com/office/drawing/2014/main" id="{CE885315-8A14-D00E-FACA-F30C5E8C654E}"/>
+                        </a:ext>
+                      </a:extLst>
+                    </p:cNvPr>
+                    <p:cNvSpPr/>
+                    <p:nvPr/>
+                  </p:nvSpPr>
+                  <p:spPr>
+                    <a:xfrm>
+                      <a:off x="3283180" y="1670768"/>
+                      <a:ext cx="241540" cy="224287"/>
+                    </a:xfrm>
+                    <a:prstGeom prst="ellipse">
+                      <a:avLst/>
+                    </a:prstGeom>
+                    <a:noFill/>
+                  </p:spPr>
+                  <p:style>
+                    <a:lnRef idx="2">
+                      <a:schemeClr val="accent6"/>
+                    </a:lnRef>
+                    <a:fillRef idx="1">
+                      <a:schemeClr val="lt1"/>
+                    </a:fillRef>
+                    <a:effectRef idx="0">
+                      <a:schemeClr val="accent6"/>
+                    </a:effectRef>
+                    <a:fontRef idx="minor">
+                      <a:schemeClr val="dk1"/>
+                    </a:fontRef>
+                  </p:style>
+                  <p:txBody>
+                    <a:bodyPr rtlCol="0" anchor="ctr"/>
+                    <a:lstStyle/>
+                    <a:p>
+                      <a:pPr algn="ctr"/>
+                      <a:endParaRPr lang="es-ES"/>
+                    </a:p>
+                  </p:txBody>
+                </p:sp>
+                <p:sp>
+                  <p:nvSpPr>
+                    <p:cNvPr id="318" name="Elipse 317">
+                      <a:extLst>
+                        <a:ext uri="{FF2B5EF4-FFF2-40B4-BE49-F238E27FC236}">
+                          <a16:creationId xmlns:a16="http://schemas.microsoft.com/office/drawing/2014/main" id="{2CA2A482-67C3-D49B-499C-D5715DEB730B}"/>
+                        </a:ext>
+                      </a:extLst>
+                    </p:cNvPr>
+                    <p:cNvSpPr/>
+                    <p:nvPr/>
+                  </p:nvSpPr>
+                  <p:spPr>
+                    <a:xfrm>
+                      <a:off x="4149713" y="1205541"/>
+                      <a:ext cx="241540" cy="224287"/>
+                    </a:xfrm>
+                    <a:prstGeom prst="ellipse">
+                      <a:avLst/>
+                    </a:prstGeom>
+                    <a:noFill/>
+                  </p:spPr>
+                  <p:style>
+                    <a:lnRef idx="2">
+                      <a:schemeClr val="accent6"/>
+                    </a:lnRef>
+                    <a:fillRef idx="1">
+                      <a:schemeClr val="lt1"/>
+                    </a:fillRef>
+                    <a:effectRef idx="0">
+                      <a:schemeClr val="accent6"/>
+                    </a:effectRef>
+                    <a:fontRef idx="minor">
+                      <a:schemeClr val="dk1"/>
+                    </a:fontRef>
+                  </p:style>
+                  <p:txBody>
+                    <a:bodyPr rtlCol="0" anchor="ctr"/>
+                    <a:lstStyle/>
+                    <a:p>
+                      <a:pPr algn="ctr"/>
+                      <a:endParaRPr lang="es-ES"/>
+                    </a:p>
+                  </p:txBody>
+                </p:sp>
+                <p:sp>
+                  <p:nvSpPr>
+                    <p:cNvPr id="319" name="Elipse 318">
+                      <a:extLst>
+                        <a:ext uri="{FF2B5EF4-FFF2-40B4-BE49-F238E27FC236}">
+                          <a16:creationId xmlns:a16="http://schemas.microsoft.com/office/drawing/2014/main" id="{4C83C98D-FF73-D1F2-6395-FB3C8AFF5803}"/>
+                        </a:ext>
+                      </a:extLst>
+                    </p:cNvPr>
+                    <p:cNvSpPr/>
+                    <p:nvPr/>
+                  </p:nvSpPr>
+                  <p:spPr>
+                    <a:xfrm>
+                      <a:off x="3496124" y="2008172"/>
+                      <a:ext cx="241540" cy="224287"/>
+                    </a:xfrm>
+                    <a:prstGeom prst="ellipse">
+                      <a:avLst/>
+                    </a:prstGeom>
+                    <a:noFill/>
+                  </p:spPr>
+                  <p:style>
+                    <a:lnRef idx="2">
+                      <a:schemeClr val="accent6"/>
+                    </a:lnRef>
+                    <a:fillRef idx="1">
+                      <a:schemeClr val="lt1"/>
+                    </a:fillRef>
+                    <a:effectRef idx="0">
+                      <a:schemeClr val="accent6"/>
+                    </a:effectRef>
+                    <a:fontRef idx="minor">
+                      <a:schemeClr val="dk1"/>
+                    </a:fontRef>
+                  </p:style>
+                  <p:txBody>
+                    <a:bodyPr rtlCol="0" anchor="ctr"/>
+                    <a:lstStyle/>
+                    <a:p>
+                      <a:pPr algn="ctr"/>
+                      <a:endParaRPr lang="es-ES"/>
+                    </a:p>
+                  </p:txBody>
+                </p:sp>
+                <p:sp>
+                  <p:nvSpPr>
+                    <p:cNvPr id="320" name="Elipse 319">
+                      <a:extLst>
+                        <a:ext uri="{FF2B5EF4-FFF2-40B4-BE49-F238E27FC236}">
+                          <a16:creationId xmlns:a16="http://schemas.microsoft.com/office/drawing/2014/main" id="{F53A696F-BE34-3B02-F048-471CA555252F}"/>
+                        </a:ext>
+                      </a:extLst>
+                    </p:cNvPr>
+                    <p:cNvSpPr/>
+                    <p:nvPr/>
+                  </p:nvSpPr>
+                  <p:spPr>
+                    <a:xfrm>
+                      <a:off x="4185628" y="2069400"/>
+                      <a:ext cx="241540" cy="224287"/>
+                    </a:xfrm>
+                    <a:prstGeom prst="ellipse">
+                      <a:avLst/>
+                    </a:prstGeom>
+                    <a:noFill/>
+                  </p:spPr>
+                  <p:style>
+                    <a:lnRef idx="2">
+                      <a:schemeClr val="accent6"/>
+                    </a:lnRef>
+                    <a:fillRef idx="1">
+                      <a:schemeClr val="lt1"/>
+                    </a:fillRef>
+                    <a:effectRef idx="0">
+                      <a:schemeClr val="accent6"/>
+                    </a:effectRef>
+                    <a:fontRef idx="minor">
+                      <a:schemeClr val="dk1"/>
+                    </a:fontRef>
+                  </p:style>
+                  <p:txBody>
+                    <a:bodyPr rtlCol="0" anchor="ctr"/>
+                    <a:lstStyle/>
+                    <a:p>
+                      <a:pPr algn="ctr"/>
+                      <a:endParaRPr lang="es-ES"/>
+                    </a:p>
+                  </p:txBody>
+                </p:sp>
+                <p:sp>
+                  <p:nvSpPr>
+                    <p:cNvPr id="321" name="Elipse 320">
+                      <a:extLst>
+                        <a:ext uri="{FF2B5EF4-FFF2-40B4-BE49-F238E27FC236}">
+                          <a16:creationId xmlns:a16="http://schemas.microsoft.com/office/drawing/2014/main" id="{71836253-01C9-A4A8-2C2E-430635176EFB}"/>
+                        </a:ext>
+                      </a:extLst>
+                    </p:cNvPr>
+                    <p:cNvSpPr/>
+                    <p:nvPr/>
+                  </p:nvSpPr>
+                  <p:spPr>
+                    <a:xfrm>
+                      <a:off x="4183202" y="1857050"/>
+                      <a:ext cx="241540" cy="224287"/>
+                    </a:xfrm>
+                    <a:prstGeom prst="ellipse">
+                      <a:avLst/>
+                    </a:prstGeom>
+                    <a:noFill/>
+                  </p:spPr>
+                  <p:style>
+                    <a:lnRef idx="2">
+                      <a:schemeClr val="accent6"/>
+                    </a:lnRef>
+                    <a:fillRef idx="1">
+                      <a:schemeClr val="lt1"/>
+                    </a:fillRef>
+                    <a:effectRef idx="0">
+                      <a:schemeClr val="accent6"/>
+                    </a:effectRef>
+                    <a:fontRef idx="minor">
+                      <a:schemeClr val="dk1"/>
+                    </a:fontRef>
+                  </p:style>
+                  <p:txBody>
+                    <a:bodyPr rtlCol="0" anchor="ctr"/>
+                    <a:lstStyle/>
+                    <a:p>
+                      <a:pPr algn="ctr"/>
+                      <a:endParaRPr lang="es-ES"/>
+                    </a:p>
+                  </p:txBody>
+                </p:sp>
+                <p:sp>
+                  <p:nvSpPr>
+                    <p:cNvPr id="322" name="Elipse 321">
+                      <a:extLst>
+                        <a:ext uri="{FF2B5EF4-FFF2-40B4-BE49-F238E27FC236}">
+                          <a16:creationId xmlns:a16="http://schemas.microsoft.com/office/drawing/2014/main" id="{79C349DE-6445-CB53-16DD-42ECD18A48CE}"/>
+                        </a:ext>
+                      </a:extLst>
+                    </p:cNvPr>
+                    <p:cNvSpPr/>
+                    <p:nvPr/>
+                  </p:nvSpPr>
+                  <p:spPr>
+                    <a:xfrm>
+                      <a:off x="3049353" y="1874391"/>
+                      <a:ext cx="241540" cy="224287"/>
+                    </a:xfrm>
+                    <a:prstGeom prst="ellipse">
+                      <a:avLst/>
+                    </a:prstGeom>
+                    <a:noFill/>
+                  </p:spPr>
+                  <p:style>
+                    <a:lnRef idx="2">
+                      <a:schemeClr val="accent6"/>
+                    </a:lnRef>
+                    <a:fillRef idx="1">
+                      <a:schemeClr val="lt1"/>
+                    </a:fillRef>
+                    <a:effectRef idx="0">
+                      <a:schemeClr val="accent6"/>
+                    </a:effectRef>
+                    <a:fontRef idx="minor">
+                      <a:schemeClr val="dk1"/>
+                    </a:fontRef>
+                  </p:style>
+                  <p:txBody>
+                    <a:bodyPr rtlCol="0" anchor="ctr"/>
+                    <a:lstStyle/>
+                    <a:p>
+                      <a:pPr algn="ctr"/>
+                      <a:endParaRPr lang="es-ES"/>
+                    </a:p>
+                  </p:txBody>
+                </p:sp>
+                <p:sp>
+                  <p:nvSpPr>
+                    <p:cNvPr id="323" name="Elipse 322">
+                      <a:extLst>
+                        <a:ext uri="{FF2B5EF4-FFF2-40B4-BE49-F238E27FC236}">
+                          <a16:creationId xmlns:a16="http://schemas.microsoft.com/office/drawing/2014/main" id="{61161F8C-3AB8-4360-75A9-EAC5F6730B6A}"/>
+                        </a:ext>
+                      </a:extLst>
+                    </p:cNvPr>
+                    <p:cNvSpPr/>
+                    <p:nvPr/>
+                  </p:nvSpPr>
+                  <p:spPr>
+                    <a:xfrm>
+                      <a:off x="4107139" y="2281750"/>
+                      <a:ext cx="241540" cy="224287"/>
+                    </a:xfrm>
+                    <a:prstGeom prst="ellipse">
+                      <a:avLst/>
+                    </a:prstGeom>
+                    <a:noFill/>
+                  </p:spPr>
+                  <p:style>
+                    <a:lnRef idx="2">
+                      <a:schemeClr val="accent6"/>
+                    </a:lnRef>
+                    <a:fillRef idx="1">
+                      <a:schemeClr val="lt1"/>
+                    </a:fillRef>
+                    <a:effectRef idx="0">
+                      <a:schemeClr val="accent6"/>
+                    </a:effectRef>
+                    <a:fontRef idx="minor">
+                      <a:schemeClr val="dk1"/>
+                    </a:fontRef>
+                  </p:style>
+                  <p:txBody>
+                    <a:bodyPr rtlCol="0" anchor="ctr"/>
+                    <a:lstStyle/>
+                    <a:p>
+                      <a:pPr algn="ctr"/>
+                      <a:endParaRPr lang="es-ES"/>
+                    </a:p>
+                  </p:txBody>
+                </p:sp>
+                <p:sp>
+                  <p:nvSpPr>
+                    <p:cNvPr id="324" name="Elipse 323">
+                      <a:extLst>
+                        <a:ext uri="{FF2B5EF4-FFF2-40B4-BE49-F238E27FC236}">
+                          <a16:creationId xmlns:a16="http://schemas.microsoft.com/office/drawing/2014/main" id="{D49DFBDB-8950-E9DF-DC75-9E73FCC79F97}"/>
+                        </a:ext>
+                      </a:extLst>
+                    </p:cNvPr>
+                    <p:cNvSpPr/>
+                    <p:nvPr/>
+                  </p:nvSpPr>
+                  <p:spPr>
+                    <a:xfrm>
+                      <a:off x="3247296" y="2189231"/>
+                      <a:ext cx="241540" cy="224287"/>
+                    </a:xfrm>
+                    <a:prstGeom prst="ellipse">
+                      <a:avLst/>
+                    </a:prstGeom>
+                    <a:noFill/>
+                  </p:spPr>
+                  <p:style>
+                    <a:lnRef idx="2">
+                      <a:schemeClr val="accent6"/>
+                    </a:lnRef>
+                    <a:fillRef idx="1">
+                      <a:schemeClr val="lt1"/>
+                    </a:fillRef>
+                    <a:effectRef idx="0">
+                      <a:schemeClr val="accent6"/>
+                    </a:effectRef>
+                    <a:fontRef idx="minor">
+                      <a:schemeClr val="dk1"/>
+                    </a:fontRef>
+                  </p:style>
+                  <p:txBody>
+                    <a:bodyPr rtlCol="0" anchor="ctr"/>
+                    <a:lstStyle/>
+                    <a:p>
+                      <a:pPr algn="ctr"/>
+                      <a:endParaRPr lang="es-ES"/>
+                    </a:p>
+                  </p:txBody>
+                </p:sp>
+              </p:grpSp>
+              <p:sp>
+                <p:nvSpPr>
+                  <p:cNvPr id="313" name="Elipse 312">
+                    <a:extLst>
+                      <a:ext uri="{FF2B5EF4-FFF2-40B4-BE49-F238E27FC236}">
+                        <a16:creationId xmlns:a16="http://schemas.microsoft.com/office/drawing/2014/main" id="{EBAEC80A-DFF3-F202-7E28-70A9AAEE761F}"/>
+                      </a:ext>
+                    </a:extLst>
+                  </p:cNvPr>
+                  <p:cNvSpPr/>
+                  <p:nvPr/>
+                </p:nvSpPr>
+                <p:spPr>
+                  <a:xfrm rot="19321757">
+                    <a:off x="5467481" y="1983574"/>
+                    <a:ext cx="1018471" cy="370936"/>
+                  </a:xfrm>
+                  <a:prstGeom prst="ellipse">
+                    <a:avLst/>
+                  </a:prstGeom>
+                  <a:noFill/>
+                  <a:ln>
+                    <a:solidFill>
+                      <a:srgbClr val="FF0000"/>
+                    </a:solidFill>
+                  </a:ln>
+                </p:spPr>
+                <p:style>
+                  <a:lnRef idx="2">
+                    <a:schemeClr val="accent1">
+                      <a:shade val="15000"/>
+                    </a:schemeClr>
+                  </a:lnRef>
+                  <a:fillRef idx="1">
+                    <a:schemeClr val="accent1"/>
+                  </a:fillRef>
+                  <a:effectRef idx="0">
+                    <a:schemeClr val="accent1"/>
+                  </a:effectRef>
+                  <a:fontRef idx="minor">
+                    <a:schemeClr val="lt1"/>
+                  </a:fontRef>
+                </p:style>
+                <p:txBody>
+                  <a:bodyPr rtlCol="0" anchor="ctr"/>
+                  <a:lstStyle/>
+                  <a:p>
+                    <a:pPr algn="ctr"/>
+                    <a:endParaRPr lang="es-ES"/>
+                  </a:p>
+                </p:txBody>
+              </p:sp>
+              <p:sp>
+                <p:nvSpPr>
+                  <p:cNvPr id="314" name="Elipse 313">
+                    <a:extLst>
+                      <a:ext uri="{FF2B5EF4-FFF2-40B4-BE49-F238E27FC236}">
+                        <a16:creationId xmlns:a16="http://schemas.microsoft.com/office/drawing/2014/main" id="{37ADEC5F-1FE8-9A59-952A-EFD8F8B6A4B6}"/>
+                      </a:ext>
+                    </a:extLst>
+                  </p:cNvPr>
+                  <p:cNvSpPr/>
+                  <p:nvPr/>
+                </p:nvSpPr>
+                <p:spPr>
+                  <a:xfrm rot="17448148">
+                    <a:off x="6216480" y="1944198"/>
+                    <a:ext cx="1056684" cy="380207"/>
+                  </a:xfrm>
+                  <a:prstGeom prst="ellipse">
+                    <a:avLst/>
+                  </a:prstGeom>
+                  <a:noFill/>
+                  <a:ln>
+                    <a:solidFill>
+                      <a:srgbClr val="FF0000"/>
+                    </a:solidFill>
+                  </a:ln>
+                </p:spPr>
+                <p:style>
+                  <a:lnRef idx="2">
+                    <a:schemeClr val="accent1">
+                      <a:shade val="15000"/>
+                    </a:schemeClr>
+                  </a:lnRef>
+                  <a:fillRef idx="1">
+                    <a:schemeClr val="accent1"/>
+                  </a:fillRef>
+                  <a:effectRef idx="0">
+                    <a:schemeClr val="accent1"/>
+                  </a:effectRef>
+                  <a:fontRef idx="minor">
+                    <a:schemeClr val="lt1"/>
+                  </a:fontRef>
+                </p:style>
+                <p:txBody>
+                  <a:bodyPr rtlCol="0" anchor="ctr"/>
+                  <a:lstStyle/>
+                  <a:p>
+                    <a:pPr algn="ctr"/>
+                    <a:endParaRPr lang="es-ES" dirty="0"/>
+                  </a:p>
+                </p:txBody>
+              </p:sp>
+              <p:sp>
+                <p:nvSpPr>
+                  <p:cNvPr id="315" name="Elipse 314">
+                    <a:extLst>
+                      <a:ext uri="{FF2B5EF4-FFF2-40B4-BE49-F238E27FC236}">
+                        <a16:creationId xmlns:a16="http://schemas.microsoft.com/office/drawing/2014/main" id="{04390FCB-F7B4-7C72-9659-CE4A00D43EAF}"/>
+                      </a:ext>
+                    </a:extLst>
+                  </p:cNvPr>
+                  <p:cNvSpPr/>
+                  <p:nvPr/>
+                </p:nvSpPr>
+                <p:spPr>
+                  <a:xfrm rot="19321757">
+                    <a:off x="5247354" y="1596122"/>
+                    <a:ext cx="1018471" cy="408812"/>
+                  </a:xfrm>
+                  <a:prstGeom prst="ellipse">
+                    <a:avLst/>
+                  </a:prstGeom>
+                  <a:noFill/>
+                  <a:ln>
+                    <a:solidFill>
+                      <a:srgbClr val="FF0000"/>
+                    </a:solidFill>
+                  </a:ln>
+                </p:spPr>
+                <p:style>
+                  <a:lnRef idx="2">
+                    <a:schemeClr val="accent1">
+                      <a:shade val="15000"/>
+                    </a:schemeClr>
+                  </a:lnRef>
+                  <a:fillRef idx="1">
+                    <a:schemeClr val="accent1"/>
+                  </a:fillRef>
+                  <a:effectRef idx="0">
+                    <a:schemeClr val="accent1"/>
+                  </a:effectRef>
+                  <a:fontRef idx="minor">
+                    <a:schemeClr val="lt1"/>
+                  </a:fontRef>
+                </p:style>
+                <p:txBody>
+                  <a:bodyPr rtlCol="0" anchor="ctr"/>
+                  <a:lstStyle/>
+                  <a:p>
+                    <a:pPr algn="ctr"/>
+                    <a:endParaRPr lang="es-ES"/>
+                  </a:p>
+                </p:txBody>
+              </p:sp>
+            </p:grpSp>
+            <p:sp>
+              <p:nvSpPr>
+                <p:cNvPr id="311" name="Elipse 310">
+                  <a:extLst>
+                    <a:ext uri="{FF2B5EF4-FFF2-40B4-BE49-F238E27FC236}">
+                      <a16:creationId xmlns:a16="http://schemas.microsoft.com/office/drawing/2014/main" id="{C4CABB6E-A6B9-B2F9-DC40-44FFCB9174C9}"/>
+                    </a:ext>
+                  </a:extLst>
+                </p:cNvPr>
+                <p:cNvSpPr/>
+                <p:nvPr/>
+              </p:nvSpPr>
+              <p:spPr>
+                <a:xfrm>
+                  <a:off x="8807002" y="1009291"/>
+                  <a:ext cx="725602" cy="1686425"/>
+                </a:xfrm>
+                <a:prstGeom prst="ellipse">
+                  <a:avLst/>
+                </a:prstGeom>
+                <a:noFill/>
+              </p:spPr>
+              <p:style>
+                <a:lnRef idx="2">
+                  <a:schemeClr val="accent1"/>
+                </a:lnRef>
+                <a:fillRef idx="1">
+                  <a:schemeClr val="lt1"/>
+                </a:fillRef>
+                <a:effectRef idx="0">
+                  <a:schemeClr val="accent1"/>
+                </a:effectRef>
+                <a:fontRef idx="minor">
+                  <a:schemeClr val="dk1"/>
+                </a:fontRef>
+              </p:style>
+              <p:txBody>
+                <a:bodyPr rtlCol="0" anchor="ctr"/>
+                <a:lstStyle/>
+                <a:p>
+                  <a:pPr algn="ctr"/>
+                  <a:endParaRPr lang="es-ES"/>
+                </a:p>
+              </p:txBody>
+            </p:sp>
+          </p:grpSp>
+          <p:sp>
+            <p:nvSpPr>
+              <p:cNvPr id="280" name="CuadroTexto 279">
+                <a:extLst>
+                  <a:ext uri="{FF2B5EF4-FFF2-40B4-BE49-F238E27FC236}">
+                    <a16:creationId xmlns:a16="http://schemas.microsoft.com/office/drawing/2014/main" id="{FB9A166F-AEA3-B224-CE2F-8E51177DDDFB}"/>
+                  </a:ext>
+                </a:extLst>
+              </p:cNvPr>
+              <p:cNvSpPr txBox="1"/>
+              <p:nvPr/>
+            </p:nvSpPr>
+            <p:spPr>
+              <a:xfrm>
+                <a:off x="431321" y="3461905"/>
+                <a:ext cx="3606526" cy="369332"/>
+              </a:xfrm>
+              <a:prstGeom prst="rect">
+                <a:avLst/>
+              </a:prstGeom>
+              <a:noFill/>
+            </p:spPr>
+            <p:txBody>
+              <a:bodyPr wrap="square" rtlCol="0">
+                <a:spAutoFit/>
+              </a:bodyPr>
+              <a:lstStyle/>
+              <a:p>
+                <a:r>
+                  <a:rPr lang="es-ES" b="1" u="sng" dirty="0">
+                    <a:latin typeface="Geist Mono Bold" pitchFamily="2" charset="77"/>
+                    <a:ea typeface="Geist Mono Bold" pitchFamily="2" charset="77"/>
+                    <a:cs typeface="Geist Mono Bold" pitchFamily="2" charset="77"/>
+                  </a:rPr>
+                  <a:t>Clustering Divisivo</a:t>
+                </a:r>
+              </a:p>
+            </p:txBody>
+          </p:sp>
+          <p:cxnSp>
+            <p:nvCxnSpPr>
+              <p:cNvPr id="281" name="Conector recto de flecha 280">
+                <a:extLst>
+                  <a:ext uri="{FF2B5EF4-FFF2-40B4-BE49-F238E27FC236}">
+                    <a16:creationId xmlns:a16="http://schemas.microsoft.com/office/drawing/2014/main" id="{840C3C99-3B5A-5787-CF92-78BE50E3ABC9}"/>
+                  </a:ext>
+                </a:extLst>
+              </p:cNvPr>
+              <p:cNvCxnSpPr>
+                <a:cxnSpLocks/>
+              </p:cNvCxnSpPr>
+              <p:nvPr/>
+            </p:nvCxnSpPr>
+            <p:spPr>
+              <a:xfrm>
+                <a:off x="2173857" y="4982175"/>
+                <a:ext cx="586596" cy="0"/>
+              </a:xfrm>
+              <a:prstGeom prst="straightConnector1">
+                <a:avLst/>
+              </a:prstGeom>
+              <a:ln>
+                <a:tailEnd type="triangle"/>
+              </a:ln>
+            </p:spPr>
+            <p:style>
+              <a:lnRef idx="2">
+                <a:schemeClr val="dk1"/>
+              </a:lnRef>
+              <a:fillRef idx="0">
+                <a:schemeClr val="dk1"/>
+              </a:fillRef>
+              <a:effectRef idx="1">
+                <a:schemeClr val="dk1"/>
+              </a:effectRef>
+              <a:fontRef idx="minor">
+                <a:schemeClr val="tx1"/>
+              </a:fontRef>
+            </p:style>
+          </p:cxnSp>
+          <p:cxnSp>
+            <p:nvCxnSpPr>
+              <p:cNvPr id="282" name="Conector recto de flecha 281">
+                <a:extLst>
+                  <a:ext uri="{FF2B5EF4-FFF2-40B4-BE49-F238E27FC236}">
+                    <a16:creationId xmlns:a16="http://schemas.microsoft.com/office/drawing/2014/main" id="{ED4CF8DB-AA33-7B80-6E32-0CAE0876DAD1}"/>
+                  </a:ext>
+                </a:extLst>
+              </p:cNvPr>
+              <p:cNvCxnSpPr>
+                <a:cxnSpLocks/>
+              </p:cNvCxnSpPr>
+              <p:nvPr/>
+            </p:nvCxnSpPr>
+            <p:spPr>
+              <a:xfrm>
+                <a:off x="4642787" y="4982175"/>
+                <a:ext cx="586596" cy="0"/>
+              </a:xfrm>
+              <a:prstGeom prst="straightConnector1">
+                <a:avLst/>
+              </a:prstGeom>
+              <a:ln>
+                <a:tailEnd type="triangle"/>
+              </a:ln>
+            </p:spPr>
+            <p:style>
+              <a:lnRef idx="2">
+                <a:schemeClr val="dk1"/>
+              </a:lnRef>
+              <a:fillRef idx="0">
+                <a:schemeClr val="dk1"/>
+              </a:fillRef>
+              <a:effectRef idx="1">
+                <a:schemeClr val="dk1"/>
+              </a:effectRef>
+              <a:fontRef idx="minor">
+                <a:schemeClr val="tx1"/>
+              </a:fontRef>
+            </p:style>
+          </p:cxnSp>
+          <p:cxnSp>
+            <p:nvCxnSpPr>
+              <p:cNvPr id="283" name="Conector recto de flecha 282">
+                <a:extLst>
+                  <a:ext uri="{FF2B5EF4-FFF2-40B4-BE49-F238E27FC236}">
+                    <a16:creationId xmlns:a16="http://schemas.microsoft.com/office/drawing/2014/main" id="{BA5D1336-EC25-E399-61CC-E3321F1FFF4C}"/>
+                  </a:ext>
+                </a:extLst>
+              </p:cNvPr>
+              <p:cNvCxnSpPr>
+                <a:cxnSpLocks/>
+              </p:cNvCxnSpPr>
+              <p:nvPr/>
+            </p:nvCxnSpPr>
+            <p:spPr>
+              <a:xfrm>
+                <a:off x="7110172" y="4982175"/>
+                <a:ext cx="586596" cy="0"/>
+              </a:xfrm>
+              <a:prstGeom prst="straightConnector1">
+                <a:avLst/>
+              </a:prstGeom>
+              <a:ln>
+                <a:tailEnd type="triangle"/>
+              </a:ln>
+            </p:spPr>
+            <p:style>
+              <a:lnRef idx="2">
+                <a:schemeClr val="dk1"/>
+              </a:lnRef>
+              <a:fillRef idx="0">
+                <a:schemeClr val="dk1"/>
+              </a:fillRef>
+              <a:effectRef idx="1">
+                <a:schemeClr val="dk1"/>
+              </a:effectRef>
+              <a:fontRef idx="minor">
+                <a:schemeClr val="tx1"/>
+              </a:fontRef>
+            </p:style>
+          </p:cxnSp>
+          <p:cxnSp>
+            <p:nvCxnSpPr>
+              <p:cNvPr id="284" name="Conector recto de flecha 283">
+                <a:extLst>
+                  <a:ext uri="{FF2B5EF4-FFF2-40B4-BE49-F238E27FC236}">
+                    <a16:creationId xmlns:a16="http://schemas.microsoft.com/office/drawing/2014/main" id="{5AD1B7E9-3B86-FEE6-9004-EC64C7E77DC9}"/>
+                  </a:ext>
+                </a:extLst>
+              </p:cNvPr>
+              <p:cNvCxnSpPr>
+                <a:cxnSpLocks/>
+              </p:cNvCxnSpPr>
+              <p:nvPr/>
+            </p:nvCxnSpPr>
+            <p:spPr>
+              <a:xfrm>
+                <a:off x="9601877" y="4982175"/>
+                <a:ext cx="586596" cy="0"/>
+              </a:xfrm>
+              <a:prstGeom prst="straightConnector1">
+                <a:avLst/>
+              </a:prstGeom>
+              <a:ln>
+                <a:tailEnd type="triangle"/>
+              </a:ln>
+            </p:spPr>
+            <p:style>
+              <a:lnRef idx="2">
+                <a:schemeClr val="dk1"/>
+              </a:lnRef>
+              <a:fillRef idx="0">
+                <a:schemeClr val="dk1"/>
+              </a:fillRef>
+              <a:effectRef idx="1">
+                <a:schemeClr val="dk1"/>
+              </a:effectRef>
+              <a:fontRef idx="minor">
+                <a:schemeClr val="tx1"/>
+              </a:fontRef>
+            </p:style>
+          </p:cxnSp>
+          <p:grpSp>
+            <p:nvGrpSpPr>
+              <p:cNvPr id="380" name="Grupo 379">
+                <a:extLst>
+                  <a:ext uri="{FF2B5EF4-FFF2-40B4-BE49-F238E27FC236}">
+                    <a16:creationId xmlns:a16="http://schemas.microsoft.com/office/drawing/2014/main" id="{9778D99C-105F-AB09-42AD-79696B67B450}"/>
+                  </a:ext>
+                </a:extLst>
+              </p:cNvPr>
+              <p:cNvGrpSpPr/>
+              <p:nvPr/>
+            </p:nvGrpSpPr>
+            <p:grpSpPr>
+              <a:xfrm>
+                <a:off x="52894" y="3991836"/>
+                <a:ext cx="2063903" cy="2123579"/>
+                <a:chOff x="9909561" y="766270"/>
+                <a:chExt cx="2063903" cy="2123579"/>
+              </a:xfrm>
+            </p:grpSpPr>
+            <p:grpSp>
+              <p:nvGrpSpPr>
+                <p:cNvPr id="381" name="Grupo 380">
+                  <a:extLst>
+                    <a:ext uri="{FF2B5EF4-FFF2-40B4-BE49-F238E27FC236}">
+                      <a16:creationId xmlns:a16="http://schemas.microsoft.com/office/drawing/2014/main" id="{7D46844C-1674-C90C-D02F-CC61DEFE4392}"/>
+                    </a:ext>
+                  </a:extLst>
+                </p:cNvPr>
+                <p:cNvGrpSpPr/>
+                <p:nvPr/>
+              </p:nvGrpSpPr>
+              <p:grpSpPr>
+                <a:xfrm>
+                  <a:off x="9909561" y="971228"/>
+                  <a:ext cx="1873036" cy="1686425"/>
+                  <a:chOff x="7659568" y="1009291"/>
+                  <a:chExt cx="1873036" cy="1686425"/>
+                </a:xfrm>
+              </p:grpSpPr>
+              <p:grpSp>
+                <p:nvGrpSpPr>
+                  <p:cNvPr id="383" name="Grupo 382">
+                    <a:extLst>
+                      <a:ext uri="{FF2B5EF4-FFF2-40B4-BE49-F238E27FC236}">
+                        <a16:creationId xmlns:a16="http://schemas.microsoft.com/office/drawing/2014/main" id="{35816914-E4D5-6E39-8E4B-490578A39C16}"/>
+                      </a:ext>
+                    </a:extLst>
+                  </p:cNvPr>
+                  <p:cNvGrpSpPr/>
+                  <p:nvPr/>
+                </p:nvGrpSpPr>
+                <p:grpSpPr>
+                  <a:xfrm>
+                    <a:off x="7659568" y="1102103"/>
+                    <a:ext cx="1687571" cy="1517053"/>
+                    <a:chOff x="5247354" y="1145591"/>
+                    <a:chExt cx="1687571" cy="1517053"/>
+                  </a:xfrm>
+                </p:grpSpPr>
+                <p:grpSp>
+                  <p:nvGrpSpPr>
+                    <p:cNvPr id="385" name="Grupo 384">
+                      <a:extLst>
+                        <a:ext uri="{FF2B5EF4-FFF2-40B4-BE49-F238E27FC236}">
+                          <a16:creationId xmlns:a16="http://schemas.microsoft.com/office/drawing/2014/main" id="{6B7A8C90-2B16-B6DB-A6D9-CC243A15B927}"/>
+                        </a:ext>
+                      </a:extLst>
+                    </p:cNvPr>
+                    <p:cNvGrpSpPr/>
+                    <p:nvPr/>
+                  </p:nvGrpSpPr>
+                  <p:grpSpPr>
+                    <a:xfrm>
+                      <a:off x="5524069" y="1145591"/>
+                      <a:ext cx="1377815" cy="1300496"/>
+                      <a:chOff x="3049353" y="1205541"/>
+                      <a:chExt cx="1377815" cy="1300496"/>
+                    </a:xfrm>
+                  </p:grpSpPr>
+                  <p:grpSp>
+                    <p:nvGrpSpPr>
+                      <p:cNvPr id="389" name="Grupo 388">
+                        <a:extLst>
+                          <a:ext uri="{FF2B5EF4-FFF2-40B4-BE49-F238E27FC236}">
+                            <a16:creationId xmlns:a16="http://schemas.microsoft.com/office/drawing/2014/main" id="{9D08D603-F75C-24AB-B436-514985EB688D}"/>
+                          </a:ext>
+                        </a:extLst>
+                      </p:cNvPr>
+                      <p:cNvGrpSpPr/>
+                      <p:nvPr/>
+                    </p:nvGrpSpPr>
+                    <p:grpSpPr>
+                      <a:xfrm>
+                        <a:off x="3109822" y="1249795"/>
+                        <a:ext cx="1249060" cy="1179611"/>
+                        <a:chOff x="701898" y="1249795"/>
+                        <a:chExt cx="1760662" cy="1959743"/>
+                      </a:xfrm>
+                    </p:grpSpPr>
+                    <p:sp>
+                      <p:nvSpPr>
+                        <p:cNvPr id="398" name="Elipse 397">
+                          <a:extLst>
+                            <a:ext uri="{FF2B5EF4-FFF2-40B4-BE49-F238E27FC236}">
+                              <a16:creationId xmlns:a16="http://schemas.microsoft.com/office/drawing/2014/main" id="{D3F89970-11F6-A5A0-8A1F-76CF1DBCB027}"/>
+                            </a:ext>
+                          </a:extLst>
+                        </p:cNvPr>
+                        <p:cNvSpPr/>
+                        <p:nvPr/>
+                      </p:nvSpPr>
+                      <p:spPr>
+                        <a:xfrm>
+                          <a:off x="2260555" y="1249795"/>
+                          <a:ext cx="154800" cy="157655"/>
+                        </a:xfrm>
+                        <a:prstGeom prst="ellipse">
+                          <a:avLst/>
+                        </a:prstGeom>
+                        <a:solidFill>
+                          <a:srgbClr val="FFC000"/>
+                        </a:solidFill>
+                        <a:ln>
+                          <a:solidFill>
+                            <a:srgbClr val="002060"/>
+                          </a:solidFill>
+                        </a:ln>
+                      </p:spPr>
+                      <p:style>
+                        <a:lnRef idx="2">
+                          <a:schemeClr val="accent1">
+                            <a:shade val="15000"/>
+                          </a:schemeClr>
+                        </a:lnRef>
+                        <a:fillRef idx="1">
+                          <a:schemeClr val="accent1"/>
+                        </a:fillRef>
+                        <a:effectRef idx="0">
+                          <a:schemeClr val="accent1"/>
+                        </a:effectRef>
+                        <a:fontRef idx="minor">
+                          <a:schemeClr val="lt1"/>
+                        </a:fontRef>
+                      </p:style>
+                      <p:txBody>
+                        <a:bodyPr rtlCol="0" anchor="ctr"/>
+                        <a:lstStyle/>
+                        <a:p>
+                          <a:pPr algn="ctr"/>
+                          <a:endParaRPr lang="es-ES"/>
+                        </a:p>
+                      </p:txBody>
+                    </p:sp>
+                    <p:sp>
+                      <p:nvSpPr>
+                        <p:cNvPr id="399" name="Elipse 398">
+                          <a:extLst>
+                            <a:ext uri="{FF2B5EF4-FFF2-40B4-BE49-F238E27FC236}">
+                              <a16:creationId xmlns:a16="http://schemas.microsoft.com/office/drawing/2014/main" id="{D69621AF-41E4-8A27-8CBF-4644A58E18D3}"/>
+                            </a:ext>
+                          </a:extLst>
+                        </p:cNvPr>
+                        <p:cNvSpPr/>
+                        <p:nvPr/>
+                      </p:nvSpPr>
+                      <p:spPr>
+                        <a:xfrm>
+                          <a:off x="2307760" y="2364202"/>
+                          <a:ext cx="154800" cy="157655"/>
+                        </a:xfrm>
+                        <a:prstGeom prst="ellipse">
+                          <a:avLst/>
+                        </a:prstGeom>
+                        <a:solidFill>
+                          <a:srgbClr val="FFC000"/>
+                        </a:solidFill>
+                        <a:ln>
+                          <a:solidFill>
+                            <a:srgbClr val="002060"/>
+                          </a:solidFill>
+                        </a:ln>
+                      </p:spPr>
+                      <p:style>
+                        <a:lnRef idx="2">
+                          <a:schemeClr val="accent1">
+                            <a:shade val="15000"/>
+                          </a:schemeClr>
+                        </a:lnRef>
+                        <a:fillRef idx="1">
+                          <a:schemeClr val="accent1"/>
+                        </a:fillRef>
+                        <a:effectRef idx="0">
+                          <a:schemeClr val="accent1"/>
+                        </a:effectRef>
+                        <a:fontRef idx="minor">
+                          <a:schemeClr val="lt1"/>
+                        </a:fontRef>
+                      </p:style>
+                      <p:txBody>
+                        <a:bodyPr rtlCol="0" anchor="ctr"/>
+                        <a:lstStyle/>
+                        <a:p>
+                          <a:pPr algn="ctr"/>
+                          <a:endParaRPr lang="es-ES"/>
+                        </a:p>
+                      </p:txBody>
+                    </p:sp>
+                    <p:sp>
+                      <p:nvSpPr>
+                        <p:cNvPr id="400" name="Elipse 399">
+                          <a:extLst>
+                            <a:ext uri="{FF2B5EF4-FFF2-40B4-BE49-F238E27FC236}">
+                              <a16:creationId xmlns:a16="http://schemas.microsoft.com/office/drawing/2014/main" id="{1F7EE4C5-7DF6-452B-B8BC-39C0325AB5C3}"/>
+                            </a:ext>
+                          </a:extLst>
+                        </p:cNvPr>
+                        <p:cNvSpPr/>
+                        <p:nvPr/>
+                      </p:nvSpPr>
+                      <p:spPr>
+                        <a:xfrm>
+                          <a:off x="701898" y="2379854"/>
+                          <a:ext cx="154800" cy="157655"/>
+                        </a:xfrm>
+                        <a:prstGeom prst="ellipse">
+                          <a:avLst/>
+                        </a:prstGeom>
+                        <a:solidFill>
+                          <a:srgbClr val="FFC000"/>
+                        </a:solidFill>
+                        <a:ln>
+                          <a:solidFill>
+                            <a:srgbClr val="002060"/>
+                          </a:solidFill>
+                        </a:ln>
+                      </p:spPr>
+                      <p:style>
+                        <a:lnRef idx="2">
+                          <a:schemeClr val="accent1">
+                            <a:shade val="15000"/>
+                          </a:schemeClr>
+                        </a:lnRef>
+                        <a:fillRef idx="1">
+                          <a:schemeClr val="accent1"/>
+                        </a:fillRef>
+                        <a:effectRef idx="0">
+                          <a:schemeClr val="accent1"/>
+                        </a:effectRef>
+                        <a:fontRef idx="minor">
+                          <a:schemeClr val="lt1"/>
+                        </a:fontRef>
+                      </p:style>
+                      <p:txBody>
+                        <a:bodyPr rtlCol="0" anchor="ctr"/>
+                        <a:lstStyle/>
+                        <a:p>
+                          <a:pPr algn="ctr"/>
+                          <a:endParaRPr lang="es-ES"/>
+                        </a:p>
+                      </p:txBody>
+                    </p:sp>
+                    <p:sp>
+                      <p:nvSpPr>
+                        <p:cNvPr id="401" name="Elipse 400">
+                          <a:extLst>
+                            <a:ext uri="{FF2B5EF4-FFF2-40B4-BE49-F238E27FC236}">
+                              <a16:creationId xmlns:a16="http://schemas.microsoft.com/office/drawing/2014/main" id="{DEC81175-28F8-1D94-08AD-0D2E38088A71}"/>
+                            </a:ext>
+                          </a:extLst>
+                        </p:cNvPr>
+                        <p:cNvSpPr/>
+                        <p:nvPr/>
+                      </p:nvSpPr>
+                      <p:spPr>
+                        <a:xfrm>
+                          <a:off x="1333348" y="2608030"/>
+                          <a:ext cx="154800" cy="157655"/>
+                        </a:xfrm>
+                        <a:prstGeom prst="ellipse">
+                          <a:avLst/>
+                        </a:prstGeom>
+                        <a:solidFill>
+                          <a:srgbClr val="FFC000"/>
+                        </a:solidFill>
+                        <a:ln>
+                          <a:solidFill>
+                            <a:srgbClr val="002060"/>
+                          </a:solidFill>
+                        </a:ln>
+                      </p:spPr>
+                      <p:style>
+                        <a:lnRef idx="2">
+                          <a:schemeClr val="accent1">
+                            <a:shade val="15000"/>
+                          </a:schemeClr>
+                        </a:lnRef>
+                        <a:fillRef idx="1">
+                          <a:schemeClr val="accent1"/>
+                        </a:fillRef>
+                        <a:effectRef idx="0">
+                          <a:schemeClr val="accent1"/>
+                        </a:effectRef>
+                        <a:fontRef idx="minor">
+                          <a:schemeClr val="lt1"/>
+                        </a:fontRef>
+                      </p:style>
+                      <p:txBody>
+                        <a:bodyPr rtlCol="0" anchor="ctr"/>
+                        <a:lstStyle/>
+                        <a:p>
+                          <a:pPr algn="ctr"/>
+                          <a:endParaRPr lang="es-ES"/>
+                        </a:p>
+                      </p:txBody>
+                    </p:sp>
+                    <p:sp>
+                      <p:nvSpPr>
+                        <p:cNvPr id="402" name="Elipse 401">
+                          <a:extLst>
+                            <a:ext uri="{FF2B5EF4-FFF2-40B4-BE49-F238E27FC236}">
+                              <a16:creationId xmlns:a16="http://schemas.microsoft.com/office/drawing/2014/main" id="{33BB0102-10BE-C3EA-3FEE-F4E2FF21E8AD}"/>
+                            </a:ext>
+                          </a:extLst>
+                        </p:cNvPr>
+                        <p:cNvSpPr/>
+                        <p:nvPr/>
+                      </p:nvSpPr>
+                      <p:spPr>
+                        <a:xfrm>
+                          <a:off x="2307760" y="2718926"/>
+                          <a:ext cx="154800" cy="157655"/>
+                        </a:xfrm>
+                        <a:prstGeom prst="ellipse">
+                          <a:avLst/>
+                        </a:prstGeom>
+                        <a:solidFill>
+                          <a:srgbClr val="FFC000"/>
+                        </a:solidFill>
+                        <a:ln>
+                          <a:solidFill>
+                            <a:srgbClr val="002060"/>
+                          </a:solidFill>
+                        </a:ln>
+                      </p:spPr>
+                      <p:style>
+                        <a:lnRef idx="2">
+                          <a:schemeClr val="accent1">
+                            <a:shade val="15000"/>
+                          </a:schemeClr>
+                        </a:lnRef>
+                        <a:fillRef idx="1">
+                          <a:schemeClr val="accent1"/>
+                        </a:fillRef>
+                        <a:effectRef idx="0">
+                          <a:schemeClr val="accent1"/>
+                        </a:effectRef>
+                        <a:fontRef idx="minor">
+                          <a:schemeClr val="lt1"/>
+                        </a:fontRef>
+                      </p:style>
+                      <p:txBody>
+                        <a:bodyPr rtlCol="0" anchor="ctr"/>
+                        <a:lstStyle/>
+                        <a:p>
+                          <a:pPr algn="ctr"/>
+                          <a:endParaRPr lang="es-ES"/>
+                        </a:p>
+                      </p:txBody>
+                    </p:sp>
+                    <p:sp>
+                      <p:nvSpPr>
+                        <p:cNvPr id="403" name="Elipse 402">
+                          <a:extLst>
+                            <a:ext uri="{FF2B5EF4-FFF2-40B4-BE49-F238E27FC236}">
+                              <a16:creationId xmlns:a16="http://schemas.microsoft.com/office/drawing/2014/main" id="{8D33AFF5-849D-97F8-37F1-9171B919CD25}"/>
+                            </a:ext>
+                          </a:extLst>
+                        </p:cNvPr>
+                        <p:cNvSpPr/>
+                        <p:nvPr/>
+                      </p:nvSpPr>
+                      <p:spPr>
+                        <a:xfrm>
+                          <a:off x="1039099" y="2056660"/>
+                          <a:ext cx="154800" cy="157655"/>
+                        </a:xfrm>
+                        <a:prstGeom prst="ellipse">
+                          <a:avLst/>
+                        </a:prstGeom>
+                        <a:solidFill>
+                          <a:srgbClr val="FFC000"/>
+                        </a:solidFill>
+                        <a:ln>
+                          <a:solidFill>
+                            <a:srgbClr val="002060"/>
+                          </a:solidFill>
+                        </a:ln>
+                      </p:spPr>
+                      <p:style>
+                        <a:lnRef idx="2">
+                          <a:schemeClr val="accent1">
+                            <a:shade val="15000"/>
+                          </a:schemeClr>
+                        </a:lnRef>
+                        <a:fillRef idx="1">
+                          <a:schemeClr val="accent1"/>
+                        </a:fillRef>
+                        <a:effectRef idx="0">
+                          <a:schemeClr val="accent1"/>
+                        </a:effectRef>
+                        <a:fontRef idx="minor">
+                          <a:schemeClr val="lt1"/>
+                        </a:fontRef>
+                      </p:style>
+                      <p:txBody>
+                        <a:bodyPr rtlCol="0" anchor="ctr"/>
+                        <a:lstStyle/>
+                        <a:p>
+                          <a:pPr algn="ctr"/>
+                          <a:endParaRPr lang="es-ES"/>
+                        </a:p>
+                      </p:txBody>
+                    </p:sp>
+                    <p:sp>
+                      <p:nvSpPr>
+                        <p:cNvPr id="404" name="Elipse 403">
+                          <a:extLst>
+                            <a:ext uri="{FF2B5EF4-FFF2-40B4-BE49-F238E27FC236}">
+                              <a16:creationId xmlns:a16="http://schemas.microsoft.com/office/drawing/2014/main" id="{621FDB3A-14D6-E5EB-764B-C8DF881A777D}"/>
+                            </a:ext>
+                          </a:extLst>
+                        </p:cNvPr>
+                        <p:cNvSpPr/>
+                        <p:nvPr/>
+                      </p:nvSpPr>
+                      <p:spPr>
+                        <a:xfrm>
+                          <a:off x="2200542" y="3051883"/>
+                          <a:ext cx="154800" cy="157655"/>
+                        </a:xfrm>
+                        <a:prstGeom prst="ellipse">
+                          <a:avLst/>
+                        </a:prstGeom>
+                        <a:solidFill>
+                          <a:srgbClr val="FFC000"/>
+                        </a:solidFill>
+                        <a:ln>
+                          <a:solidFill>
+                            <a:srgbClr val="002060"/>
+                          </a:solidFill>
+                        </a:ln>
+                      </p:spPr>
+                      <p:style>
+                        <a:lnRef idx="2">
+                          <a:schemeClr val="accent1">
+                            <a:shade val="15000"/>
+                          </a:schemeClr>
+                        </a:lnRef>
+                        <a:fillRef idx="1">
+                          <a:schemeClr val="accent1"/>
+                        </a:fillRef>
+                        <a:effectRef idx="0">
+                          <a:schemeClr val="accent1"/>
+                        </a:effectRef>
+                        <a:fontRef idx="minor">
+                          <a:schemeClr val="lt1"/>
+                        </a:fontRef>
+                      </p:style>
+                      <p:txBody>
+                        <a:bodyPr rtlCol="0" anchor="ctr"/>
+                        <a:lstStyle/>
+                        <a:p>
+                          <a:pPr algn="ctr"/>
+                          <a:endParaRPr lang="es-ES"/>
+                        </a:p>
+                      </p:txBody>
+                    </p:sp>
+                    <p:sp>
+                      <p:nvSpPr>
+                        <p:cNvPr id="405" name="Elipse 404">
+                          <a:extLst>
+                            <a:ext uri="{FF2B5EF4-FFF2-40B4-BE49-F238E27FC236}">
+                              <a16:creationId xmlns:a16="http://schemas.microsoft.com/office/drawing/2014/main" id="{92961471-55A8-7BD8-3405-FD4835CF4E35}"/>
+                            </a:ext>
+                          </a:extLst>
+                        </p:cNvPr>
+                        <p:cNvSpPr/>
+                        <p:nvPr/>
+                      </p:nvSpPr>
+                      <p:spPr>
+                        <a:xfrm>
+                          <a:off x="974135" y="2912673"/>
+                          <a:ext cx="154800" cy="157655"/>
+                        </a:xfrm>
+                        <a:prstGeom prst="ellipse">
+                          <a:avLst/>
+                        </a:prstGeom>
+                        <a:solidFill>
+                          <a:srgbClr val="FFC000"/>
+                        </a:solidFill>
+                        <a:ln>
+                          <a:solidFill>
+                            <a:srgbClr val="002060"/>
+                          </a:solidFill>
+                        </a:ln>
+                      </p:spPr>
+                      <p:style>
+                        <a:lnRef idx="2">
+                          <a:schemeClr val="accent1">
+                            <a:shade val="15000"/>
+                          </a:schemeClr>
+                        </a:lnRef>
+                        <a:fillRef idx="1">
+                          <a:schemeClr val="accent1"/>
+                        </a:fillRef>
+                        <a:effectRef idx="0">
+                          <a:schemeClr val="accent1"/>
+                        </a:effectRef>
+                        <a:fontRef idx="minor">
+                          <a:schemeClr val="lt1"/>
+                        </a:fontRef>
+                      </p:style>
+                      <p:txBody>
+                        <a:bodyPr rtlCol="0" anchor="ctr"/>
+                        <a:lstStyle/>
+                        <a:p>
+                          <a:pPr algn="ctr"/>
+                          <a:endParaRPr lang="es-ES"/>
+                        </a:p>
+                      </p:txBody>
+                    </p:sp>
+                  </p:grpSp>
+                  <p:sp>
+                    <p:nvSpPr>
+                      <p:cNvPr id="390" name="Elipse 389">
+                        <a:extLst>
+                          <a:ext uri="{FF2B5EF4-FFF2-40B4-BE49-F238E27FC236}">
+                            <a16:creationId xmlns:a16="http://schemas.microsoft.com/office/drawing/2014/main" id="{074E729C-CD0D-4AAA-73AF-E1334A2C3225}"/>
+                          </a:ext>
+                        </a:extLst>
+                      </p:cNvPr>
+                      <p:cNvSpPr/>
+                      <p:nvPr/>
+                    </p:nvSpPr>
+                    <p:spPr>
+                      <a:xfrm>
+                        <a:off x="3283180" y="1670768"/>
+                        <a:ext cx="241540" cy="224287"/>
+                      </a:xfrm>
+                      <a:prstGeom prst="ellipse">
+                        <a:avLst/>
+                      </a:prstGeom>
+                      <a:noFill/>
+                    </p:spPr>
+                    <p:style>
+                      <a:lnRef idx="2">
+                        <a:schemeClr val="accent6"/>
+                      </a:lnRef>
+                      <a:fillRef idx="1">
+                        <a:schemeClr val="lt1"/>
+                      </a:fillRef>
+                      <a:effectRef idx="0">
+                        <a:schemeClr val="accent6"/>
+                      </a:effectRef>
+                      <a:fontRef idx="minor">
+                        <a:schemeClr val="dk1"/>
+                      </a:fontRef>
+                    </p:style>
+                    <p:txBody>
+                      <a:bodyPr rtlCol="0" anchor="ctr"/>
+                      <a:lstStyle/>
+                      <a:p>
+                        <a:pPr algn="ctr"/>
+                        <a:endParaRPr lang="es-ES"/>
+                      </a:p>
+                    </p:txBody>
+                  </p:sp>
+                  <p:sp>
+                    <p:nvSpPr>
+                      <p:cNvPr id="391" name="Elipse 390">
+                        <a:extLst>
+                          <a:ext uri="{FF2B5EF4-FFF2-40B4-BE49-F238E27FC236}">
+                            <a16:creationId xmlns:a16="http://schemas.microsoft.com/office/drawing/2014/main" id="{DCF7F75C-F65B-8676-4E05-F7D501D201B1}"/>
+                          </a:ext>
+                        </a:extLst>
+                      </p:cNvPr>
+                      <p:cNvSpPr/>
+                      <p:nvPr/>
+                    </p:nvSpPr>
+                    <p:spPr>
+                      <a:xfrm>
+                        <a:off x="4149713" y="1205541"/>
+                        <a:ext cx="241540" cy="224287"/>
+                      </a:xfrm>
+                      <a:prstGeom prst="ellipse">
+                        <a:avLst/>
+                      </a:prstGeom>
+                      <a:noFill/>
+                    </p:spPr>
+                    <p:style>
+                      <a:lnRef idx="2">
+                        <a:schemeClr val="accent6"/>
+                      </a:lnRef>
+                      <a:fillRef idx="1">
+                        <a:schemeClr val="lt1"/>
+                      </a:fillRef>
+                      <a:effectRef idx="0">
+                        <a:schemeClr val="accent6"/>
+                      </a:effectRef>
+                      <a:fontRef idx="minor">
+                        <a:schemeClr val="dk1"/>
+                      </a:fontRef>
+                    </p:style>
+                    <p:txBody>
+                      <a:bodyPr rtlCol="0" anchor="ctr"/>
+                      <a:lstStyle/>
+                      <a:p>
+                        <a:pPr algn="ctr"/>
+                        <a:endParaRPr lang="es-ES"/>
+                      </a:p>
+                    </p:txBody>
+                  </p:sp>
+                  <p:sp>
+                    <p:nvSpPr>
+                      <p:cNvPr id="392" name="Elipse 391">
+                        <a:extLst>
+                          <a:ext uri="{FF2B5EF4-FFF2-40B4-BE49-F238E27FC236}">
+                            <a16:creationId xmlns:a16="http://schemas.microsoft.com/office/drawing/2014/main" id="{8D8A7B69-8323-28E5-3392-2CB25C2EEEDA}"/>
+                          </a:ext>
+                        </a:extLst>
+                      </p:cNvPr>
+                      <p:cNvSpPr/>
+                      <p:nvPr/>
+                    </p:nvSpPr>
+                    <p:spPr>
+                      <a:xfrm>
+                        <a:off x="3496124" y="2008172"/>
+                        <a:ext cx="241540" cy="224287"/>
+                      </a:xfrm>
+                      <a:prstGeom prst="ellipse">
+                        <a:avLst/>
+                      </a:prstGeom>
+                      <a:noFill/>
+                    </p:spPr>
+                    <p:style>
+                      <a:lnRef idx="2">
+                        <a:schemeClr val="accent6"/>
+                      </a:lnRef>
+                      <a:fillRef idx="1">
+                        <a:schemeClr val="lt1"/>
+                      </a:fillRef>
+                      <a:effectRef idx="0">
+                        <a:schemeClr val="accent6"/>
+                      </a:effectRef>
+                      <a:fontRef idx="minor">
+                        <a:schemeClr val="dk1"/>
+                      </a:fontRef>
+                    </p:style>
+                    <p:txBody>
+                      <a:bodyPr rtlCol="0" anchor="ctr"/>
+                      <a:lstStyle/>
+                      <a:p>
+                        <a:pPr algn="ctr"/>
+                        <a:endParaRPr lang="es-ES"/>
+                      </a:p>
+                    </p:txBody>
+                  </p:sp>
+                  <p:sp>
+                    <p:nvSpPr>
+                      <p:cNvPr id="393" name="Elipse 392">
+                        <a:extLst>
+                          <a:ext uri="{FF2B5EF4-FFF2-40B4-BE49-F238E27FC236}">
+                            <a16:creationId xmlns:a16="http://schemas.microsoft.com/office/drawing/2014/main" id="{4C97E08C-F241-E2D9-D62C-8470B46C9721}"/>
+                          </a:ext>
+                        </a:extLst>
+                      </p:cNvPr>
+                      <p:cNvSpPr/>
+                      <p:nvPr/>
+                    </p:nvSpPr>
+                    <p:spPr>
+                      <a:xfrm>
+                        <a:off x="4185628" y="2069400"/>
+                        <a:ext cx="241540" cy="224287"/>
+                      </a:xfrm>
+                      <a:prstGeom prst="ellipse">
+                        <a:avLst/>
+                      </a:prstGeom>
+                      <a:noFill/>
+                    </p:spPr>
+                    <p:style>
+                      <a:lnRef idx="2">
+                        <a:schemeClr val="accent6"/>
+                      </a:lnRef>
+                      <a:fillRef idx="1">
+                        <a:schemeClr val="lt1"/>
+                      </a:fillRef>
+                      <a:effectRef idx="0">
+                        <a:schemeClr val="accent6"/>
+                      </a:effectRef>
+                      <a:fontRef idx="minor">
+                        <a:schemeClr val="dk1"/>
+                      </a:fontRef>
+                    </p:style>
+                    <p:txBody>
+                      <a:bodyPr rtlCol="0" anchor="ctr"/>
+                      <a:lstStyle/>
+                      <a:p>
+                        <a:pPr algn="ctr"/>
+                        <a:endParaRPr lang="es-ES"/>
+                      </a:p>
+                    </p:txBody>
+                  </p:sp>
+                  <p:sp>
+                    <p:nvSpPr>
+                      <p:cNvPr id="394" name="Elipse 393">
+                        <a:extLst>
+                          <a:ext uri="{FF2B5EF4-FFF2-40B4-BE49-F238E27FC236}">
+                            <a16:creationId xmlns:a16="http://schemas.microsoft.com/office/drawing/2014/main" id="{6EF51DD7-EEF6-D861-801A-2A15D9AFD657}"/>
+                          </a:ext>
+                        </a:extLst>
+                      </p:cNvPr>
+                      <p:cNvSpPr/>
+                      <p:nvPr/>
+                    </p:nvSpPr>
+                    <p:spPr>
+                      <a:xfrm>
+                        <a:off x="4183202" y="1857050"/>
+                        <a:ext cx="241540" cy="224287"/>
+                      </a:xfrm>
+                      <a:prstGeom prst="ellipse">
+                        <a:avLst/>
+                      </a:prstGeom>
+                      <a:noFill/>
+                    </p:spPr>
+                    <p:style>
+                      <a:lnRef idx="2">
+                        <a:schemeClr val="accent6"/>
+                      </a:lnRef>
+                      <a:fillRef idx="1">
+                        <a:schemeClr val="lt1"/>
+                      </a:fillRef>
+                      <a:effectRef idx="0">
+                        <a:schemeClr val="accent6"/>
+                      </a:effectRef>
+                      <a:fontRef idx="minor">
+                        <a:schemeClr val="dk1"/>
+                      </a:fontRef>
+                    </p:style>
+                    <p:txBody>
+                      <a:bodyPr rtlCol="0" anchor="ctr"/>
+                      <a:lstStyle/>
+                      <a:p>
+                        <a:pPr algn="ctr"/>
+                        <a:endParaRPr lang="es-ES"/>
+                      </a:p>
+                    </p:txBody>
+                  </p:sp>
+                  <p:sp>
+                    <p:nvSpPr>
+                      <p:cNvPr id="395" name="Elipse 394">
+                        <a:extLst>
+                          <a:ext uri="{FF2B5EF4-FFF2-40B4-BE49-F238E27FC236}">
+                            <a16:creationId xmlns:a16="http://schemas.microsoft.com/office/drawing/2014/main" id="{EE7D005B-ECBA-0891-A7E1-1259FEA66563}"/>
+                          </a:ext>
+                        </a:extLst>
+                      </p:cNvPr>
+                      <p:cNvSpPr/>
+                      <p:nvPr/>
+                    </p:nvSpPr>
+                    <p:spPr>
+                      <a:xfrm>
+                        <a:off x="3049353" y="1874391"/>
+                        <a:ext cx="241540" cy="224287"/>
+                      </a:xfrm>
+                      <a:prstGeom prst="ellipse">
+                        <a:avLst/>
+                      </a:prstGeom>
+                      <a:noFill/>
+                    </p:spPr>
+                    <p:style>
+                      <a:lnRef idx="2">
+                        <a:schemeClr val="accent6"/>
+                      </a:lnRef>
+                      <a:fillRef idx="1">
+                        <a:schemeClr val="lt1"/>
+                      </a:fillRef>
+                      <a:effectRef idx="0">
+                        <a:schemeClr val="accent6"/>
+                      </a:effectRef>
+                      <a:fontRef idx="minor">
+                        <a:schemeClr val="dk1"/>
+                      </a:fontRef>
+                    </p:style>
+                    <p:txBody>
+                      <a:bodyPr rtlCol="0" anchor="ctr"/>
+                      <a:lstStyle/>
+                      <a:p>
+                        <a:pPr algn="ctr"/>
+                        <a:endParaRPr lang="es-ES"/>
+                      </a:p>
+                    </p:txBody>
+                  </p:sp>
+                  <p:sp>
+                    <p:nvSpPr>
+                      <p:cNvPr id="396" name="Elipse 395">
+                        <a:extLst>
+                          <a:ext uri="{FF2B5EF4-FFF2-40B4-BE49-F238E27FC236}">
+                            <a16:creationId xmlns:a16="http://schemas.microsoft.com/office/drawing/2014/main" id="{E4C050EA-A926-0C25-B827-5FBA253C844F}"/>
+                          </a:ext>
+                        </a:extLst>
+                      </p:cNvPr>
+                      <p:cNvSpPr/>
+                      <p:nvPr/>
+                    </p:nvSpPr>
+                    <p:spPr>
+                      <a:xfrm>
+                        <a:off x="4107139" y="2281750"/>
+                        <a:ext cx="241540" cy="224287"/>
+                      </a:xfrm>
+                      <a:prstGeom prst="ellipse">
+                        <a:avLst/>
+                      </a:prstGeom>
+                      <a:noFill/>
+                    </p:spPr>
+                    <p:style>
+                      <a:lnRef idx="2">
+                        <a:schemeClr val="accent6"/>
+                      </a:lnRef>
+                      <a:fillRef idx="1">
+                        <a:schemeClr val="lt1"/>
+                      </a:fillRef>
+                      <a:effectRef idx="0">
+                        <a:schemeClr val="accent6"/>
+                      </a:effectRef>
+                      <a:fontRef idx="minor">
+                        <a:schemeClr val="dk1"/>
+                      </a:fontRef>
+                    </p:style>
+                    <p:txBody>
+                      <a:bodyPr rtlCol="0" anchor="ctr"/>
+                      <a:lstStyle/>
+                      <a:p>
+                        <a:pPr algn="ctr"/>
+                        <a:endParaRPr lang="es-ES"/>
+                      </a:p>
+                    </p:txBody>
+                  </p:sp>
+                  <p:sp>
+                    <p:nvSpPr>
+                      <p:cNvPr id="397" name="Elipse 396">
+                        <a:extLst>
+                          <a:ext uri="{FF2B5EF4-FFF2-40B4-BE49-F238E27FC236}">
+                            <a16:creationId xmlns:a16="http://schemas.microsoft.com/office/drawing/2014/main" id="{92899148-0B59-6C3C-CFC3-D74B6284A362}"/>
+                          </a:ext>
+                        </a:extLst>
+                      </p:cNvPr>
+                      <p:cNvSpPr/>
+                      <p:nvPr/>
+                    </p:nvSpPr>
+                    <p:spPr>
+                      <a:xfrm>
+                        <a:off x="3247296" y="2189231"/>
+                        <a:ext cx="241540" cy="224287"/>
+                      </a:xfrm>
+                      <a:prstGeom prst="ellipse">
+                        <a:avLst/>
+                      </a:prstGeom>
+                      <a:noFill/>
+                    </p:spPr>
+                    <p:style>
+                      <a:lnRef idx="2">
+                        <a:schemeClr val="accent6"/>
+                      </a:lnRef>
+                      <a:fillRef idx="1">
+                        <a:schemeClr val="lt1"/>
+                      </a:fillRef>
+                      <a:effectRef idx="0">
+                        <a:schemeClr val="accent6"/>
+                      </a:effectRef>
+                      <a:fontRef idx="minor">
+                        <a:schemeClr val="dk1"/>
+                      </a:fontRef>
+                    </p:style>
+                    <p:txBody>
+                      <a:bodyPr rtlCol="0" anchor="ctr"/>
+                      <a:lstStyle/>
+                      <a:p>
+                        <a:pPr algn="ctr"/>
+                        <a:endParaRPr lang="es-ES"/>
+                      </a:p>
+                    </p:txBody>
+                  </p:sp>
+                </p:grpSp>
+                <p:sp>
+                  <p:nvSpPr>
+                    <p:cNvPr id="386" name="Elipse 385">
+                      <a:extLst>
+                        <a:ext uri="{FF2B5EF4-FFF2-40B4-BE49-F238E27FC236}">
+                          <a16:creationId xmlns:a16="http://schemas.microsoft.com/office/drawing/2014/main" id="{5A981173-D368-5153-12BF-AE4FA05C35D9}"/>
+                        </a:ext>
+                      </a:extLst>
+                    </p:cNvPr>
+                    <p:cNvSpPr/>
+                    <p:nvPr/>
+                  </p:nvSpPr>
+                  <p:spPr>
+                    <a:xfrm rot="19321757">
+                      <a:off x="5467481" y="1983574"/>
+                      <a:ext cx="1018471" cy="370936"/>
+                    </a:xfrm>
+                    <a:prstGeom prst="ellipse">
+                      <a:avLst/>
+                    </a:prstGeom>
+                    <a:noFill/>
+                    <a:ln>
+                      <a:solidFill>
+                        <a:srgbClr val="FF0000"/>
+                      </a:solidFill>
+                    </a:ln>
+                  </p:spPr>
+                  <p:style>
+                    <a:lnRef idx="2">
+                      <a:schemeClr val="accent1">
+                        <a:shade val="15000"/>
+                      </a:schemeClr>
+                    </a:lnRef>
+                    <a:fillRef idx="1">
+                      <a:schemeClr val="accent1"/>
+                    </a:fillRef>
+                    <a:effectRef idx="0">
+                      <a:schemeClr val="accent1"/>
+                    </a:effectRef>
+                    <a:fontRef idx="minor">
+                      <a:schemeClr val="lt1"/>
+                    </a:fontRef>
+                  </p:style>
+                  <p:txBody>
+                    <a:bodyPr rtlCol="0" anchor="ctr"/>
+                    <a:lstStyle/>
+                    <a:p>
+                      <a:pPr algn="ctr"/>
+                      <a:endParaRPr lang="es-ES"/>
+                    </a:p>
+                  </p:txBody>
+                </p:sp>
+                <p:sp>
+                  <p:nvSpPr>
+                    <p:cNvPr id="387" name="Elipse 386">
+                      <a:extLst>
+                        <a:ext uri="{FF2B5EF4-FFF2-40B4-BE49-F238E27FC236}">
+                          <a16:creationId xmlns:a16="http://schemas.microsoft.com/office/drawing/2014/main" id="{C2C907B1-AB43-F963-E25C-5AF8D96FF653}"/>
+                        </a:ext>
+                      </a:extLst>
+                    </p:cNvPr>
+                    <p:cNvSpPr/>
+                    <p:nvPr/>
+                  </p:nvSpPr>
+                  <p:spPr>
+                    <a:xfrm rot="17448148">
+                      <a:off x="6216480" y="1944198"/>
+                      <a:ext cx="1056684" cy="380207"/>
+                    </a:xfrm>
+                    <a:prstGeom prst="ellipse">
+                      <a:avLst/>
+                    </a:prstGeom>
+                    <a:noFill/>
+                    <a:ln>
+                      <a:solidFill>
+                        <a:srgbClr val="FF0000"/>
+                      </a:solidFill>
+                    </a:ln>
+                  </p:spPr>
+                  <p:style>
+                    <a:lnRef idx="2">
+                      <a:schemeClr val="accent1">
+                        <a:shade val="15000"/>
+                      </a:schemeClr>
+                    </a:lnRef>
+                    <a:fillRef idx="1">
+                      <a:schemeClr val="accent1"/>
+                    </a:fillRef>
+                    <a:effectRef idx="0">
+                      <a:schemeClr val="accent1"/>
+                    </a:effectRef>
+                    <a:fontRef idx="minor">
+                      <a:schemeClr val="lt1"/>
+                    </a:fontRef>
+                  </p:style>
+                  <p:txBody>
+                    <a:bodyPr rtlCol="0" anchor="ctr"/>
+                    <a:lstStyle/>
+                    <a:p>
+                      <a:pPr algn="ctr"/>
+                      <a:endParaRPr lang="es-ES" dirty="0"/>
+                    </a:p>
+                  </p:txBody>
+                </p:sp>
+                <p:sp>
+                  <p:nvSpPr>
+                    <p:cNvPr id="388" name="Elipse 387">
+                      <a:extLst>
+                        <a:ext uri="{FF2B5EF4-FFF2-40B4-BE49-F238E27FC236}">
+                          <a16:creationId xmlns:a16="http://schemas.microsoft.com/office/drawing/2014/main" id="{44836610-90C3-358A-A784-7C8BD661B89E}"/>
+                        </a:ext>
+                      </a:extLst>
+                    </p:cNvPr>
+                    <p:cNvSpPr/>
+                    <p:nvPr/>
+                  </p:nvSpPr>
+                  <p:spPr>
+                    <a:xfrm rot="19321757">
+                      <a:off x="5247354" y="1596122"/>
+                      <a:ext cx="1018471" cy="408812"/>
+                    </a:xfrm>
+                    <a:prstGeom prst="ellipse">
+                      <a:avLst/>
+                    </a:prstGeom>
+                    <a:noFill/>
+                    <a:ln>
+                      <a:solidFill>
+                        <a:srgbClr val="FF0000"/>
+                      </a:solidFill>
+                    </a:ln>
+                  </p:spPr>
+                  <p:style>
+                    <a:lnRef idx="2">
+                      <a:schemeClr val="accent1">
+                        <a:shade val="15000"/>
+                      </a:schemeClr>
+                    </a:lnRef>
+                    <a:fillRef idx="1">
+                      <a:schemeClr val="accent1"/>
+                    </a:fillRef>
+                    <a:effectRef idx="0">
+                      <a:schemeClr val="accent1"/>
+                    </a:effectRef>
+                    <a:fontRef idx="minor">
+                      <a:schemeClr val="lt1"/>
+                    </a:fontRef>
+                  </p:style>
+                  <p:txBody>
+                    <a:bodyPr rtlCol="0" anchor="ctr"/>
+                    <a:lstStyle/>
+                    <a:p>
+                      <a:pPr algn="ctr"/>
+                      <a:endParaRPr lang="es-ES"/>
+                    </a:p>
+                  </p:txBody>
+                </p:sp>
+              </p:grpSp>
+              <p:sp>
+                <p:nvSpPr>
+                  <p:cNvPr id="384" name="Elipse 383">
+                    <a:extLst>
+                      <a:ext uri="{FF2B5EF4-FFF2-40B4-BE49-F238E27FC236}">
+                        <a16:creationId xmlns:a16="http://schemas.microsoft.com/office/drawing/2014/main" id="{09C731DF-A89F-F0F8-300D-F22F1F965EAE}"/>
+                      </a:ext>
+                    </a:extLst>
+                  </p:cNvPr>
+                  <p:cNvSpPr/>
+                  <p:nvPr/>
+                </p:nvSpPr>
+                <p:spPr>
+                  <a:xfrm>
+                    <a:off x="8807002" y="1009291"/>
+                    <a:ext cx="725602" cy="1686425"/>
+                  </a:xfrm>
+                  <a:prstGeom prst="ellipse">
+                    <a:avLst/>
+                  </a:prstGeom>
+                  <a:noFill/>
+                </p:spPr>
+                <p:style>
+                  <a:lnRef idx="2">
+                    <a:schemeClr val="accent1"/>
+                  </a:lnRef>
+                  <a:fillRef idx="1">
+                    <a:schemeClr val="lt1"/>
+                  </a:fillRef>
+                  <a:effectRef idx="0">
+                    <a:schemeClr val="accent1"/>
+                  </a:effectRef>
+                  <a:fontRef idx="minor">
+                    <a:schemeClr val="dk1"/>
+                  </a:fontRef>
+                </p:style>
+                <p:txBody>
+                  <a:bodyPr rtlCol="0" anchor="ctr"/>
+                  <a:lstStyle/>
+                  <a:p>
+                    <a:pPr algn="ctr"/>
+                    <a:endParaRPr lang="es-ES"/>
+                  </a:p>
+                </p:txBody>
+              </p:sp>
+            </p:grpSp>
+            <p:sp>
+              <p:nvSpPr>
+                <p:cNvPr id="382" name="Elipse 381">
+                  <a:extLst>
+                    <a:ext uri="{FF2B5EF4-FFF2-40B4-BE49-F238E27FC236}">
+                      <a16:creationId xmlns:a16="http://schemas.microsoft.com/office/drawing/2014/main" id="{182FEAD3-C50E-EB44-D4C7-9390E1F4BFD8}"/>
+                    </a:ext>
+                  </a:extLst>
+                </p:cNvPr>
+                <p:cNvSpPr/>
+                <p:nvPr/>
+              </p:nvSpPr>
+              <p:spPr>
+                <a:xfrm>
+                  <a:off x="9938305" y="766270"/>
+                  <a:ext cx="2035159" cy="2123579"/>
+                </a:xfrm>
+                <a:prstGeom prst="ellipse">
+                  <a:avLst/>
+                </a:prstGeom>
+                <a:noFill/>
+                <a:ln>
+                  <a:solidFill>
+                    <a:schemeClr val="accent5">
+                      <a:lumMod val="60000"/>
+                      <a:lumOff val="40000"/>
+                    </a:schemeClr>
+                  </a:solidFill>
+                </a:ln>
+              </p:spPr>
+              <p:style>
+                <a:lnRef idx="2">
+                  <a:schemeClr val="accent1">
+                    <a:shade val="15000"/>
+                  </a:schemeClr>
+                </a:lnRef>
+                <a:fillRef idx="1">
+                  <a:schemeClr val="accent1"/>
+                </a:fillRef>
+                <a:effectRef idx="0">
+                  <a:schemeClr val="accent1"/>
+                </a:effectRef>
+                <a:fontRef idx="minor">
+                  <a:schemeClr val="lt1"/>
+                </a:fontRef>
+              </p:style>
+              <p:txBody>
+                <a:bodyPr rtlCol="0" anchor="ctr"/>
+                <a:lstStyle/>
+                <a:p>
+                  <a:pPr algn="ctr"/>
+                  <a:endParaRPr lang="es-ES"/>
+                </a:p>
+              </p:txBody>
+            </p:sp>
+          </p:grpSp>
+          <p:grpSp>
+            <p:nvGrpSpPr>
+              <p:cNvPr id="406" name="Grupo 405">
+                <a:extLst>
+                  <a:ext uri="{FF2B5EF4-FFF2-40B4-BE49-F238E27FC236}">
+                    <a16:creationId xmlns:a16="http://schemas.microsoft.com/office/drawing/2014/main" id="{385A9AE1-9BDB-AA02-A164-5DB57340E43B}"/>
+                  </a:ext>
+                </a:extLst>
+              </p:cNvPr>
+              <p:cNvGrpSpPr/>
+              <p:nvPr/>
+            </p:nvGrpSpPr>
+            <p:grpSpPr>
+              <a:xfrm>
+                <a:off x="10749621" y="4365776"/>
+                <a:ext cx="1249060" cy="1179611"/>
+                <a:chOff x="701898" y="1249795"/>
+                <a:chExt cx="1760662" cy="1959743"/>
+              </a:xfrm>
+            </p:grpSpPr>
+            <p:sp>
+              <p:nvSpPr>
+                <p:cNvPr id="407" name="Elipse 406">
+                  <a:extLst>
+                    <a:ext uri="{FF2B5EF4-FFF2-40B4-BE49-F238E27FC236}">
+                      <a16:creationId xmlns:a16="http://schemas.microsoft.com/office/drawing/2014/main" id="{FC54777A-094D-947F-1743-C3C565F50C53}"/>
+                    </a:ext>
+                  </a:extLst>
+                </p:cNvPr>
+                <p:cNvSpPr/>
+                <p:nvPr/>
+              </p:nvSpPr>
+              <p:spPr>
+                <a:xfrm>
+                  <a:off x="2017361" y="1249795"/>
+                  <a:ext cx="154800" cy="157655"/>
+                </a:xfrm>
+                <a:prstGeom prst="ellipse">
+                  <a:avLst/>
+                </a:prstGeom>
+                <a:solidFill>
+                  <a:srgbClr val="FFC000"/>
+                </a:solidFill>
+                <a:ln>
+                  <a:solidFill>
+                    <a:srgbClr val="002060"/>
+                  </a:solidFill>
+                </a:ln>
+              </p:spPr>
+              <p:style>
+                <a:lnRef idx="2">
+                  <a:schemeClr val="accent1">
+                    <a:shade val="15000"/>
+                  </a:schemeClr>
+                </a:lnRef>
+                <a:fillRef idx="1">
+                  <a:schemeClr val="accent1"/>
+                </a:fillRef>
+                <a:effectRef idx="0">
+                  <a:schemeClr val="accent1"/>
+                </a:effectRef>
+                <a:fontRef idx="minor">
+                  <a:schemeClr val="lt1"/>
+                </a:fontRef>
+              </p:style>
+              <p:txBody>
+                <a:bodyPr rtlCol="0" anchor="ctr"/>
+                <a:lstStyle/>
+                <a:p>
+                  <a:pPr algn="ctr"/>
+                  <a:endParaRPr lang="es-ES"/>
+                </a:p>
+              </p:txBody>
+            </p:sp>
+            <p:sp>
+              <p:nvSpPr>
+                <p:cNvPr id="408" name="Elipse 407">
+                  <a:extLst>
+                    <a:ext uri="{FF2B5EF4-FFF2-40B4-BE49-F238E27FC236}">
+                      <a16:creationId xmlns:a16="http://schemas.microsoft.com/office/drawing/2014/main" id="{9F4EEE7B-9F49-BBFD-054B-990970A18A75}"/>
+                    </a:ext>
+                  </a:extLst>
+                </p:cNvPr>
+                <p:cNvSpPr/>
+                <p:nvPr/>
+              </p:nvSpPr>
+              <p:spPr>
+                <a:xfrm>
+                  <a:off x="2307760" y="2364202"/>
+                  <a:ext cx="154800" cy="157655"/>
+                </a:xfrm>
+                <a:prstGeom prst="ellipse">
+                  <a:avLst/>
+                </a:prstGeom>
+                <a:solidFill>
+                  <a:srgbClr val="FFC000"/>
+                </a:solidFill>
+                <a:ln>
+                  <a:solidFill>
+                    <a:srgbClr val="002060"/>
+                  </a:solidFill>
+                </a:ln>
+              </p:spPr>
+              <p:style>
+                <a:lnRef idx="2">
+                  <a:schemeClr val="accent1">
+                    <a:shade val="15000"/>
+                  </a:schemeClr>
+                </a:lnRef>
+                <a:fillRef idx="1">
+                  <a:schemeClr val="accent1"/>
+                </a:fillRef>
+                <a:effectRef idx="0">
+                  <a:schemeClr val="accent1"/>
+                </a:effectRef>
+                <a:fontRef idx="minor">
+                  <a:schemeClr val="lt1"/>
+                </a:fontRef>
+              </p:style>
+              <p:txBody>
+                <a:bodyPr rtlCol="0" anchor="ctr"/>
+                <a:lstStyle/>
+                <a:p>
+                  <a:pPr algn="ctr"/>
+                  <a:endParaRPr lang="es-ES"/>
+                </a:p>
+              </p:txBody>
+            </p:sp>
+            <p:sp>
+              <p:nvSpPr>
+                <p:cNvPr id="409" name="Elipse 408">
+                  <a:extLst>
+                    <a:ext uri="{FF2B5EF4-FFF2-40B4-BE49-F238E27FC236}">
+                      <a16:creationId xmlns:a16="http://schemas.microsoft.com/office/drawing/2014/main" id="{ADB202B9-1C21-6251-4DBC-4347E938479C}"/>
+                    </a:ext>
+                  </a:extLst>
+                </p:cNvPr>
+                <p:cNvSpPr/>
+                <p:nvPr/>
+              </p:nvSpPr>
+              <p:spPr>
+                <a:xfrm>
+                  <a:off x="701898" y="2379854"/>
+                  <a:ext cx="154800" cy="157655"/>
+                </a:xfrm>
+                <a:prstGeom prst="ellipse">
+                  <a:avLst/>
+                </a:prstGeom>
+                <a:solidFill>
+                  <a:srgbClr val="FFC000"/>
+                </a:solidFill>
+                <a:ln>
+                  <a:solidFill>
+                    <a:srgbClr val="002060"/>
+                  </a:solidFill>
+                </a:ln>
+              </p:spPr>
+              <p:style>
+                <a:lnRef idx="2">
+                  <a:schemeClr val="accent1">
+                    <a:shade val="15000"/>
+                  </a:schemeClr>
+                </a:lnRef>
+                <a:fillRef idx="1">
+                  <a:schemeClr val="accent1"/>
+                </a:fillRef>
+                <a:effectRef idx="0">
+                  <a:schemeClr val="accent1"/>
+                </a:effectRef>
+                <a:fontRef idx="minor">
+                  <a:schemeClr val="lt1"/>
+                </a:fontRef>
+              </p:style>
+              <p:txBody>
+                <a:bodyPr rtlCol="0" anchor="ctr"/>
+                <a:lstStyle/>
+                <a:p>
+                  <a:pPr algn="ctr"/>
+                  <a:endParaRPr lang="es-ES"/>
+                </a:p>
+              </p:txBody>
+            </p:sp>
+            <p:sp>
+              <p:nvSpPr>
+                <p:cNvPr id="410" name="Elipse 409">
+                  <a:extLst>
+                    <a:ext uri="{FF2B5EF4-FFF2-40B4-BE49-F238E27FC236}">
+                      <a16:creationId xmlns:a16="http://schemas.microsoft.com/office/drawing/2014/main" id="{E6252F30-7DCC-0FB4-E2B9-B0EB4CF950DE}"/>
+                    </a:ext>
+                  </a:extLst>
+                </p:cNvPr>
+                <p:cNvSpPr/>
+                <p:nvPr/>
+              </p:nvSpPr>
+              <p:spPr>
+                <a:xfrm>
+                  <a:off x="1333348" y="2608030"/>
+                  <a:ext cx="154800" cy="157655"/>
+                </a:xfrm>
+                <a:prstGeom prst="ellipse">
+                  <a:avLst/>
+                </a:prstGeom>
+                <a:solidFill>
+                  <a:srgbClr val="FFC000"/>
+                </a:solidFill>
+                <a:ln>
+                  <a:solidFill>
+                    <a:srgbClr val="002060"/>
+                  </a:solidFill>
+                </a:ln>
+              </p:spPr>
+              <p:style>
+                <a:lnRef idx="2">
+                  <a:schemeClr val="accent1">
+                    <a:shade val="15000"/>
+                  </a:schemeClr>
+                </a:lnRef>
+                <a:fillRef idx="1">
+                  <a:schemeClr val="accent1"/>
+                </a:fillRef>
+                <a:effectRef idx="0">
+                  <a:schemeClr val="accent1"/>
+                </a:effectRef>
+                <a:fontRef idx="minor">
+                  <a:schemeClr val="lt1"/>
+                </a:fontRef>
+              </p:style>
+              <p:txBody>
+                <a:bodyPr rtlCol="0" anchor="ctr"/>
+                <a:lstStyle/>
+                <a:p>
+                  <a:pPr algn="ctr"/>
+                  <a:endParaRPr lang="es-ES"/>
+                </a:p>
+              </p:txBody>
+            </p:sp>
+            <p:sp>
+              <p:nvSpPr>
+                <p:cNvPr id="411" name="Elipse 410">
+                  <a:extLst>
+                    <a:ext uri="{FF2B5EF4-FFF2-40B4-BE49-F238E27FC236}">
+                      <a16:creationId xmlns:a16="http://schemas.microsoft.com/office/drawing/2014/main" id="{47CBF61B-B933-EDD0-34AC-AFE4A097B508}"/>
+                    </a:ext>
+                  </a:extLst>
+                </p:cNvPr>
+                <p:cNvSpPr/>
+                <p:nvPr/>
+              </p:nvSpPr>
+              <p:spPr>
+                <a:xfrm>
+                  <a:off x="2307760" y="2718926"/>
+                  <a:ext cx="154800" cy="157655"/>
+                </a:xfrm>
+                <a:prstGeom prst="ellipse">
+                  <a:avLst/>
+                </a:prstGeom>
+                <a:solidFill>
+                  <a:srgbClr val="FFC000"/>
+                </a:solidFill>
+                <a:ln>
+                  <a:solidFill>
+                    <a:srgbClr val="002060"/>
+                  </a:solidFill>
+                </a:ln>
+              </p:spPr>
+              <p:style>
+                <a:lnRef idx="2">
+                  <a:schemeClr val="accent1">
+                    <a:shade val="15000"/>
+                  </a:schemeClr>
+                </a:lnRef>
+                <a:fillRef idx="1">
+                  <a:schemeClr val="accent1"/>
+                </a:fillRef>
+                <a:effectRef idx="0">
+                  <a:schemeClr val="accent1"/>
+                </a:effectRef>
+                <a:fontRef idx="minor">
+                  <a:schemeClr val="lt1"/>
+                </a:fontRef>
+              </p:style>
+              <p:txBody>
+                <a:bodyPr rtlCol="0" anchor="ctr"/>
+                <a:lstStyle/>
+                <a:p>
+                  <a:pPr algn="ctr"/>
+                  <a:endParaRPr lang="es-ES"/>
+                </a:p>
+              </p:txBody>
+            </p:sp>
+            <p:sp>
+              <p:nvSpPr>
+                <p:cNvPr id="412" name="Elipse 411">
+                  <a:extLst>
+                    <a:ext uri="{FF2B5EF4-FFF2-40B4-BE49-F238E27FC236}">
+                      <a16:creationId xmlns:a16="http://schemas.microsoft.com/office/drawing/2014/main" id="{7D10D411-02CC-58E9-BFC6-6224EB40EDEB}"/>
+                    </a:ext>
+                  </a:extLst>
+                </p:cNvPr>
+                <p:cNvSpPr/>
+                <p:nvPr/>
+              </p:nvSpPr>
+              <p:spPr>
+                <a:xfrm>
+                  <a:off x="1039099" y="2056660"/>
+                  <a:ext cx="154800" cy="157655"/>
+                </a:xfrm>
+                <a:prstGeom prst="ellipse">
+                  <a:avLst/>
+                </a:prstGeom>
+                <a:solidFill>
+                  <a:srgbClr val="FFC000"/>
+                </a:solidFill>
+                <a:ln>
+                  <a:solidFill>
+                    <a:srgbClr val="002060"/>
+                  </a:solidFill>
+                </a:ln>
+              </p:spPr>
+              <p:style>
+                <a:lnRef idx="2">
+                  <a:schemeClr val="accent1">
+                    <a:shade val="15000"/>
+                  </a:schemeClr>
+                </a:lnRef>
+                <a:fillRef idx="1">
+                  <a:schemeClr val="accent1"/>
+                </a:fillRef>
+                <a:effectRef idx="0">
+                  <a:schemeClr val="accent1"/>
+                </a:effectRef>
+                <a:fontRef idx="minor">
+                  <a:schemeClr val="lt1"/>
+                </a:fontRef>
+              </p:style>
+              <p:txBody>
+                <a:bodyPr rtlCol="0" anchor="ctr"/>
+                <a:lstStyle/>
+                <a:p>
+                  <a:pPr algn="ctr"/>
+                  <a:endParaRPr lang="es-ES"/>
+                </a:p>
+              </p:txBody>
+            </p:sp>
+            <p:sp>
+              <p:nvSpPr>
+                <p:cNvPr id="413" name="Elipse 412">
+                  <a:extLst>
+                    <a:ext uri="{FF2B5EF4-FFF2-40B4-BE49-F238E27FC236}">
+                      <a16:creationId xmlns:a16="http://schemas.microsoft.com/office/drawing/2014/main" id="{E2A0B5DB-3B20-3063-7BB6-FF359404A61C}"/>
+                    </a:ext>
+                  </a:extLst>
+                </p:cNvPr>
+                <p:cNvSpPr/>
+                <p:nvPr/>
+              </p:nvSpPr>
+              <p:spPr>
+                <a:xfrm>
+                  <a:off x="2200542" y="3051883"/>
+                  <a:ext cx="154800" cy="157655"/>
+                </a:xfrm>
+                <a:prstGeom prst="ellipse">
+                  <a:avLst/>
+                </a:prstGeom>
+                <a:solidFill>
+                  <a:srgbClr val="FFC000"/>
+                </a:solidFill>
+                <a:ln>
+                  <a:solidFill>
+                    <a:srgbClr val="002060"/>
+                  </a:solidFill>
+                </a:ln>
+              </p:spPr>
+              <p:style>
+                <a:lnRef idx="2">
+                  <a:schemeClr val="accent1">
+                    <a:shade val="15000"/>
+                  </a:schemeClr>
+                </a:lnRef>
+                <a:fillRef idx="1">
+                  <a:schemeClr val="accent1"/>
+                </a:fillRef>
+                <a:effectRef idx="0">
+                  <a:schemeClr val="accent1"/>
+                </a:effectRef>
+                <a:fontRef idx="minor">
+                  <a:schemeClr val="lt1"/>
+                </a:fontRef>
+              </p:style>
+              <p:txBody>
+                <a:bodyPr rtlCol="0" anchor="ctr"/>
+                <a:lstStyle/>
+                <a:p>
+                  <a:pPr algn="ctr"/>
+                  <a:endParaRPr lang="es-ES"/>
+                </a:p>
+              </p:txBody>
+            </p:sp>
+            <p:sp>
+              <p:nvSpPr>
+                <p:cNvPr id="414" name="Elipse 413">
+                  <a:extLst>
+                    <a:ext uri="{FF2B5EF4-FFF2-40B4-BE49-F238E27FC236}">
+                      <a16:creationId xmlns:a16="http://schemas.microsoft.com/office/drawing/2014/main" id="{014E3C34-6657-2AB2-FB44-27BF1BC199BA}"/>
+                    </a:ext>
+                  </a:extLst>
+                </p:cNvPr>
+                <p:cNvSpPr/>
+                <p:nvPr/>
+              </p:nvSpPr>
+              <p:spPr>
+                <a:xfrm>
+                  <a:off x="974135" y="2912673"/>
+                  <a:ext cx="154800" cy="157655"/>
+                </a:xfrm>
+                <a:prstGeom prst="ellipse">
+                  <a:avLst/>
+                </a:prstGeom>
+                <a:solidFill>
+                  <a:srgbClr val="FFC000"/>
+                </a:solidFill>
+                <a:ln>
+                  <a:solidFill>
+                    <a:srgbClr val="002060"/>
+                  </a:solidFill>
+                </a:ln>
+              </p:spPr>
+              <p:style>
+                <a:lnRef idx="2">
+                  <a:schemeClr val="accent1">
+                    <a:shade val="15000"/>
+                  </a:schemeClr>
+                </a:lnRef>
+                <a:fillRef idx="1">
+                  <a:schemeClr val="accent1"/>
+                </a:fillRef>
+                <a:effectRef idx="0">
+                  <a:schemeClr val="accent1"/>
+                </a:effectRef>
+                <a:fontRef idx="minor">
+                  <a:schemeClr val="lt1"/>
+                </a:fontRef>
+              </p:style>
+              <p:txBody>
+                <a:bodyPr rtlCol="0" anchor="ctr"/>
+                <a:lstStyle/>
+                <a:p>
+                  <a:pPr algn="ctr"/>
+                  <a:endParaRPr lang="es-ES"/>
+                </a:p>
+              </p:txBody>
+            </p:sp>
+          </p:grpSp>
+        </p:grpSp>
+      </p:grpSp>
+    </p:spTree>
+    <p:extLst>
+      <p:ext uri="{BB962C8B-B14F-4D97-AF65-F5344CB8AC3E}">
+        <p14:creationId xmlns:p14="http://schemas.microsoft.com/office/powerpoint/2010/main" val="830760930"/>
+      </p:ext>
+    </p:extLst>
+  </p:cSld>
+  <p:clrMapOvr>
+    <a:masterClrMapping/>
+  </p:clrMapOvr>
+</p:sld>
+</file>
+
+<file path=ppt/slides/slide4.xml><?xml version="1.0" encoding="utf-8"?>
 <p:sld xmlns:a="http://schemas.openxmlformats.org/drawingml/2006/main" xmlns:r="http://schemas.openxmlformats.org/officeDocument/2006/relationships" xmlns:p="http://schemas.openxmlformats.org/presentationml/2006/main">
   <p:cSld>
     <p:spTree>
